--- a/clases/Cap04_Clasificacion/presentations/PAT04_KNN.pptx
+++ b/clases/Cap04_Clasificacion/presentations/PAT04_KNN.pptx
@@ -4219,28 +4219,6 @@
           </a:p>
           <a:p>
             <a:pPr algn="ctr"/>
-            <a:r>
-              <a:rPr lang="es-CL" sz="1200" smtClean="0">
-                <a:solidFill>
-                  <a:schemeClr val="bg1">
-                    <a:lumMod val="75000"/>
-                  </a:schemeClr>
-                </a:solidFill>
-                <a:latin typeface="Trebuchet MS" pitchFamily="34" charset="0"/>
-              </a:rPr>
-              <a:t>Semestre </a:t>
-            </a:r>
-            <a:r>
-              <a:rPr lang="es-CL" sz="1200" smtClean="0">
-                <a:solidFill>
-                  <a:schemeClr val="bg1">
-                    <a:lumMod val="75000"/>
-                  </a:schemeClr>
-                </a:solidFill>
-                <a:latin typeface="Trebuchet MS" pitchFamily="34" charset="0"/>
-              </a:rPr>
-              <a:t>2018-1</a:t>
-            </a:r>
             <a:endParaRPr lang="en-US" sz="1200" dirty="0">
               <a:solidFill>
                 <a:schemeClr val="bg1">

--- a/clases/Cap04_Clasificacion/presentations/PAT04_KNN.pptx
+++ b/clases/Cap04_Clasificacion/presentations/PAT04_KNN.pptx
@@ -5,7 +5,7 @@
     <p:sldMasterId id="2147483648" r:id="rId1"/>
   </p:sldMasterIdLst>
   <p:notesMasterIdLst>
-    <p:notesMasterId r:id="rId13"/>
+    <p:notesMasterId r:id="rId16"/>
   </p:notesMasterIdLst>
   <p:sldIdLst>
     <p:sldId id="294" r:id="rId2"/>
@@ -19,6 +19,9 @@
     <p:sldId id="291" r:id="rId10"/>
     <p:sldId id="293" r:id="rId11"/>
     <p:sldId id="292" r:id="rId12"/>
+    <p:sldId id="297" r:id="rId13"/>
+    <p:sldId id="295" r:id="rId14"/>
+    <p:sldId id="296" r:id="rId15"/>
   </p:sldIdLst>
   <p:sldSz cx="9144000" cy="6858000" type="screen4x3"/>
   <p:notesSz cx="6858000" cy="9144000"/>
@@ -8941,6 +8944,202 @@
     <p:extLst>
       <p:ext uri="{BB962C8B-B14F-4D97-AF65-F5344CB8AC3E}">
         <p14:creationId xmlns:p14="http://schemas.microsoft.com/office/powerpoint/2010/main" val="3284784657"/>
+      </p:ext>
+    </p:extLst>
+  </p:cSld>
+  <p:clrMapOvr>
+    <a:masterClrMapping/>
+  </p:clrMapOvr>
+  <p:timing>
+    <p:tnLst>
+      <p:par>
+        <p:cTn id="1" dur="indefinite" restart="never" nodeType="tmRoot"/>
+      </p:par>
+    </p:tnLst>
+  </p:timing>
+</p:sld>
+</file>
+
+<file path=ppt/slides/slide12.xml><?xml version="1.0" encoding="utf-8"?>
+<p:sld xmlns:a="http://schemas.openxmlformats.org/drawingml/2006/main" xmlns:r="http://schemas.openxmlformats.org/officeDocument/2006/relationships" xmlns:p="http://schemas.openxmlformats.org/presentationml/2006/main">
+  <p:cSld>
+    <p:spTree>
+      <p:nvGrpSpPr>
+        <p:cNvPr id="1" name=""/>
+        <p:cNvGrpSpPr/>
+        <p:nvPr/>
+      </p:nvGrpSpPr>
+      <p:grpSpPr>
+        <a:xfrm>
+          <a:off x="0" y="0"/>
+          <a:ext cx="0" cy="0"/>
+          <a:chOff x="0" y="0"/>
+          <a:chExt cx="0" cy="0"/>
+        </a:xfrm>
+      </p:grpSpPr>
+      <p:sp>
+        <p:nvSpPr>
+          <p:cNvPr id="2" name="Title 1"/>
+          <p:cNvSpPr>
+            <a:spLocks noGrp="1"/>
+          </p:cNvSpPr>
+          <p:nvPr>
+            <p:ph type="title"/>
+          </p:nvPr>
+        </p:nvSpPr>
+        <p:spPr>
+          <a:xfrm>
+            <a:off x="427703" y="2486896"/>
+            <a:ext cx="8229600" cy="1143000"/>
+          </a:xfrm>
+        </p:spPr>
+        <p:txBody>
+          <a:bodyPr/>
+          <a:lstStyle/>
+          <a:p>
+            <a:r>
+              <a:rPr lang="en-US" dirty="0" smtClean="0"/>
+              <a:t>Example with 80 million images</a:t>
+            </a:r>
+            <a:endParaRPr lang="en-US" dirty="0"/>
+          </a:p>
+        </p:txBody>
+      </p:sp>
+    </p:spTree>
+    <p:extLst>
+      <p:ext uri="{BB962C8B-B14F-4D97-AF65-F5344CB8AC3E}">
+        <p14:creationId xmlns:p14="http://schemas.microsoft.com/office/powerpoint/2010/main" val="868810421"/>
+      </p:ext>
+    </p:extLst>
+  </p:cSld>
+  <p:clrMapOvr>
+    <a:masterClrMapping/>
+  </p:clrMapOvr>
+</p:sld>
+</file>
+
+<file path=ppt/slides/slide13.xml><?xml version="1.0" encoding="utf-8"?>
+<p:sld xmlns:a="http://schemas.openxmlformats.org/drawingml/2006/main" xmlns:r="http://schemas.openxmlformats.org/officeDocument/2006/relationships" xmlns:p="http://schemas.openxmlformats.org/presentationml/2006/main">
+  <p:cSld>
+    <p:bg>
+      <p:bgPr>
+        <a:solidFill>
+          <a:schemeClr val="tx1"/>
+        </a:solidFill>
+        <a:effectLst/>
+      </p:bgPr>
+    </p:bg>
+    <p:spTree>
+      <p:nvGrpSpPr>
+        <p:cNvPr id="1" name=""/>
+        <p:cNvGrpSpPr/>
+        <p:nvPr/>
+      </p:nvGrpSpPr>
+      <p:grpSpPr>
+        <a:xfrm>
+          <a:off x="0" y="0"/>
+          <a:ext cx="0" cy="0"/>
+          <a:chOff x="0" y="0"/>
+          <a:chExt cx="0" cy="0"/>
+        </a:xfrm>
+      </p:grpSpPr>
+      <p:pic>
+        <p:nvPicPr>
+          <p:cNvPr id="2" name="Imagen 1" descr="Screen Shot 2013-05-14 at 9.15.43 AM.png"/>
+          <p:cNvPicPr>
+            <a:picLocks noChangeAspect="1"/>
+          </p:cNvPicPr>
+          <p:nvPr/>
+        </p:nvPicPr>
+        <p:blipFill>
+          <a:blip r:embed="rId2"/>
+          <a:stretch>
+            <a:fillRect/>
+          </a:stretch>
+        </p:blipFill>
+        <p:spPr>
+          <a:xfrm>
+            <a:off x="1952553" y="0"/>
+            <a:ext cx="5238893" cy="6858000"/>
+          </a:xfrm>
+          <a:prstGeom prst="rect">
+            <a:avLst/>
+          </a:prstGeom>
+        </p:spPr>
+      </p:pic>
+    </p:spTree>
+    <p:extLst>
+      <p:ext uri="{BB962C8B-B14F-4D97-AF65-F5344CB8AC3E}">
+        <p14:creationId xmlns:p14="http://schemas.microsoft.com/office/powerpoint/2010/main" val="1748163533"/>
+      </p:ext>
+    </p:extLst>
+  </p:cSld>
+  <p:clrMapOvr>
+    <a:masterClrMapping/>
+  </p:clrMapOvr>
+  <p:timing>
+    <p:tnLst>
+      <p:par>
+        <p:cTn id="1" dur="indefinite" restart="never" nodeType="tmRoot"/>
+      </p:par>
+    </p:tnLst>
+  </p:timing>
+</p:sld>
+</file>
+
+<file path=ppt/slides/slide14.xml><?xml version="1.0" encoding="utf-8"?>
+<p:sld xmlns:a="http://schemas.openxmlformats.org/drawingml/2006/main" xmlns:r="http://schemas.openxmlformats.org/officeDocument/2006/relationships" xmlns:p="http://schemas.openxmlformats.org/presentationml/2006/main">
+  <p:cSld>
+    <p:bg>
+      <p:bgPr>
+        <a:solidFill>
+          <a:schemeClr val="tx1"/>
+        </a:solidFill>
+        <a:effectLst/>
+      </p:bgPr>
+    </p:bg>
+    <p:spTree>
+      <p:nvGrpSpPr>
+        <p:cNvPr id="1" name=""/>
+        <p:cNvGrpSpPr/>
+        <p:nvPr/>
+      </p:nvGrpSpPr>
+      <p:grpSpPr>
+        <a:xfrm>
+          <a:off x="0" y="0"/>
+          <a:ext cx="0" cy="0"/>
+          <a:chOff x="0" y="0"/>
+          <a:chExt cx="0" cy="0"/>
+        </a:xfrm>
+      </p:grpSpPr>
+      <p:pic>
+        <p:nvPicPr>
+          <p:cNvPr id="2" name="Imagen 1" descr="Screen Shot 2013-05-14 at 9.15.31 AM.png"/>
+          <p:cNvPicPr>
+            <a:picLocks noChangeAspect="1"/>
+          </p:cNvPicPr>
+          <p:nvPr/>
+        </p:nvPicPr>
+        <p:blipFill>
+          <a:blip r:embed="rId2"/>
+          <a:stretch>
+            <a:fillRect/>
+          </a:stretch>
+        </p:blipFill>
+        <p:spPr>
+          <a:xfrm>
+            <a:off x="1846791" y="0"/>
+            <a:ext cx="5450417" cy="6858000"/>
+          </a:xfrm>
+          <a:prstGeom prst="rect">
+            <a:avLst/>
+          </a:prstGeom>
+        </p:spPr>
+      </p:pic>
+    </p:spTree>
+    <p:extLst>
+      <p:ext uri="{BB962C8B-B14F-4D97-AF65-F5344CB8AC3E}">
+        <p14:creationId xmlns:p14="http://schemas.microsoft.com/office/powerpoint/2010/main" val="1660724524"/>
       </p:ext>
     </p:extLst>
   </p:cSld>

--- a/clases/Cap04_Clasificacion/presentations/PAT04_KNN.pptx
+++ b/clases/Cap04_Clasificacion/presentations/PAT04_KNN.pptx
@@ -681,7 +681,7 @@
           <a:lstStyle/>
           <a:p>
             <a:pPr eaLnBrk="1" hangingPunct="1"/>
-            <a:endParaRPr lang="es-ES" smtClean="0"/>
+            <a:endParaRPr lang="es-ES"/>
           </a:p>
         </p:txBody>
       </p:sp>
@@ -731,10 +731,9 @@
           <a:lstStyle/>
           <a:p>
             <a:r>
-              <a:rPr lang="es-ES_tradnl" smtClean="0"/>
+              <a:rPr lang="es-ES_tradnl"/>
               <a:t>Clic para editar título</a:t>
             </a:r>
-            <a:endParaRPr lang="es-ES_tradnl"/>
           </a:p>
         </p:txBody>
       </p:sp>
@@ -796,10 +795,9 @@
           </a:lstStyle>
           <a:p>
             <a:r>
-              <a:rPr lang="es-ES_tradnl" smtClean="0"/>
+              <a:rPr lang="es-ES_tradnl"/>
               <a:t>Haga clic para modificar el estilo de subtítulo del patrón</a:t>
             </a:r>
-            <a:endParaRPr lang="es-ES_tradnl"/>
           </a:p>
         </p:txBody>
       </p:sp>
@@ -845,7 +843,10 @@
             </a:lvl1pPr>
           </a:lstStyle>
           <a:p>
-            <a:endParaRPr lang="es-ES"/>
+            <a:r>
+              <a:rPr lang="es-ES"/>
+              <a:t>PAT04_KNN.pptx</a:t>
+            </a:r>
           </a:p>
         </p:txBody>
       </p:sp>
@@ -918,10 +919,9 @@
           <a:lstStyle/>
           <a:p>
             <a:r>
-              <a:rPr lang="es-ES_tradnl" smtClean="0"/>
+              <a:rPr lang="es-ES_tradnl"/>
               <a:t>Clic para editar título</a:t>
             </a:r>
-            <a:endParaRPr lang="es-ES_tradnl"/>
           </a:p>
         </p:txBody>
       </p:sp>
@@ -942,38 +942,37 @@
           <a:p>
             <a:pPr lvl="0"/>
             <a:r>
-              <a:rPr lang="es-ES_tradnl" smtClean="0"/>
+              <a:rPr lang="es-ES_tradnl"/>
               <a:t>Haga clic para modificar el estilo de texto del patrón</a:t>
             </a:r>
           </a:p>
           <a:p>
             <a:pPr lvl="1"/>
             <a:r>
-              <a:rPr lang="es-ES_tradnl" smtClean="0"/>
+              <a:rPr lang="es-ES_tradnl"/>
               <a:t>Segundo nivel</a:t>
             </a:r>
           </a:p>
           <a:p>
             <a:pPr lvl="2"/>
             <a:r>
-              <a:rPr lang="es-ES_tradnl" smtClean="0"/>
+              <a:rPr lang="es-ES_tradnl"/>
               <a:t>Tercer nivel</a:t>
             </a:r>
           </a:p>
           <a:p>
             <a:pPr lvl="3"/>
             <a:r>
-              <a:rPr lang="es-ES_tradnl" smtClean="0"/>
+              <a:rPr lang="es-ES_tradnl"/>
               <a:t>Cuarto nivel</a:t>
             </a:r>
           </a:p>
           <a:p>
             <a:pPr lvl="4"/>
             <a:r>
-              <a:rPr lang="es-ES_tradnl" smtClean="0"/>
+              <a:rPr lang="es-ES_tradnl"/>
               <a:t>Quinto nivel</a:t>
             </a:r>
-            <a:endParaRPr lang="es-ES_tradnl"/>
           </a:p>
         </p:txBody>
       </p:sp>
@@ -1019,7 +1018,10 @@
             </a:lvl1pPr>
           </a:lstStyle>
           <a:p>
-            <a:endParaRPr lang="es-ES"/>
+            <a:r>
+              <a:rPr lang="es-ES"/>
+              <a:t>PAT04_KNN.pptx</a:t>
+            </a:r>
           </a:p>
         </p:txBody>
       </p:sp>
@@ -1097,10 +1099,9 @@
           <a:lstStyle/>
           <a:p>
             <a:r>
-              <a:rPr lang="es-ES_tradnl" smtClean="0"/>
+              <a:rPr lang="es-ES_tradnl"/>
               <a:t>Clic para editar título</a:t>
             </a:r>
-            <a:endParaRPr lang="es-ES_tradnl"/>
           </a:p>
         </p:txBody>
       </p:sp>
@@ -1126,38 +1127,37 @@
           <a:p>
             <a:pPr lvl="0"/>
             <a:r>
-              <a:rPr lang="es-ES_tradnl" smtClean="0"/>
+              <a:rPr lang="es-ES_tradnl"/>
               <a:t>Haga clic para modificar el estilo de texto del patrón</a:t>
             </a:r>
           </a:p>
           <a:p>
             <a:pPr lvl="1"/>
             <a:r>
-              <a:rPr lang="es-ES_tradnl" smtClean="0"/>
+              <a:rPr lang="es-ES_tradnl"/>
               <a:t>Segundo nivel</a:t>
             </a:r>
           </a:p>
           <a:p>
             <a:pPr lvl="2"/>
             <a:r>
-              <a:rPr lang="es-ES_tradnl" smtClean="0"/>
+              <a:rPr lang="es-ES_tradnl"/>
               <a:t>Tercer nivel</a:t>
             </a:r>
           </a:p>
           <a:p>
             <a:pPr lvl="3"/>
             <a:r>
-              <a:rPr lang="es-ES_tradnl" smtClean="0"/>
+              <a:rPr lang="es-ES_tradnl"/>
               <a:t>Cuarto nivel</a:t>
             </a:r>
           </a:p>
           <a:p>
             <a:pPr lvl="4"/>
             <a:r>
-              <a:rPr lang="es-ES_tradnl" smtClean="0"/>
+              <a:rPr lang="es-ES_tradnl"/>
               <a:t>Quinto nivel</a:t>
             </a:r>
-            <a:endParaRPr lang="es-ES_tradnl"/>
           </a:p>
         </p:txBody>
       </p:sp>
@@ -1203,7 +1203,10 @@
             </a:lvl1pPr>
           </a:lstStyle>
           <a:p>
-            <a:endParaRPr lang="es-ES"/>
+            <a:r>
+              <a:rPr lang="es-ES"/>
+              <a:t>PAT04_KNN.pptx</a:t>
+            </a:r>
           </a:p>
         </p:txBody>
       </p:sp>
@@ -1276,10 +1279,9 @@
           <a:lstStyle/>
           <a:p>
             <a:r>
-              <a:rPr lang="es-ES_tradnl" smtClean="0"/>
+              <a:rPr lang="es-ES_tradnl"/>
               <a:t>Clic para editar título</a:t>
             </a:r>
-            <a:endParaRPr lang="es-ES_tradnl"/>
           </a:p>
         </p:txBody>
       </p:sp>
@@ -1300,38 +1302,37 @@
           <a:p>
             <a:pPr lvl="0"/>
             <a:r>
-              <a:rPr lang="es-ES_tradnl" smtClean="0"/>
+              <a:rPr lang="es-ES_tradnl"/>
               <a:t>Haga clic para modificar el estilo de texto del patrón</a:t>
             </a:r>
           </a:p>
           <a:p>
             <a:pPr lvl="1"/>
             <a:r>
-              <a:rPr lang="es-ES_tradnl" smtClean="0"/>
+              <a:rPr lang="es-ES_tradnl"/>
               <a:t>Segundo nivel</a:t>
             </a:r>
           </a:p>
           <a:p>
             <a:pPr lvl="2"/>
             <a:r>
-              <a:rPr lang="es-ES_tradnl" smtClean="0"/>
+              <a:rPr lang="es-ES_tradnl"/>
               <a:t>Tercer nivel</a:t>
             </a:r>
           </a:p>
           <a:p>
             <a:pPr lvl="3"/>
             <a:r>
-              <a:rPr lang="es-ES_tradnl" smtClean="0"/>
+              <a:rPr lang="es-ES_tradnl"/>
               <a:t>Cuarto nivel</a:t>
             </a:r>
           </a:p>
           <a:p>
             <a:pPr lvl="4"/>
             <a:r>
-              <a:rPr lang="es-ES_tradnl" smtClean="0"/>
+              <a:rPr lang="es-ES_tradnl"/>
               <a:t>Quinto nivel</a:t>
             </a:r>
-            <a:endParaRPr lang="es-ES_tradnl"/>
           </a:p>
         </p:txBody>
       </p:sp>
@@ -1377,7 +1378,10 @@
             </a:lvl1pPr>
           </a:lstStyle>
           <a:p>
-            <a:endParaRPr lang="es-ES"/>
+            <a:r>
+              <a:rPr lang="es-ES"/>
+              <a:t>PAT04_KNN.pptx</a:t>
+            </a:r>
           </a:p>
         </p:txBody>
       </p:sp>
@@ -1459,10 +1463,9 @@
           </a:lstStyle>
           <a:p>
             <a:r>
-              <a:rPr lang="es-ES_tradnl" smtClean="0"/>
+              <a:rPr lang="es-ES_tradnl"/>
               <a:t>Clic para editar título</a:t>
             </a:r>
-            <a:endParaRPr lang="es-ES_tradnl"/>
           </a:p>
         </p:txBody>
       </p:sp>
@@ -1525,7 +1528,7 @@
           <a:p>
             <a:pPr lvl="0"/>
             <a:r>
-              <a:rPr lang="es-ES_tradnl" smtClean="0"/>
+              <a:rPr lang="es-ES_tradnl"/>
               <a:t>Haga clic para modificar el estilo de texto del patrón</a:t>
             </a:r>
           </a:p>
@@ -1573,7 +1576,10 @@
             </a:lvl1pPr>
           </a:lstStyle>
           <a:p>
-            <a:endParaRPr lang="es-ES"/>
+            <a:r>
+              <a:rPr lang="es-ES"/>
+              <a:t>PAT04_KNN.pptx</a:t>
+            </a:r>
           </a:p>
         </p:txBody>
       </p:sp>
@@ -1646,10 +1652,9 @@
           <a:lstStyle/>
           <a:p>
             <a:r>
-              <a:rPr lang="es-ES_tradnl" smtClean="0"/>
+              <a:rPr lang="es-ES_tradnl"/>
               <a:t>Clic para editar título</a:t>
             </a:r>
-            <a:endParaRPr lang="es-ES_tradnl"/>
           </a:p>
         </p:txBody>
       </p:sp>
@@ -1703,38 +1708,37 @@
           <a:p>
             <a:pPr lvl="0"/>
             <a:r>
-              <a:rPr lang="es-ES_tradnl" smtClean="0"/>
+              <a:rPr lang="es-ES_tradnl"/>
               <a:t>Haga clic para modificar el estilo de texto del patrón</a:t>
             </a:r>
           </a:p>
           <a:p>
             <a:pPr lvl="1"/>
             <a:r>
-              <a:rPr lang="es-ES_tradnl" smtClean="0"/>
+              <a:rPr lang="es-ES_tradnl"/>
               <a:t>Segundo nivel</a:t>
             </a:r>
           </a:p>
           <a:p>
             <a:pPr lvl="2"/>
             <a:r>
-              <a:rPr lang="es-ES_tradnl" smtClean="0"/>
+              <a:rPr lang="es-ES_tradnl"/>
               <a:t>Tercer nivel</a:t>
             </a:r>
           </a:p>
           <a:p>
             <a:pPr lvl="3"/>
             <a:r>
-              <a:rPr lang="es-ES_tradnl" smtClean="0"/>
+              <a:rPr lang="es-ES_tradnl"/>
               <a:t>Cuarto nivel</a:t>
             </a:r>
           </a:p>
           <a:p>
             <a:pPr lvl="4"/>
             <a:r>
-              <a:rPr lang="es-ES_tradnl" smtClean="0"/>
+              <a:rPr lang="es-ES_tradnl"/>
               <a:t>Quinto nivel</a:t>
             </a:r>
-            <a:endParaRPr lang="es-ES_tradnl"/>
           </a:p>
         </p:txBody>
       </p:sp>
@@ -1788,38 +1792,37 @@
           <a:p>
             <a:pPr lvl="0"/>
             <a:r>
-              <a:rPr lang="es-ES_tradnl" smtClean="0"/>
+              <a:rPr lang="es-ES_tradnl"/>
               <a:t>Haga clic para modificar el estilo de texto del patrón</a:t>
             </a:r>
           </a:p>
           <a:p>
             <a:pPr lvl="1"/>
             <a:r>
-              <a:rPr lang="es-ES_tradnl" smtClean="0"/>
+              <a:rPr lang="es-ES_tradnl"/>
               <a:t>Segundo nivel</a:t>
             </a:r>
           </a:p>
           <a:p>
             <a:pPr lvl="2"/>
             <a:r>
-              <a:rPr lang="es-ES_tradnl" smtClean="0"/>
+              <a:rPr lang="es-ES_tradnl"/>
               <a:t>Tercer nivel</a:t>
             </a:r>
           </a:p>
           <a:p>
             <a:pPr lvl="3"/>
             <a:r>
-              <a:rPr lang="es-ES_tradnl" smtClean="0"/>
+              <a:rPr lang="es-ES_tradnl"/>
               <a:t>Cuarto nivel</a:t>
             </a:r>
           </a:p>
           <a:p>
             <a:pPr lvl="4"/>
             <a:r>
-              <a:rPr lang="es-ES_tradnl" smtClean="0"/>
+              <a:rPr lang="es-ES_tradnl"/>
               <a:t>Quinto nivel</a:t>
             </a:r>
-            <a:endParaRPr lang="es-ES_tradnl"/>
           </a:p>
         </p:txBody>
       </p:sp>
@@ -1865,7 +1868,10 @@
             </a:lvl1pPr>
           </a:lstStyle>
           <a:p>
-            <a:endParaRPr lang="es-ES"/>
+            <a:r>
+              <a:rPr lang="es-ES"/>
+              <a:t>PAT04_KNN.pptx</a:t>
+            </a:r>
           </a:p>
         </p:txBody>
       </p:sp>
@@ -1942,10 +1948,9 @@
           </a:lstStyle>
           <a:p>
             <a:r>
-              <a:rPr lang="es-ES_tradnl" smtClean="0"/>
+              <a:rPr lang="es-ES_tradnl"/>
               <a:t>Clic para editar título</a:t>
             </a:r>
-            <a:endParaRPr lang="es-ES_tradnl"/>
           </a:p>
         </p:txBody>
       </p:sp>
@@ -2008,7 +2013,7 @@
           <a:p>
             <a:pPr lvl="0"/>
             <a:r>
-              <a:rPr lang="es-ES_tradnl" smtClean="0"/>
+              <a:rPr lang="es-ES_tradnl"/>
               <a:t>Haga clic para modificar el estilo de texto del patrón</a:t>
             </a:r>
           </a:p>
@@ -2064,38 +2069,37 @@
           <a:p>
             <a:pPr lvl="0"/>
             <a:r>
-              <a:rPr lang="es-ES_tradnl" smtClean="0"/>
+              <a:rPr lang="es-ES_tradnl"/>
               <a:t>Haga clic para modificar el estilo de texto del patrón</a:t>
             </a:r>
           </a:p>
           <a:p>
             <a:pPr lvl="1"/>
             <a:r>
-              <a:rPr lang="es-ES_tradnl" smtClean="0"/>
+              <a:rPr lang="es-ES_tradnl"/>
               <a:t>Segundo nivel</a:t>
             </a:r>
           </a:p>
           <a:p>
             <a:pPr lvl="2"/>
             <a:r>
-              <a:rPr lang="es-ES_tradnl" smtClean="0"/>
+              <a:rPr lang="es-ES_tradnl"/>
               <a:t>Tercer nivel</a:t>
             </a:r>
           </a:p>
           <a:p>
             <a:pPr lvl="3"/>
             <a:r>
-              <a:rPr lang="es-ES_tradnl" smtClean="0"/>
+              <a:rPr lang="es-ES_tradnl"/>
               <a:t>Cuarto nivel</a:t>
             </a:r>
           </a:p>
           <a:p>
             <a:pPr lvl="4"/>
             <a:r>
-              <a:rPr lang="es-ES_tradnl" smtClean="0"/>
+              <a:rPr lang="es-ES_tradnl"/>
               <a:t>Quinto nivel</a:t>
             </a:r>
-            <a:endParaRPr lang="es-ES_tradnl"/>
           </a:p>
         </p:txBody>
       </p:sp>
@@ -2158,7 +2162,7 @@
           <a:p>
             <a:pPr lvl="0"/>
             <a:r>
-              <a:rPr lang="es-ES_tradnl" smtClean="0"/>
+              <a:rPr lang="es-ES_tradnl"/>
               <a:t>Haga clic para modificar el estilo de texto del patrón</a:t>
             </a:r>
           </a:p>
@@ -2214,38 +2218,37 @@
           <a:p>
             <a:pPr lvl="0"/>
             <a:r>
-              <a:rPr lang="es-ES_tradnl" smtClean="0"/>
+              <a:rPr lang="es-ES_tradnl"/>
               <a:t>Haga clic para modificar el estilo de texto del patrón</a:t>
             </a:r>
           </a:p>
           <a:p>
             <a:pPr lvl="1"/>
             <a:r>
-              <a:rPr lang="es-ES_tradnl" smtClean="0"/>
+              <a:rPr lang="es-ES_tradnl"/>
               <a:t>Segundo nivel</a:t>
             </a:r>
           </a:p>
           <a:p>
             <a:pPr lvl="2"/>
             <a:r>
-              <a:rPr lang="es-ES_tradnl" smtClean="0"/>
+              <a:rPr lang="es-ES_tradnl"/>
               <a:t>Tercer nivel</a:t>
             </a:r>
           </a:p>
           <a:p>
             <a:pPr lvl="3"/>
             <a:r>
-              <a:rPr lang="es-ES_tradnl" smtClean="0"/>
+              <a:rPr lang="es-ES_tradnl"/>
               <a:t>Cuarto nivel</a:t>
             </a:r>
           </a:p>
           <a:p>
             <a:pPr lvl="4"/>
             <a:r>
-              <a:rPr lang="es-ES_tradnl" smtClean="0"/>
+              <a:rPr lang="es-ES_tradnl"/>
               <a:t>Quinto nivel</a:t>
             </a:r>
-            <a:endParaRPr lang="es-ES_tradnl"/>
           </a:p>
         </p:txBody>
       </p:sp>
@@ -2291,7 +2294,10 @@
             </a:lvl1pPr>
           </a:lstStyle>
           <a:p>
-            <a:endParaRPr lang="es-ES"/>
+            <a:r>
+              <a:rPr lang="es-ES"/>
+              <a:t>PAT04_KNN.pptx</a:t>
+            </a:r>
           </a:p>
         </p:txBody>
       </p:sp>
@@ -2364,10 +2370,9 @@
           <a:lstStyle/>
           <a:p>
             <a:r>
-              <a:rPr lang="es-ES_tradnl" smtClean="0"/>
+              <a:rPr lang="es-ES_tradnl"/>
               <a:t>Clic para editar título</a:t>
             </a:r>
-            <a:endParaRPr lang="es-ES_tradnl"/>
           </a:p>
         </p:txBody>
       </p:sp>
@@ -2413,7 +2418,10 @@
             </a:lvl1pPr>
           </a:lstStyle>
           <a:p>
-            <a:endParaRPr lang="es-ES"/>
+            <a:r>
+              <a:rPr lang="es-ES"/>
+              <a:t>PAT04_KNN.pptx</a:t>
+            </a:r>
           </a:p>
         </p:txBody>
       </p:sp>
@@ -2512,7 +2520,10 @@
             </a:lvl1pPr>
           </a:lstStyle>
           <a:p>
-            <a:endParaRPr lang="es-ES"/>
+            <a:r>
+              <a:rPr lang="es-ES"/>
+              <a:t>PAT04_KNN.pptx</a:t>
+            </a:r>
           </a:p>
         </p:txBody>
       </p:sp>
@@ -2594,10 +2605,9 @@
           </a:lstStyle>
           <a:p>
             <a:r>
-              <a:rPr lang="es-ES_tradnl" smtClean="0"/>
+              <a:rPr lang="es-ES_tradnl"/>
               <a:t>Clic para editar título</a:t>
             </a:r>
-            <a:endParaRPr lang="es-ES_tradnl"/>
           </a:p>
         </p:txBody>
       </p:sp>
@@ -2651,38 +2661,37 @@
           <a:p>
             <a:pPr lvl="0"/>
             <a:r>
-              <a:rPr lang="es-ES_tradnl" smtClean="0"/>
+              <a:rPr lang="es-ES_tradnl"/>
               <a:t>Haga clic para modificar el estilo de texto del patrón</a:t>
             </a:r>
           </a:p>
           <a:p>
             <a:pPr lvl="1"/>
             <a:r>
-              <a:rPr lang="es-ES_tradnl" smtClean="0"/>
+              <a:rPr lang="es-ES_tradnl"/>
               <a:t>Segundo nivel</a:t>
             </a:r>
           </a:p>
           <a:p>
             <a:pPr lvl="2"/>
             <a:r>
-              <a:rPr lang="es-ES_tradnl" smtClean="0"/>
+              <a:rPr lang="es-ES_tradnl"/>
               <a:t>Tercer nivel</a:t>
             </a:r>
           </a:p>
           <a:p>
             <a:pPr lvl="3"/>
             <a:r>
-              <a:rPr lang="es-ES_tradnl" smtClean="0"/>
+              <a:rPr lang="es-ES_tradnl"/>
               <a:t>Cuarto nivel</a:t>
             </a:r>
           </a:p>
           <a:p>
             <a:pPr lvl="4"/>
             <a:r>
-              <a:rPr lang="es-ES_tradnl" smtClean="0"/>
+              <a:rPr lang="es-ES_tradnl"/>
               <a:t>Quinto nivel</a:t>
             </a:r>
-            <a:endParaRPr lang="es-ES_tradnl"/>
           </a:p>
         </p:txBody>
       </p:sp>
@@ -2745,7 +2754,7 @@
           <a:p>
             <a:pPr lvl="0"/>
             <a:r>
-              <a:rPr lang="es-ES_tradnl" smtClean="0"/>
+              <a:rPr lang="es-ES_tradnl"/>
               <a:t>Haga clic para modificar el estilo de texto del patrón</a:t>
             </a:r>
           </a:p>
@@ -2793,7 +2802,10 @@
             </a:lvl1pPr>
           </a:lstStyle>
           <a:p>
-            <a:endParaRPr lang="es-ES"/>
+            <a:r>
+              <a:rPr lang="es-ES"/>
+              <a:t>PAT04_KNN.pptx</a:t>
+            </a:r>
           </a:p>
         </p:txBody>
       </p:sp>
@@ -2875,10 +2887,9 @@
           </a:lstStyle>
           <a:p>
             <a:r>
-              <a:rPr lang="es-ES_tradnl" smtClean="0"/>
+              <a:rPr lang="es-ES_tradnl"/>
               <a:t>Clic para editar título</a:t>
             </a:r>
-            <a:endParaRPr lang="es-ES_tradnl"/>
           </a:p>
         </p:txBody>
       </p:sp>
@@ -3002,7 +3013,7 @@
           <a:p>
             <a:pPr lvl="0"/>
             <a:r>
-              <a:rPr lang="es-ES_tradnl" smtClean="0"/>
+              <a:rPr lang="es-ES_tradnl"/>
               <a:t>Haga clic para modificar el estilo de texto del patrón</a:t>
             </a:r>
           </a:p>
@@ -3050,7 +3061,10 @@
             </a:lvl1pPr>
           </a:lstStyle>
           <a:p>
-            <a:endParaRPr lang="es-ES"/>
+            <a:r>
+              <a:rPr lang="es-ES"/>
+              <a:t>PAT04_KNN.pptx</a:t>
+            </a:r>
           </a:p>
         </p:txBody>
       </p:sp>
@@ -3311,7 +3325,10 @@
             </a:lvl1pPr>
           </a:lstStyle>
           <a:p>
-            <a:endParaRPr lang="es-ES"/>
+            <a:r>
+              <a:rPr lang="es-ES"/>
+              <a:t>PAT04_KNN.pptx</a:t>
+            </a:r>
           </a:p>
         </p:txBody>
       </p:sp>
@@ -3379,6 +3396,7 @@
     <p:sldLayoutId id="2147483658" r:id="rId10"/>
     <p:sldLayoutId id="2147483659" r:id="rId11"/>
   </p:sldLayoutIdLst>
+  <p:hf hdr="0" dt="0"/>
   <p:txStyles>
     <p:titleStyle>
       <a:lvl1pPr algn="ctr" rtl="0" fontAlgn="base">
@@ -3837,7 +3855,7 @@
           <a:p>
             <a:pPr algn="ctr"/>
             <a:r>
-              <a:rPr lang="es-CL" sz="2400" dirty="0" smtClean="0">
+              <a:rPr lang="es-CL" sz="2400" dirty="0">
                 <a:solidFill>
                   <a:srgbClr val="FF0000"/>
                 </a:solidFill>
@@ -3846,7 +3864,7 @@
               <a:t>R</a:t>
             </a:r>
             <a:r>
-              <a:rPr lang="es-CL" sz="2400" dirty="0" smtClean="0">
+              <a:rPr lang="es-CL" sz="2400" dirty="0">
                 <a:solidFill>
                   <a:srgbClr val="3366FF"/>
                 </a:solidFill>
@@ -3855,7 +3873,7 @@
               <a:t>e</a:t>
             </a:r>
             <a:r>
-              <a:rPr lang="es-CL" sz="2400" dirty="0" smtClean="0">
+              <a:rPr lang="es-CL" sz="2400" dirty="0">
                 <a:solidFill>
                   <a:srgbClr val="FFFF00"/>
                 </a:solidFill>
@@ -3864,7 +3882,7 @@
               <a:t>c</a:t>
             </a:r>
             <a:r>
-              <a:rPr lang="es-CL" sz="2400" dirty="0" smtClean="0">
+              <a:rPr lang="es-CL" sz="2400" dirty="0">
                 <a:solidFill>
                   <a:srgbClr val="00FF00"/>
                 </a:solidFill>
@@ -3873,7 +3891,7 @@
               <a:t>o</a:t>
             </a:r>
             <a:r>
-              <a:rPr lang="es-CL" sz="2400" dirty="0" smtClean="0">
+              <a:rPr lang="es-CL" sz="2400" dirty="0">
                 <a:solidFill>
                   <a:schemeClr val="bg1"/>
                 </a:solidFill>
@@ -3882,7 +3900,7 @@
               <a:t>n</a:t>
             </a:r>
             <a:r>
-              <a:rPr lang="es-CL" sz="2400" dirty="0" smtClean="0">
+              <a:rPr lang="es-CL" sz="2400" dirty="0">
                 <a:solidFill>
                   <a:srgbClr val="FF6600"/>
                 </a:solidFill>
@@ -3891,7 +3909,7 @@
               <a:t>o</a:t>
             </a:r>
             <a:r>
-              <a:rPr lang="es-CL" sz="2400" dirty="0" smtClean="0">
+              <a:rPr lang="es-CL" sz="2400" dirty="0">
                 <a:solidFill>
                   <a:srgbClr val="FF0000"/>
                 </a:solidFill>
@@ -3900,7 +3918,7 @@
               <a:t>c</a:t>
             </a:r>
             <a:r>
-              <a:rPr lang="es-CL" sz="2400" dirty="0" smtClean="0">
+              <a:rPr lang="es-CL" sz="2400" dirty="0">
                 <a:solidFill>
                   <a:srgbClr val="3366FF"/>
                 </a:solidFill>
@@ -3909,7 +3927,7 @@
               <a:t>i</a:t>
             </a:r>
             <a:r>
-              <a:rPr lang="es-CL" sz="2400" dirty="0" smtClean="0">
+              <a:rPr lang="es-CL" sz="2400" dirty="0">
                 <a:solidFill>
                   <a:schemeClr val="bg1"/>
                 </a:solidFill>
@@ -3918,7 +3936,7 @@
               <a:t>m</a:t>
             </a:r>
             <a:r>
-              <a:rPr lang="es-CL" sz="2400" dirty="0" smtClean="0">
+              <a:rPr lang="es-CL" sz="2400" dirty="0">
                 <a:solidFill>
                   <a:srgbClr val="FFFF00"/>
                 </a:solidFill>
@@ -3927,7 +3945,7 @@
               <a:t>i</a:t>
             </a:r>
             <a:r>
-              <a:rPr lang="es-CL" sz="2400" dirty="0" smtClean="0">
+              <a:rPr lang="es-CL" sz="2400" dirty="0">
                 <a:solidFill>
                   <a:srgbClr val="00FF00"/>
                 </a:solidFill>
@@ -3936,7 +3954,7 @@
               <a:t>e</a:t>
             </a:r>
             <a:r>
-              <a:rPr lang="es-CL" sz="2400" dirty="0" smtClean="0">
+              <a:rPr lang="es-CL" sz="2400" dirty="0">
                 <a:solidFill>
                   <a:schemeClr val="bg1"/>
                 </a:solidFill>
@@ -3945,7 +3963,7 @@
               <a:t>n</a:t>
             </a:r>
             <a:r>
-              <a:rPr lang="es-CL" sz="2400" dirty="0" smtClean="0">
+              <a:rPr lang="es-CL" sz="2400" dirty="0">
                 <a:solidFill>
                   <a:srgbClr val="FF6600"/>
                 </a:solidFill>
@@ -3954,7 +3972,7 @@
               <a:t>t</a:t>
             </a:r>
             <a:r>
-              <a:rPr lang="es-CL" sz="2400" dirty="0" smtClean="0">
+              <a:rPr lang="es-CL" sz="2400" dirty="0">
                 <a:solidFill>
                   <a:srgbClr val="FF0000"/>
                 </a:solidFill>
@@ -3963,7 +3981,7 @@
               <a:t>o</a:t>
             </a:r>
             <a:r>
-              <a:rPr lang="es-CL" sz="2400" dirty="0" smtClean="0">
+              <a:rPr lang="es-CL" sz="2400" dirty="0">
                 <a:solidFill>
                   <a:srgbClr val="3333CC"/>
                 </a:solidFill>
@@ -3972,7 +3990,7 @@
               <a:t> </a:t>
             </a:r>
             <a:r>
-              <a:rPr lang="es-CL" sz="2400" dirty="0" smtClean="0">
+              <a:rPr lang="es-CL" sz="2400" dirty="0">
                 <a:solidFill>
                   <a:srgbClr val="3366FF"/>
                 </a:solidFill>
@@ -3981,7 +3999,7 @@
               <a:t>d</a:t>
             </a:r>
             <a:r>
-              <a:rPr lang="es-CL" sz="2400" dirty="0" smtClean="0">
+              <a:rPr lang="es-CL" sz="2400" dirty="0">
                 <a:solidFill>
                   <a:srgbClr val="FFFF00"/>
                 </a:solidFill>
@@ -3990,7 +4008,7 @@
               <a:t>e </a:t>
             </a:r>
             <a:r>
-              <a:rPr lang="es-CL" sz="2400" dirty="0" smtClean="0">
+              <a:rPr lang="es-CL" sz="2400" dirty="0">
                 <a:solidFill>
                   <a:srgbClr val="00FF00"/>
                 </a:solidFill>
@@ -3999,7 +4017,7 @@
               <a:t>P</a:t>
             </a:r>
             <a:r>
-              <a:rPr lang="es-CL" sz="2400" dirty="0" smtClean="0">
+              <a:rPr lang="es-CL" sz="2400" dirty="0">
                 <a:solidFill>
                   <a:schemeClr val="bg1"/>
                 </a:solidFill>
@@ -4008,7 +4026,7 @@
               <a:t>a</a:t>
             </a:r>
             <a:r>
-              <a:rPr lang="es-CL" sz="2400" dirty="0" smtClean="0">
+              <a:rPr lang="es-CL" sz="2400" dirty="0">
                 <a:solidFill>
                   <a:srgbClr val="FF6600"/>
                 </a:solidFill>
@@ -4017,7 +4035,7 @@
               <a:t>t</a:t>
             </a:r>
             <a:r>
-              <a:rPr lang="es-CL" sz="2400" dirty="0" smtClean="0">
+              <a:rPr lang="es-CL" sz="2400" dirty="0">
                 <a:solidFill>
                   <a:srgbClr val="FF0000"/>
                 </a:solidFill>
@@ -4026,7 +4044,7 @@
               <a:t>r</a:t>
             </a:r>
             <a:r>
-              <a:rPr lang="es-CL" sz="2400" dirty="0" smtClean="0">
+              <a:rPr lang="es-CL" sz="2400" dirty="0">
                 <a:solidFill>
                   <a:srgbClr val="3366FF"/>
                 </a:solidFill>
@@ -4035,7 +4053,7 @@
               <a:t>o</a:t>
             </a:r>
             <a:r>
-              <a:rPr lang="es-CL" sz="2400" dirty="0" smtClean="0">
+              <a:rPr lang="es-CL" sz="2400" dirty="0">
                 <a:solidFill>
                   <a:srgbClr val="FFFF00"/>
                 </a:solidFill>
@@ -4044,7 +4062,7 @@
               <a:t>n</a:t>
             </a:r>
             <a:r>
-              <a:rPr lang="es-CL" sz="2400" dirty="0" smtClean="0">
+              <a:rPr lang="es-CL" sz="2400" dirty="0">
                 <a:solidFill>
                   <a:srgbClr val="00FF00"/>
                 </a:solidFill>
@@ -4053,7 +4071,7 @@
               <a:t>e</a:t>
             </a:r>
             <a:r>
-              <a:rPr lang="es-CL" sz="2400" dirty="0" smtClean="0">
+              <a:rPr lang="es-CL" sz="2400" dirty="0">
                 <a:solidFill>
                   <a:schemeClr val="bg1"/>
                 </a:solidFill>
@@ -4061,7 +4079,7 @@
               </a:rPr>
               <a:t>s</a:t>
             </a:r>
-            <a:endParaRPr lang="es-CL" sz="2400" dirty="0" smtClean="0">
+            <a:endParaRPr lang="es-CL" sz="2400" dirty="0">
               <a:solidFill>
                 <a:srgbClr val="FF0000"/>
               </a:solidFill>
@@ -4071,7 +4089,7 @@
           <a:p>
             <a:pPr algn="ctr"/>
             <a:r>
-              <a:rPr lang="es-CL" sz="2400" dirty="0" smtClean="0">
+              <a:rPr lang="es-CL" sz="2400" dirty="0">
                 <a:solidFill>
                   <a:schemeClr val="bg2">
                     <a:lumMod val="60000"/>
@@ -4082,19 +4100,10 @@
               </a:rPr>
               <a:t> </a:t>
             </a:r>
+          </a:p>
+          <a:p>
+            <a:pPr algn="ctr"/>
             <a:endParaRPr lang="es-CL" sz="2400" dirty="0">
-              <a:solidFill>
-                <a:schemeClr val="bg2">
-                  <a:lumMod val="60000"/>
-                  <a:lumOff val="40000"/>
-                </a:schemeClr>
-              </a:solidFill>
-              <a:latin typeface="Trebuchet MS" pitchFamily="34" charset="0"/>
-            </a:endParaRPr>
-          </a:p>
-          <a:p>
-            <a:pPr algn="ctr"/>
-            <a:endParaRPr lang="es-CL" sz="2400" dirty="0" smtClean="0">
               <a:solidFill>
                 <a:srgbClr val="3333CC"/>
               </a:solidFill>
@@ -4165,7 +4174,7 @@
           <a:p>
             <a:pPr algn="ctr"/>
             <a:r>
-              <a:rPr lang="es-CL" sz="1200" dirty="0" smtClean="0">
+              <a:rPr lang="es-CL" sz="1200" dirty="0">
                 <a:solidFill>
                   <a:schemeClr val="bg1">
                     <a:lumMod val="75000"/>
@@ -4175,19 +4184,11 @@
               </a:rPr>
               <a:t>Departmento de Ciencia de la Computación</a:t>
             </a:r>
-            <a:endParaRPr lang="es-CL" sz="1200" dirty="0">
-              <a:solidFill>
-                <a:schemeClr val="bg1">
-                  <a:lumMod val="75000"/>
-                </a:schemeClr>
-              </a:solidFill>
-              <a:latin typeface="Trebuchet MS" pitchFamily="34" charset="0"/>
-            </a:endParaRPr>
           </a:p>
           <a:p>
             <a:pPr algn="ctr"/>
             <a:r>
-              <a:rPr lang="es-CL" sz="1200" dirty="0" smtClean="0">
+              <a:rPr lang="es-CL" sz="1200" dirty="0">
                 <a:solidFill>
                   <a:schemeClr val="bg1">
                     <a:lumMod val="75000"/>
@@ -4201,7 +4202,7 @@
           <a:p>
             <a:pPr algn="ctr"/>
             <a:r>
-              <a:rPr lang="es-CL" sz="1200" dirty="0" smtClean="0">
+              <a:rPr lang="es-CL" sz="1200" dirty="0">
                 <a:solidFill>
                   <a:schemeClr val="bg1">
                     <a:lumMod val="75000"/>
@@ -4211,14 +4212,6 @@
               </a:rPr>
               <a:t>Universidad Católica de Chile</a:t>
             </a:r>
-            <a:endParaRPr lang="es-CL" sz="1200" dirty="0">
-              <a:solidFill>
-                <a:schemeClr val="bg1">
-                  <a:lumMod val="75000"/>
-                </a:schemeClr>
-              </a:solidFill>
-              <a:latin typeface="Trebuchet MS" pitchFamily="34" charset="0"/>
-            </a:endParaRPr>
           </a:p>
           <a:p>
             <a:pPr algn="ctr"/>
@@ -4522,7 +4515,7 @@
           <a:p>
             <a:pPr algn="ctr"/>
             <a:r>
-              <a:rPr lang="en-US" sz="2400" b="1" dirty="0" smtClean="0">
+              <a:rPr lang="en-US" sz="2400" b="1" dirty="0">
                 <a:solidFill>
                   <a:srgbClr val="FFFFFF"/>
                 </a:solidFill>
@@ -4534,7 +4527,7 @@
           </a:p>
           <a:p>
             <a:pPr algn="ctr"/>
-            <a:endParaRPr lang="es-CL" sz="1000" dirty="0" smtClean="0">
+            <a:endParaRPr lang="es-CL" sz="1000" dirty="0">
               <a:solidFill>
                 <a:srgbClr val="FFFFFF"/>
               </a:solidFill>
@@ -4545,7 +4538,7 @@
           <a:p>
             <a:pPr algn="ctr"/>
             <a:r>
-              <a:rPr lang="es-CL" sz="1000" dirty="0" smtClean="0">
+              <a:rPr lang="es-CL" sz="1000" dirty="0">
                 <a:solidFill>
                   <a:srgbClr val="FFFFFF"/>
                 </a:solidFill>
@@ -4554,6 +4547,64 @@
               </a:rPr>
               <a:t>[ Capítulo 4 ]</a:t>
             </a:r>
+          </a:p>
+        </p:txBody>
+      </p:sp>
+      <p:sp>
+        <p:nvSpPr>
+          <p:cNvPr id="2" name="Footer Placeholder 1">
+            <a:extLst>
+              <a:ext uri="{FF2B5EF4-FFF2-40B4-BE49-F238E27FC236}">
+                <a16:creationId xmlns:a16="http://schemas.microsoft.com/office/drawing/2014/main" id="{73C71F79-2E19-A848-8A8C-EC3D70B49968}"/>
+              </a:ext>
+            </a:extLst>
+          </p:cNvPr>
+          <p:cNvSpPr>
+            <a:spLocks noGrp="1"/>
+          </p:cNvSpPr>
+          <p:nvPr>
+            <p:ph type="ftr" sz="quarter" idx="11"/>
+          </p:nvPr>
+        </p:nvSpPr>
+        <p:spPr/>
+        <p:txBody>
+          <a:bodyPr/>
+          <a:lstStyle/>
+          <a:p>
+            <a:r>
+              <a:rPr lang="es-ES"/>
+              <a:t>PAT04_KNN.pptx</a:t>
+            </a:r>
+          </a:p>
+        </p:txBody>
+      </p:sp>
+      <p:sp>
+        <p:nvSpPr>
+          <p:cNvPr id="5" name="Slide Number Placeholder 4">
+            <a:extLst>
+              <a:ext uri="{FF2B5EF4-FFF2-40B4-BE49-F238E27FC236}">
+                <a16:creationId xmlns:a16="http://schemas.microsoft.com/office/drawing/2014/main" id="{8543656E-41DC-6342-89B1-9638AAE9FA11}"/>
+              </a:ext>
+            </a:extLst>
+          </p:cNvPr>
+          <p:cNvSpPr>
+            <a:spLocks noGrp="1"/>
+          </p:cNvSpPr>
+          <p:nvPr>
+            <p:ph type="sldNum" sz="quarter" idx="12"/>
+          </p:nvPr>
+        </p:nvSpPr>
+        <p:spPr/>
+        <p:txBody>
+          <a:bodyPr/>
+          <a:lstStyle/>
+          <a:p>
+            <a:fld id="{0686F2E3-C5C3-A44F-A4BA-7E93651C247F}" type="slidenum">
+              <a:rPr lang="es-ES" smtClean="0"/>
+              <a:pPr/>
+              <a:t>1</a:t>
+            </a:fld>
+            <a:endParaRPr lang="es-ES"/>
           </a:p>
         </p:txBody>
       </p:sp>
@@ -5149,16 +5200,12 @@
           <a:lstStyle/>
           <a:p>
             <a:r>
-              <a:rPr lang="en-US" sz="2400" dirty="0" smtClean="0">
+              <a:rPr lang="en-US" sz="2400" dirty="0">
                 <a:latin typeface="Trebuchet MS"/>
                 <a:cs typeface="Trebuchet MS"/>
               </a:rPr>
               <a:t>KNN: k nearest neighbors (two classes)</a:t>
             </a:r>
-            <a:endParaRPr lang="en-US" sz="2400" dirty="0">
-              <a:latin typeface="Trebuchet MS"/>
-              <a:cs typeface="Trebuchet MS"/>
-            </a:endParaRPr>
           </a:p>
         </p:txBody>
       </p:sp>
@@ -5824,7 +5871,7 @@
           <a:lstStyle/>
           <a:p>
             <a:r>
-              <a:rPr lang="en-US" b="1" dirty="0" smtClean="0">
+              <a:rPr lang="en-US" b="1" dirty="0">
                 <a:latin typeface="Trebuchet MS"/>
                 <a:cs typeface="Trebuchet MS"/>
               </a:rPr>
@@ -5832,7 +5879,7 @@
             </a:r>
           </a:p>
           <a:p>
-            <a:endParaRPr lang="en-US" dirty="0" smtClean="0">
+            <a:endParaRPr lang="en-US" dirty="0">
               <a:latin typeface="Trebuchet MS"/>
               <a:cs typeface="Trebuchet MS"/>
             </a:endParaRPr>
@@ -5842,7 +5889,7 @@
               <a:buAutoNum type="arabicPeriod"/>
             </a:pPr>
             <a:r>
-              <a:rPr lang="en-US" dirty="0" smtClean="0">
+              <a:rPr lang="en-US" dirty="0">
                 <a:latin typeface="Trebuchet MS"/>
                 <a:cs typeface="Trebuchet MS"/>
               </a:rPr>
@@ -5854,7 +5901,7 @@
               <a:buAutoNum type="arabicPeriod"/>
             </a:pPr>
             <a:r>
-              <a:rPr lang="en-US" dirty="0" smtClean="0">
+              <a:rPr lang="en-US" dirty="0">
                 <a:latin typeface="Trebuchet MS"/>
                 <a:cs typeface="Trebuchet MS"/>
               </a:rPr>
@@ -5866,7 +5913,7 @@
               <a:buAutoNum type="arabicPeriod"/>
             </a:pPr>
             <a:r>
-              <a:rPr lang="en-US" dirty="0" smtClean="0">
+              <a:rPr lang="en-US" dirty="0">
                 <a:latin typeface="Trebuchet MS"/>
                 <a:cs typeface="Trebuchet MS"/>
               </a:rPr>
@@ -5879,17 +5926,10 @@
                 <a:latin typeface="Trebuchet MS"/>
                 <a:cs typeface="Trebuchet MS"/>
               </a:rPr>
-              <a:t> </a:t>
-            </a:r>
-            <a:r>
-              <a:rPr lang="en-US" dirty="0" smtClean="0">
-                <a:latin typeface="Trebuchet MS"/>
-                <a:cs typeface="Trebuchet MS"/>
-              </a:rPr>
-              <a:t>    </a:t>
-            </a:r>
-            <a:r>
-              <a:rPr lang="en-US" dirty="0" smtClean="0">
+              <a:t>     </a:t>
+            </a:r>
+            <a:r>
+              <a:rPr lang="en-US" dirty="0">
                 <a:solidFill>
                   <a:schemeClr val="tx1">
                     <a:lumMod val="65000"/>
@@ -5908,16 +5948,12 @@
               <a:buAutoNum type="arabicPeriod" startAt="4"/>
             </a:pPr>
             <a:r>
-              <a:rPr lang="en-US" dirty="0" smtClean="0">
+              <a:rPr lang="en-US" dirty="0">
                 <a:latin typeface="Trebuchet MS"/>
                 <a:cs typeface="Trebuchet MS"/>
               </a:rPr>
               <a:t>Majority vote</a:t>
             </a:r>
-            <a:endParaRPr lang="en-US" dirty="0">
-              <a:latin typeface="Trebuchet MS"/>
-              <a:cs typeface="Trebuchet MS"/>
-            </a:endParaRPr>
           </a:p>
           <a:p>
             <a:r>
@@ -6049,16 +6085,12 @@
           <a:lstStyle/>
           <a:p>
             <a:r>
-              <a:rPr lang="en-US" dirty="0" smtClean="0">
+              <a:rPr lang="en-US" dirty="0">
                 <a:latin typeface="Trebuchet MS"/>
                 <a:cs typeface="Trebuchet MS"/>
               </a:rPr>
               <a:t>5 red</a:t>
             </a:r>
-            <a:endParaRPr lang="en-US" dirty="0">
-              <a:latin typeface="Trebuchet MS"/>
-              <a:cs typeface="Trebuchet MS"/>
-            </a:endParaRPr>
           </a:p>
         </p:txBody>
       </p:sp>
@@ -6089,19 +6121,8 @@
                 <a:latin typeface="Trebuchet MS"/>
                 <a:cs typeface="Trebuchet MS"/>
               </a:rPr>
-              <a:t>2</a:t>
-            </a:r>
-            <a:r>
-              <a:rPr lang="en-US" dirty="0" smtClean="0">
-                <a:latin typeface="Trebuchet MS"/>
-                <a:cs typeface="Trebuchet MS"/>
-              </a:rPr>
-              <a:t> blue</a:t>
-            </a:r>
-            <a:endParaRPr lang="en-US" dirty="0">
-              <a:latin typeface="Trebuchet MS"/>
-              <a:cs typeface="Trebuchet MS"/>
-            </a:endParaRPr>
+              <a:t>2 blue</a:t>
+            </a:r>
           </a:p>
         </p:txBody>
       </p:sp>
@@ -6128,16 +6149,12 @@
           <a:lstStyle/>
           <a:p>
             <a:r>
-              <a:rPr lang="en-US" dirty="0" smtClean="0">
+              <a:rPr lang="en-US" dirty="0">
                 <a:latin typeface="Trebuchet MS"/>
                 <a:cs typeface="Trebuchet MS"/>
               </a:rPr>
               <a:t>Testing sample is red</a:t>
             </a:r>
-            <a:endParaRPr lang="en-US" dirty="0">
-              <a:latin typeface="Trebuchet MS"/>
-              <a:cs typeface="Trebuchet MS"/>
-            </a:endParaRPr>
           </a:p>
         </p:txBody>
       </p:sp>
@@ -6236,16 +6253,12 @@
           <a:lstStyle/>
           <a:p>
             <a:r>
-              <a:rPr lang="en-US" sz="2400" dirty="0" smtClean="0">
+              <a:rPr lang="en-US" sz="2400" dirty="0">
                 <a:latin typeface="Trebuchet MS"/>
                 <a:cs typeface="Trebuchet MS"/>
               </a:rPr>
               <a:t>Testing data</a:t>
             </a:r>
-            <a:endParaRPr lang="en-US" sz="2400" dirty="0">
-              <a:latin typeface="Trebuchet MS"/>
-              <a:cs typeface="Trebuchet MS"/>
-            </a:endParaRPr>
           </a:p>
         </p:txBody>
       </p:sp>
@@ -6284,6 +6297,64 @@
           </a:fontRef>
         </p:style>
       </p:cxnSp>
+      <p:sp>
+        <p:nvSpPr>
+          <p:cNvPr id="7" name="Footer Placeholder 6">
+            <a:extLst>
+              <a:ext uri="{FF2B5EF4-FFF2-40B4-BE49-F238E27FC236}">
+                <a16:creationId xmlns:a16="http://schemas.microsoft.com/office/drawing/2014/main" id="{501DFBC7-AF6D-0F45-9083-3159B9AF9015}"/>
+              </a:ext>
+            </a:extLst>
+          </p:cNvPr>
+          <p:cNvSpPr>
+            <a:spLocks noGrp="1"/>
+          </p:cNvSpPr>
+          <p:nvPr>
+            <p:ph type="ftr" sz="quarter" idx="11"/>
+          </p:nvPr>
+        </p:nvSpPr>
+        <p:spPr/>
+        <p:txBody>
+          <a:bodyPr/>
+          <a:lstStyle/>
+          <a:p>
+            <a:r>
+              <a:rPr lang="es-ES"/>
+              <a:t>PAT04_KNN.pptx</a:t>
+            </a:r>
+          </a:p>
+        </p:txBody>
+      </p:sp>
+      <p:sp>
+        <p:nvSpPr>
+          <p:cNvPr id="10" name="Slide Number Placeholder 9">
+            <a:extLst>
+              <a:ext uri="{FF2B5EF4-FFF2-40B4-BE49-F238E27FC236}">
+                <a16:creationId xmlns:a16="http://schemas.microsoft.com/office/drawing/2014/main" id="{9C3B9B3D-4DF7-3644-A2CC-458C6E954E69}"/>
+              </a:ext>
+            </a:extLst>
+          </p:cNvPr>
+          <p:cNvSpPr>
+            <a:spLocks noGrp="1"/>
+          </p:cNvSpPr>
+          <p:nvPr>
+            <p:ph type="sldNum" sz="quarter" idx="12"/>
+          </p:nvPr>
+        </p:nvSpPr>
+        <p:spPr/>
+        <p:txBody>
+          <a:bodyPr/>
+          <a:lstStyle/>
+          <a:p>
+            <a:fld id="{B2515E32-AEC1-A643-BA35-1EE2E73D4B01}" type="slidenum">
+              <a:rPr lang="es-ES" smtClean="0"/>
+              <a:pPr/>
+              <a:t>10</a:t>
+            </a:fld>
+            <a:endParaRPr lang="es-ES"/>
+          </a:p>
+        </p:txBody>
+      </p:sp>
     </p:spTree>
     <p:extLst>
       <p:ext uri="{BB962C8B-B14F-4D97-AF65-F5344CB8AC3E}">
@@ -6294,13 +6365,6 @@
   <p:clrMapOvr>
     <a:masterClrMapping/>
   </p:clrMapOvr>
-  <p:timing>
-    <p:tnLst>
-      <p:par>
-        <p:cTn id="1" dur="indefinite" restart="never" nodeType="tmRoot"/>
-      </p:par>
-    </p:tnLst>
-  </p:timing>
 </p:sld>
 </file>
 
@@ -7992,16 +8056,12 @@
           <a:lstStyle/>
           <a:p>
             <a:r>
-              <a:rPr lang="en-US" sz="2400" dirty="0" smtClean="0">
+              <a:rPr lang="en-US" sz="2400" dirty="0">
                 <a:latin typeface="Trebuchet MS"/>
                 <a:cs typeface="Trebuchet MS"/>
               </a:rPr>
               <a:t>KNN: k nearest neighbors (two classes)</a:t>
             </a:r>
-            <a:endParaRPr lang="en-US" sz="2400" dirty="0">
-              <a:latin typeface="Trebuchet MS"/>
-              <a:cs typeface="Trebuchet MS"/>
-            </a:endParaRPr>
           </a:p>
         </p:txBody>
       </p:sp>
@@ -8667,7 +8727,7 @@
           <a:lstStyle/>
           <a:p>
             <a:r>
-              <a:rPr lang="en-US" b="1" dirty="0" smtClean="0">
+              <a:rPr lang="en-US" b="1" dirty="0">
                 <a:latin typeface="Trebuchet MS"/>
                 <a:cs typeface="Trebuchet MS"/>
               </a:rPr>
@@ -8675,7 +8735,7 @@
             </a:r>
           </a:p>
           <a:p>
-            <a:endParaRPr lang="en-US" dirty="0" smtClean="0">
+            <a:endParaRPr lang="en-US" dirty="0">
               <a:latin typeface="Trebuchet MS"/>
               <a:cs typeface="Trebuchet MS"/>
             </a:endParaRPr>
@@ -8685,7 +8745,7 @@
               <a:buAutoNum type="arabicPeriod"/>
             </a:pPr>
             <a:r>
-              <a:rPr lang="en-US" dirty="0" smtClean="0">
+              <a:rPr lang="en-US" dirty="0">
                 <a:latin typeface="Trebuchet MS"/>
                 <a:cs typeface="Trebuchet MS"/>
               </a:rPr>
@@ -8697,7 +8757,7 @@
               <a:buAutoNum type="arabicPeriod"/>
             </a:pPr>
             <a:r>
-              <a:rPr lang="en-US" dirty="0" smtClean="0">
+              <a:rPr lang="en-US" dirty="0">
                 <a:latin typeface="Trebuchet MS"/>
                 <a:cs typeface="Trebuchet MS"/>
               </a:rPr>
@@ -8709,7 +8769,7 @@
               <a:buAutoNum type="arabicPeriod"/>
             </a:pPr>
             <a:r>
-              <a:rPr lang="en-US" dirty="0" smtClean="0">
+              <a:rPr lang="en-US" dirty="0">
                 <a:latin typeface="Trebuchet MS"/>
                 <a:cs typeface="Trebuchet MS"/>
               </a:rPr>
@@ -8722,17 +8782,10 @@
                 <a:latin typeface="Trebuchet MS"/>
                 <a:cs typeface="Trebuchet MS"/>
               </a:rPr>
-              <a:t> </a:t>
-            </a:r>
-            <a:r>
-              <a:rPr lang="en-US" dirty="0" smtClean="0">
-                <a:latin typeface="Trebuchet MS"/>
-                <a:cs typeface="Trebuchet MS"/>
-              </a:rPr>
-              <a:t>    </a:t>
-            </a:r>
-            <a:r>
-              <a:rPr lang="en-US" dirty="0" smtClean="0">
+              <a:t>     </a:t>
+            </a:r>
+            <a:r>
+              <a:rPr lang="en-US" dirty="0">
                 <a:solidFill>
                   <a:schemeClr val="tx1">
                     <a:lumMod val="65000"/>
@@ -8751,16 +8804,12 @@
               <a:buAutoNum type="arabicPeriod" startAt="4"/>
             </a:pPr>
             <a:r>
-              <a:rPr lang="en-US" dirty="0" smtClean="0">
+              <a:rPr lang="en-US" dirty="0">
                 <a:latin typeface="Trebuchet MS"/>
                 <a:cs typeface="Trebuchet MS"/>
               </a:rPr>
               <a:t>Majority vote</a:t>
             </a:r>
-            <a:endParaRPr lang="en-US" dirty="0">
-              <a:latin typeface="Trebuchet MS"/>
-              <a:cs typeface="Trebuchet MS"/>
-            </a:endParaRPr>
           </a:p>
           <a:p>
             <a:r>
@@ -8892,16 +8941,12 @@
           <a:lstStyle/>
           <a:p>
             <a:r>
-              <a:rPr lang="en-US" sz="2400" dirty="0" smtClean="0">
+              <a:rPr lang="en-US" sz="2400" dirty="0">
                 <a:latin typeface="Trebuchet MS"/>
                 <a:cs typeface="Trebuchet MS"/>
               </a:rPr>
               <a:t>Testing data</a:t>
             </a:r>
-            <a:endParaRPr lang="en-US" sz="2400" dirty="0">
-              <a:latin typeface="Trebuchet MS"/>
-              <a:cs typeface="Trebuchet MS"/>
-            </a:endParaRPr>
           </a:p>
         </p:txBody>
       </p:sp>
@@ -8940,6 +8985,64 @@
           </a:fontRef>
         </p:style>
       </p:cxnSp>
+      <p:sp>
+        <p:nvSpPr>
+          <p:cNvPr id="5" name="Footer Placeholder 4">
+            <a:extLst>
+              <a:ext uri="{FF2B5EF4-FFF2-40B4-BE49-F238E27FC236}">
+                <a16:creationId xmlns:a16="http://schemas.microsoft.com/office/drawing/2014/main" id="{66634066-4E54-6F4A-B053-A6B6D3D623D9}"/>
+              </a:ext>
+            </a:extLst>
+          </p:cNvPr>
+          <p:cNvSpPr>
+            <a:spLocks noGrp="1"/>
+          </p:cNvSpPr>
+          <p:nvPr>
+            <p:ph type="ftr" sz="quarter" idx="11"/>
+          </p:nvPr>
+        </p:nvSpPr>
+        <p:spPr/>
+        <p:txBody>
+          <a:bodyPr/>
+          <a:lstStyle/>
+          <a:p>
+            <a:r>
+              <a:rPr lang="es-ES"/>
+              <a:t>PAT04_KNN.pptx</a:t>
+            </a:r>
+          </a:p>
+        </p:txBody>
+      </p:sp>
+      <p:sp>
+        <p:nvSpPr>
+          <p:cNvPr id="7" name="Slide Number Placeholder 6">
+            <a:extLst>
+              <a:ext uri="{FF2B5EF4-FFF2-40B4-BE49-F238E27FC236}">
+                <a16:creationId xmlns:a16="http://schemas.microsoft.com/office/drawing/2014/main" id="{A5930708-0573-2246-B274-14CA54E7A40D}"/>
+              </a:ext>
+            </a:extLst>
+          </p:cNvPr>
+          <p:cNvSpPr>
+            <a:spLocks noGrp="1"/>
+          </p:cNvSpPr>
+          <p:nvPr>
+            <p:ph type="sldNum" sz="quarter" idx="12"/>
+          </p:nvPr>
+        </p:nvSpPr>
+        <p:spPr/>
+        <p:txBody>
+          <a:bodyPr/>
+          <a:lstStyle/>
+          <a:p>
+            <a:fld id="{B2515E32-AEC1-A643-BA35-1EE2E73D4B01}" type="slidenum">
+              <a:rPr lang="es-ES" smtClean="0"/>
+              <a:pPr/>
+              <a:t>11</a:t>
+            </a:fld>
+            <a:endParaRPr lang="es-ES"/>
+          </a:p>
+        </p:txBody>
+      </p:sp>
     </p:spTree>
     <p:extLst>
       <p:ext uri="{BB962C8B-B14F-4D97-AF65-F5344CB8AC3E}">
@@ -8950,13 +9053,6 @@
   <p:clrMapOvr>
     <a:masterClrMapping/>
   </p:clrMapOvr>
-  <p:timing>
-    <p:tnLst>
-      <p:par>
-        <p:cTn id="1" dur="indefinite" restart="never" nodeType="tmRoot"/>
-      </p:par>
-    </p:tnLst>
-  </p:timing>
 </p:sld>
 </file>
 
@@ -8998,10 +9094,67 @@
           <a:lstStyle/>
           <a:p>
             <a:r>
-              <a:rPr lang="en-US" dirty="0" smtClean="0"/>
+              <a:rPr lang="en-US" dirty="0"/>
               <a:t>Example with 80 million images</a:t>
             </a:r>
-            <a:endParaRPr lang="en-US" dirty="0"/>
+          </a:p>
+        </p:txBody>
+      </p:sp>
+      <p:sp>
+        <p:nvSpPr>
+          <p:cNvPr id="3" name="Footer Placeholder 2">
+            <a:extLst>
+              <a:ext uri="{FF2B5EF4-FFF2-40B4-BE49-F238E27FC236}">
+                <a16:creationId xmlns:a16="http://schemas.microsoft.com/office/drawing/2014/main" id="{2479DFF6-DB0F-6545-BFA9-F2D9316F4B25}"/>
+              </a:ext>
+            </a:extLst>
+          </p:cNvPr>
+          <p:cNvSpPr>
+            <a:spLocks noGrp="1"/>
+          </p:cNvSpPr>
+          <p:nvPr>
+            <p:ph type="ftr" sz="quarter" idx="11"/>
+          </p:nvPr>
+        </p:nvSpPr>
+        <p:spPr/>
+        <p:txBody>
+          <a:bodyPr/>
+          <a:lstStyle/>
+          <a:p>
+            <a:r>
+              <a:rPr lang="es-ES"/>
+              <a:t>PAT04_KNN.pptx</a:t>
+            </a:r>
+          </a:p>
+        </p:txBody>
+      </p:sp>
+      <p:sp>
+        <p:nvSpPr>
+          <p:cNvPr id="4" name="Slide Number Placeholder 3">
+            <a:extLst>
+              <a:ext uri="{FF2B5EF4-FFF2-40B4-BE49-F238E27FC236}">
+                <a16:creationId xmlns:a16="http://schemas.microsoft.com/office/drawing/2014/main" id="{8887DB8E-5CFC-AE43-9F77-78E53AA4BD49}"/>
+              </a:ext>
+            </a:extLst>
+          </p:cNvPr>
+          <p:cNvSpPr>
+            <a:spLocks noGrp="1"/>
+          </p:cNvSpPr>
+          <p:nvPr>
+            <p:ph type="sldNum" sz="quarter" idx="12"/>
+          </p:nvPr>
+        </p:nvSpPr>
+        <p:spPr/>
+        <p:txBody>
+          <a:bodyPr/>
+          <a:lstStyle/>
+          <a:p>
+            <a:fld id="{B2515E32-AEC1-A643-BA35-1EE2E73D4B01}" type="slidenum">
+              <a:rPr lang="es-ES" smtClean="0"/>
+              <a:pPr/>
+              <a:t>12</a:t>
+            </a:fld>
+            <a:endParaRPr lang="es-ES"/>
           </a:p>
         </p:txBody>
       </p:sp>
@@ -9067,6 +9220,64 @@
           </a:prstGeom>
         </p:spPr>
       </p:pic>
+      <p:sp>
+        <p:nvSpPr>
+          <p:cNvPr id="3" name="Footer Placeholder 2">
+            <a:extLst>
+              <a:ext uri="{FF2B5EF4-FFF2-40B4-BE49-F238E27FC236}">
+                <a16:creationId xmlns:a16="http://schemas.microsoft.com/office/drawing/2014/main" id="{34FB5F57-E535-A84B-8846-02CD67E67F6E}"/>
+              </a:ext>
+            </a:extLst>
+          </p:cNvPr>
+          <p:cNvSpPr>
+            <a:spLocks noGrp="1"/>
+          </p:cNvSpPr>
+          <p:nvPr>
+            <p:ph type="ftr" sz="quarter" idx="11"/>
+          </p:nvPr>
+        </p:nvSpPr>
+        <p:spPr/>
+        <p:txBody>
+          <a:bodyPr/>
+          <a:lstStyle/>
+          <a:p>
+            <a:r>
+              <a:rPr lang="es-ES"/>
+              <a:t>PAT04_KNN.pptx</a:t>
+            </a:r>
+          </a:p>
+        </p:txBody>
+      </p:sp>
+      <p:sp>
+        <p:nvSpPr>
+          <p:cNvPr id="4" name="Slide Number Placeholder 3">
+            <a:extLst>
+              <a:ext uri="{FF2B5EF4-FFF2-40B4-BE49-F238E27FC236}">
+                <a16:creationId xmlns:a16="http://schemas.microsoft.com/office/drawing/2014/main" id="{5243D816-51E9-A644-9498-5AE77704DF53}"/>
+              </a:ext>
+            </a:extLst>
+          </p:cNvPr>
+          <p:cNvSpPr>
+            <a:spLocks noGrp="1"/>
+          </p:cNvSpPr>
+          <p:nvPr>
+            <p:ph type="sldNum" sz="quarter" idx="12"/>
+          </p:nvPr>
+        </p:nvSpPr>
+        <p:spPr/>
+        <p:txBody>
+          <a:bodyPr/>
+          <a:lstStyle/>
+          <a:p>
+            <a:fld id="{0686F2E3-C5C3-A44F-A4BA-7E93651C247F}" type="slidenum">
+              <a:rPr lang="es-ES" smtClean="0"/>
+              <a:pPr/>
+              <a:t>13</a:t>
+            </a:fld>
+            <a:endParaRPr lang="es-ES"/>
+          </a:p>
+        </p:txBody>
+      </p:sp>
     </p:spTree>
     <p:extLst>
       <p:ext uri="{BB962C8B-B14F-4D97-AF65-F5344CB8AC3E}">
@@ -9077,13 +9288,6 @@
   <p:clrMapOvr>
     <a:masterClrMapping/>
   </p:clrMapOvr>
-  <p:timing>
-    <p:tnLst>
-      <p:par>
-        <p:cTn id="1" dur="indefinite" restart="never" nodeType="tmRoot"/>
-      </p:par>
-    </p:tnLst>
-  </p:timing>
 </p:sld>
 </file>
 
@@ -9136,6 +9340,64 @@
           </a:prstGeom>
         </p:spPr>
       </p:pic>
+      <p:sp>
+        <p:nvSpPr>
+          <p:cNvPr id="3" name="Footer Placeholder 2">
+            <a:extLst>
+              <a:ext uri="{FF2B5EF4-FFF2-40B4-BE49-F238E27FC236}">
+                <a16:creationId xmlns:a16="http://schemas.microsoft.com/office/drawing/2014/main" id="{68231646-961B-464B-BEF0-C86C9BCDDCA3}"/>
+              </a:ext>
+            </a:extLst>
+          </p:cNvPr>
+          <p:cNvSpPr>
+            <a:spLocks noGrp="1"/>
+          </p:cNvSpPr>
+          <p:nvPr>
+            <p:ph type="ftr" sz="quarter" idx="11"/>
+          </p:nvPr>
+        </p:nvSpPr>
+        <p:spPr/>
+        <p:txBody>
+          <a:bodyPr/>
+          <a:lstStyle/>
+          <a:p>
+            <a:r>
+              <a:rPr lang="es-ES"/>
+              <a:t>PAT04_KNN.pptx</a:t>
+            </a:r>
+          </a:p>
+        </p:txBody>
+      </p:sp>
+      <p:sp>
+        <p:nvSpPr>
+          <p:cNvPr id="4" name="Slide Number Placeholder 3">
+            <a:extLst>
+              <a:ext uri="{FF2B5EF4-FFF2-40B4-BE49-F238E27FC236}">
+                <a16:creationId xmlns:a16="http://schemas.microsoft.com/office/drawing/2014/main" id="{F5F654D4-8667-E344-BFF1-B4520EBE40D6}"/>
+              </a:ext>
+            </a:extLst>
+          </p:cNvPr>
+          <p:cNvSpPr>
+            <a:spLocks noGrp="1"/>
+          </p:cNvSpPr>
+          <p:nvPr>
+            <p:ph type="sldNum" sz="quarter" idx="12"/>
+          </p:nvPr>
+        </p:nvSpPr>
+        <p:spPr/>
+        <p:txBody>
+          <a:bodyPr/>
+          <a:lstStyle/>
+          <a:p>
+            <a:fld id="{0686F2E3-C5C3-A44F-A4BA-7E93651C247F}" type="slidenum">
+              <a:rPr lang="es-ES" smtClean="0"/>
+              <a:pPr/>
+              <a:t>14</a:t>
+            </a:fld>
+            <a:endParaRPr lang="es-ES"/>
+          </a:p>
+        </p:txBody>
+      </p:sp>
     </p:spTree>
     <p:extLst>
       <p:ext uri="{BB962C8B-B14F-4D97-AF65-F5344CB8AC3E}">
@@ -9146,13 +9408,6 @@
   <p:clrMapOvr>
     <a:masterClrMapping/>
   </p:clrMapOvr>
-  <p:timing>
-    <p:tnLst>
-      <p:par>
-        <p:cTn id="1" dur="indefinite" restart="never" nodeType="tmRoot"/>
-      </p:par>
-    </p:tnLst>
-  </p:timing>
 </p:sld>
 </file>
 
@@ -9196,16 +9451,70 @@
           <a:lstStyle/>
           <a:p>
             <a:r>
-              <a:rPr lang="en-US" sz="2400" dirty="0" smtClean="0">
+              <a:rPr lang="en-US" sz="2400" dirty="0">
                 <a:latin typeface="Trebuchet MS"/>
                 <a:cs typeface="Trebuchet MS"/>
               </a:rPr>
               <a:t>KNN: k nearest neighbors</a:t>
             </a:r>
-            <a:endParaRPr lang="en-US" sz="2400" dirty="0">
-              <a:latin typeface="Trebuchet MS"/>
-              <a:cs typeface="Trebuchet MS"/>
-            </a:endParaRPr>
+          </a:p>
+        </p:txBody>
+      </p:sp>
+      <p:sp>
+        <p:nvSpPr>
+          <p:cNvPr id="2" name="Footer Placeholder 1">
+            <a:extLst>
+              <a:ext uri="{FF2B5EF4-FFF2-40B4-BE49-F238E27FC236}">
+                <a16:creationId xmlns:a16="http://schemas.microsoft.com/office/drawing/2014/main" id="{21BFF12D-C329-524E-9976-B81B40DF1475}"/>
+              </a:ext>
+            </a:extLst>
+          </p:cNvPr>
+          <p:cNvSpPr>
+            <a:spLocks noGrp="1"/>
+          </p:cNvSpPr>
+          <p:nvPr>
+            <p:ph type="ftr" sz="quarter" idx="11"/>
+          </p:nvPr>
+        </p:nvSpPr>
+        <p:spPr/>
+        <p:txBody>
+          <a:bodyPr/>
+          <a:lstStyle/>
+          <a:p>
+            <a:r>
+              <a:rPr lang="es-ES"/>
+              <a:t>PAT04_KNN.pptx</a:t>
+            </a:r>
+          </a:p>
+        </p:txBody>
+      </p:sp>
+      <p:sp>
+        <p:nvSpPr>
+          <p:cNvPr id="3" name="Slide Number Placeholder 2">
+            <a:extLst>
+              <a:ext uri="{FF2B5EF4-FFF2-40B4-BE49-F238E27FC236}">
+                <a16:creationId xmlns:a16="http://schemas.microsoft.com/office/drawing/2014/main" id="{82681762-402C-6C47-8668-76D967036664}"/>
+              </a:ext>
+            </a:extLst>
+          </p:cNvPr>
+          <p:cNvSpPr>
+            <a:spLocks noGrp="1"/>
+          </p:cNvSpPr>
+          <p:nvPr>
+            <p:ph type="sldNum" sz="quarter" idx="12"/>
+          </p:nvPr>
+        </p:nvSpPr>
+        <p:spPr/>
+        <p:txBody>
+          <a:bodyPr/>
+          <a:lstStyle/>
+          <a:p>
+            <a:fld id="{B2515E32-AEC1-A643-BA35-1EE2E73D4B01}" type="slidenum">
+              <a:rPr lang="es-ES" smtClean="0"/>
+              <a:pPr/>
+              <a:t>2</a:t>
+            </a:fld>
+            <a:endParaRPr lang="es-ES"/>
           </a:p>
         </p:txBody>
       </p:sp>
@@ -9219,13 +9528,6 @@
   <p:clrMapOvr>
     <a:masterClrMapping/>
   </p:clrMapOvr>
-  <p:timing>
-    <p:tnLst>
-      <p:par>
-        <p:cTn id="1" dur="indefinite" restart="never" nodeType="tmRoot"/>
-      </p:par>
-    </p:tnLst>
-  </p:timing>
 </p:sld>
 </file>
 
@@ -9269,16 +9571,12 @@
           <a:lstStyle/>
           <a:p>
             <a:r>
-              <a:rPr lang="en-US" sz="2400" dirty="0" smtClean="0">
+              <a:rPr lang="en-US" sz="2400" dirty="0">
                 <a:latin typeface="Trebuchet MS"/>
                 <a:cs typeface="Trebuchet MS"/>
               </a:rPr>
               <a:t>KNN: k nearest neighbors (two classes)</a:t>
             </a:r>
-            <a:endParaRPr lang="en-US" sz="2400" dirty="0">
-              <a:latin typeface="Trebuchet MS"/>
-              <a:cs typeface="Trebuchet MS"/>
-            </a:endParaRPr>
           </a:p>
         </p:txBody>
       </p:sp>
@@ -10931,16 +11229,70 @@
           <a:lstStyle/>
           <a:p>
             <a:r>
-              <a:rPr lang="en-US" sz="2400" dirty="0" smtClean="0">
+              <a:rPr lang="en-US" sz="2400" dirty="0">
                 <a:latin typeface="Trebuchet MS"/>
                 <a:cs typeface="Trebuchet MS"/>
               </a:rPr>
               <a:t>Training data</a:t>
             </a:r>
-            <a:endParaRPr lang="en-US" sz="2400" dirty="0">
-              <a:latin typeface="Trebuchet MS"/>
-              <a:cs typeface="Trebuchet MS"/>
-            </a:endParaRPr>
+          </a:p>
+        </p:txBody>
+      </p:sp>
+      <p:sp>
+        <p:nvSpPr>
+          <p:cNvPr id="5" name="Footer Placeholder 4">
+            <a:extLst>
+              <a:ext uri="{FF2B5EF4-FFF2-40B4-BE49-F238E27FC236}">
+                <a16:creationId xmlns:a16="http://schemas.microsoft.com/office/drawing/2014/main" id="{F6A887A0-F3B4-9F45-A366-FE99B5787D3F}"/>
+              </a:ext>
+            </a:extLst>
+          </p:cNvPr>
+          <p:cNvSpPr>
+            <a:spLocks noGrp="1"/>
+          </p:cNvSpPr>
+          <p:nvPr>
+            <p:ph type="ftr" sz="quarter" idx="11"/>
+          </p:nvPr>
+        </p:nvSpPr>
+        <p:spPr/>
+        <p:txBody>
+          <a:bodyPr/>
+          <a:lstStyle/>
+          <a:p>
+            <a:r>
+              <a:rPr lang="es-ES"/>
+              <a:t>PAT04_KNN.pptx</a:t>
+            </a:r>
+          </a:p>
+        </p:txBody>
+      </p:sp>
+      <p:sp>
+        <p:nvSpPr>
+          <p:cNvPr id="44" name="Slide Number Placeholder 43">
+            <a:extLst>
+              <a:ext uri="{FF2B5EF4-FFF2-40B4-BE49-F238E27FC236}">
+                <a16:creationId xmlns:a16="http://schemas.microsoft.com/office/drawing/2014/main" id="{58176632-8996-7543-BF6D-F951FE02E8FA}"/>
+              </a:ext>
+            </a:extLst>
+          </p:cNvPr>
+          <p:cNvSpPr>
+            <a:spLocks noGrp="1"/>
+          </p:cNvSpPr>
+          <p:nvPr>
+            <p:ph type="sldNum" sz="quarter" idx="12"/>
+          </p:nvPr>
+        </p:nvSpPr>
+        <p:spPr/>
+        <p:txBody>
+          <a:bodyPr/>
+          <a:lstStyle/>
+          <a:p>
+            <a:fld id="{B2515E32-AEC1-A643-BA35-1EE2E73D4B01}" type="slidenum">
+              <a:rPr lang="es-ES" smtClean="0"/>
+              <a:pPr/>
+              <a:t>3</a:t>
+            </a:fld>
+            <a:endParaRPr lang="es-ES"/>
           </a:p>
         </p:txBody>
       </p:sp>
@@ -10954,13 +11306,6 @@
   <p:clrMapOvr>
     <a:masterClrMapping/>
   </p:clrMapOvr>
-  <p:timing>
-    <p:tnLst>
-      <p:par>
-        <p:cTn id="1" dur="indefinite" restart="never" nodeType="tmRoot"/>
-      </p:par>
-    </p:tnLst>
-  </p:timing>
 </p:sld>
 </file>
 
@@ -11004,16 +11349,12 @@
           <a:lstStyle/>
           <a:p>
             <a:r>
-              <a:rPr lang="en-US" sz="2400" dirty="0" smtClean="0">
+              <a:rPr lang="en-US" sz="2400" dirty="0">
                 <a:latin typeface="Trebuchet MS"/>
                 <a:cs typeface="Trebuchet MS"/>
               </a:rPr>
               <a:t>KNN: k nearest neighbors (two classes)</a:t>
             </a:r>
-            <a:endParaRPr lang="en-US" sz="2400" dirty="0">
-              <a:latin typeface="Trebuchet MS"/>
-              <a:cs typeface="Trebuchet MS"/>
-            </a:endParaRPr>
           </a:p>
         </p:txBody>
       </p:sp>
@@ -12651,16 +12992,12 @@
           <a:lstStyle/>
           <a:p>
             <a:r>
-              <a:rPr lang="en-US" sz="2400" dirty="0" smtClean="0">
+              <a:rPr lang="en-US" sz="2400" dirty="0">
                 <a:latin typeface="Trebuchet MS"/>
                 <a:cs typeface="Trebuchet MS"/>
               </a:rPr>
               <a:t>Training data</a:t>
             </a:r>
-            <a:endParaRPr lang="en-US" sz="2400" dirty="0">
-              <a:latin typeface="Trebuchet MS"/>
-              <a:cs typeface="Trebuchet MS"/>
-            </a:endParaRPr>
           </a:p>
         </p:txBody>
       </p:sp>
@@ -12731,16 +13068,12 @@
           <a:lstStyle/>
           <a:p>
             <a:r>
-              <a:rPr lang="en-US" sz="2400" dirty="0" smtClean="0">
+              <a:rPr lang="en-US" sz="2400" dirty="0">
                 <a:latin typeface="Trebuchet MS"/>
                 <a:cs typeface="Trebuchet MS"/>
               </a:rPr>
               <a:t>Testing data</a:t>
             </a:r>
-            <a:endParaRPr lang="en-US" sz="2400" dirty="0">
-              <a:latin typeface="Trebuchet MS"/>
-              <a:cs typeface="Trebuchet MS"/>
-            </a:endParaRPr>
           </a:p>
         </p:txBody>
       </p:sp>
@@ -12803,16 +13136,70 @@
           <a:lstStyle/>
           <a:p>
             <a:r>
-              <a:rPr lang="en-US" sz="2400" dirty="0" smtClean="0">
+              <a:rPr lang="en-US" sz="2400" dirty="0">
                 <a:latin typeface="Trebuchet MS"/>
                 <a:cs typeface="Trebuchet MS"/>
               </a:rPr>
               <a:t>?</a:t>
             </a:r>
-            <a:endParaRPr lang="en-US" sz="2400" dirty="0">
-              <a:latin typeface="Trebuchet MS"/>
-              <a:cs typeface="Trebuchet MS"/>
-            </a:endParaRPr>
+          </a:p>
+        </p:txBody>
+      </p:sp>
+      <p:sp>
+        <p:nvSpPr>
+          <p:cNvPr id="3" name="Footer Placeholder 2">
+            <a:extLst>
+              <a:ext uri="{FF2B5EF4-FFF2-40B4-BE49-F238E27FC236}">
+                <a16:creationId xmlns:a16="http://schemas.microsoft.com/office/drawing/2014/main" id="{8798D35A-3702-274A-A2F4-1E0C7193EDEA}"/>
+              </a:ext>
+            </a:extLst>
+          </p:cNvPr>
+          <p:cNvSpPr>
+            <a:spLocks noGrp="1"/>
+          </p:cNvSpPr>
+          <p:nvPr>
+            <p:ph type="ftr" sz="quarter" idx="11"/>
+          </p:nvPr>
+        </p:nvSpPr>
+        <p:spPr/>
+        <p:txBody>
+          <a:bodyPr/>
+          <a:lstStyle/>
+          <a:p>
+            <a:r>
+              <a:rPr lang="es-ES"/>
+              <a:t>PAT04_KNN.pptx</a:t>
+            </a:r>
+          </a:p>
+        </p:txBody>
+      </p:sp>
+      <p:sp>
+        <p:nvSpPr>
+          <p:cNvPr id="47" name="Slide Number Placeholder 46">
+            <a:extLst>
+              <a:ext uri="{FF2B5EF4-FFF2-40B4-BE49-F238E27FC236}">
+                <a16:creationId xmlns:a16="http://schemas.microsoft.com/office/drawing/2014/main" id="{6FBE5D71-5D51-0C46-BB0E-C93CBE07EF20}"/>
+              </a:ext>
+            </a:extLst>
+          </p:cNvPr>
+          <p:cNvSpPr>
+            <a:spLocks noGrp="1"/>
+          </p:cNvSpPr>
+          <p:nvPr>
+            <p:ph type="sldNum" sz="quarter" idx="12"/>
+          </p:nvPr>
+        </p:nvSpPr>
+        <p:spPr/>
+        <p:txBody>
+          <a:bodyPr/>
+          <a:lstStyle/>
+          <a:p>
+            <a:fld id="{B2515E32-AEC1-A643-BA35-1EE2E73D4B01}" type="slidenum">
+              <a:rPr lang="es-ES" smtClean="0"/>
+              <a:pPr/>
+              <a:t>4</a:t>
+            </a:fld>
+            <a:endParaRPr lang="es-ES"/>
           </a:p>
         </p:txBody>
       </p:sp>
@@ -12826,13 +13213,6 @@
   <p:clrMapOvr>
     <a:masterClrMapping/>
   </p:clrMapOvr>
-  <p:timing>
-    <p:tnLst>
-      <p:par>
-        <p:cTn id="1" dur="indefinite" restart="never" nodeType="tmRoot"/>
-      </p:par>
-    </p:tnLst>
-  </p:timing>
 </p:sld>
 </file>
 
@@ -12876,16 +13256,12 @@
           <a:lstStyle/>
           <a:p>
             <a:r>
-              <a:rPr lang="en-US" sz="2400" dirty="0" smtClean="0">
+              <a:rPr lang="en-US" sz="2400" dirty="0">
                 <a:latin typeface="Trebuchet MS"/>
                 <a:cs typeface="Trebuchet MS"/>
               </a:rPr>
               <a:t>KNN: k nearest neighbors (two classes)</a:t>
             </a:r>
-            <a:endParaRPr lang="en-US" sz="2400" dirty="0">
-              <a:latin typeface="Trebuchet MS"/>
-              <a:cs typeface="Trebuchet MS"/>
-            </a:endParaRPr>
           </a:p>
         </p:txBody>
       </p:sp>
@@ -14478,7 +14854,7 @@
           <a:lstStyle/>
           <a:p>
             <a:r>
-              <a:rPr lang="en-US" b="1" dirty="0" smtClean="0">
+              <a:rPr lang="en-US" b="1" dirty="0">
                 <a:latin typeface="Trebuchet MS"/>
                 <a:cs typeface="Trebuchet MS"/>
               </a:rPr>
@@ -14560,16 +14936,12 @@
           <a:lstStyle/>
           <a:p>
             <a:r>
-              <a:rPr lang="en-US" sz="2400" dirty="0" smtClean="0">
+              <a:rPr lang="en-US" sz="2400" dirty="0">
                 <a:latin typeface="Trebuchet MS"/>
                 <a:cs typeface="Trebuchet MS"/>
               </a:rPr>
               <a:t>Testing data</a:t>
             </a:r>
-            <a:endParaRPr lang="en-US" sz="2400" dirty="0">
-              <a:latin typeface="Trebuchet MS"/>
-              <a:cs typeface="Trebuchet MS"/>
-            </a:endParaRPr>
           </a:p>
         </p:txBody>
       </p:sp>
@@ -14608,6 +14980,64 @@
           </a:fontRef>
         </p:style>
       </p:cxnSp>
+      <p:sp>
+        <p:nvSpPr>
+          <p:cNvPr id="2" name="Footer Placeholder 1">
+            <a:extLst>
+              <a:ext uri="{FF2B5EF4-FFF2-40B4-BE49-F238E27FC236}">
+                <a16:creationId xmlns:a16="http://schemas.microsoft.com/office/drawing/2014/main" id="{92D2B61D-C063-BF4C-B33F-0AC622F137B7}"/>
+              </a:ext>
+            </a:extLst>
+          </p:cNvPr>
+          <p:cNvSpPr>
+            <a:spLocks noGrp="1"/>
+          </p:cNvSpPr>
+          <p:nvPr>
+            <p:ph type="ftr" sz="quarter" idx="11"/>
+          </p:nvPr>
+        </p:nvSpPr>
+        <p:spPr/>
+        <p:txBody>
+          <a:bodyPr/>
+          <a:lstStyle/>
+          <a:p>
+            <a:r>
+              <a:rPr lang="es-ES"/>
+              <a:t>PAT04_KNN.pptx</a:t>
+            </a:r>
+          </a:p>
+        </p:txBody>
+      </p:sp>
+      <p:sp>
+        <p:nvSpPr>
+          <p:cNvPr id="3" name="Slide Number Placeholder 2">
+            <a:extLst>
+              <a:ext uri="{FF2B5EF4-FFF2-40B4-BE49-F238E27FC236}">
+                <a16:creationId xmlns:a16="http://schemas.microsoft.com/office/drawing/2014/main" id="{0989890B-96F1-9149-B629-5660E0679713}"/>
+              </a:ext>
+            </a:extLst>
+          </p:cNvPr>
+          <p:cNvSpPr>
+            <a:spLocks noGrp="1"/>
+          </p:cNvSpPr>
+          <p:nvPr>
+            <p:ph type="sldNum" sz="quarter" idx="12"/>
+          </p:nvPr>
+        </p:nvSpPr>
+        <p:spPr/>
+        <p:txBody>
+          <a:bodyPr/>
+          <a:lstStyle/>
+          <a:p>
+            <a:fld id="{B2515E32-AEC1-A643-BA35-1EE2E73D4B01}" type="slidenum">
+              <a:rPr lang="es-ES" smtClean="0"/>
+              <a:pPr/>
+              <a:t>5</a:t>
+            </a:fld>
+            <a:endParaRPr lang="es-ES"/>
+          </a:p>
+        </p:txBody>
+      </p:sp>
     </p:spTree>
     <p:extLst>
       <p:ext uri="{BB962C8B-B14F-4D97-AF65-F5344CB8AC3E}">
@@ -14618,13 +15048,6 @@
   <p:clrMapOvr>
     <a:masterClrMapping/>
   </p:clrMapOvr>
-  <p:timing>
-    <p:tnLst>
-      <p:par>
-        <p:cTn id="1" dur="indefinite" restart="never" nodeType="tmRoot"/>
-      </p:par>
-    </p:tnLst>
-  </p:timing>
 </p:sld>
 </file>
 
@@ -14668,16 +15091,12 @@
           <a:lstStyle/>
           <a:p>
             <a:r>
-              <a:rPr lang="en-US" sz="2400" dirty="0" smtClean="0">
+              <a:rPr lang="en-US" sz="2400" dirty="0">
                 <a:latin typeface="Trebuchet MS"/>
                 <a:cs typeface="Trebuchet MS"/>
               </a:rPr>
               <a:t>KNN: k nearest neighbors (two classes)</a:t>
             </a:r>
-            <a:endParaRPr lang="en-US" sz="2400" dirty="0">
-              <a:latin typeface="Trebuchet MS"/>
-              <a:cs typeface="Trebuchet MS"/>
-            </a:endParaRPr>
           </a:p>
         </p:txBody>
       </p:sp>
@@ -17861,7 +18280,7 @@
           <a:lstStyle/>
           <a:p>
             <a:r>
-              <a:rPr lang="en-US" b="1" dirty="0" smtClean="0">
+              <a:rPr lang="en-US" b="1" dirty="0">
                 <a:latin typeface="Trebuchet MS"/>
                 <a:cs typeface="Trebuchet MS"/>
               </a:rPr>
@@ -17869,7 +18288,7 @@
             </a:r>
           </a:p>
           <a:p>
-            <a:endParaRPr lang="en-US" dirty="0" smtClean="0">
+            <a:endParaRPr lang="en-US" dirty="0">
               <a:latin typeface="Trebuchet MS"/>
               <a:cs typeface="Trebuchet MS"/>
             </a:endParaRPr>
@@ -17879,7 +18298,7 @@
               <a:buAutoNum type="arabicPeriod"/>
             </a:pPr>
             <a:r>
-              <a:rPr lang="en-US" dirty="0" smtClean="0">
+              <a:rPr lang="en-US" dirty="0">
                 <a:latin typeface="Trebuchet MS"/>
                 <a:cs typeface="Trebuchet MS"/>
               </a:rPr>
@@ -17920,16 +18339,12 @@
           <a:lstStyle/>
           <a:p>
             <a:r>
-              <a:rPr lang="en-US" sz="2400" dirty="0" smtClean="0">
+              <a:rPr lang="en-US" sz="2400" dirty="0">
                 <a:latin typeface="Trebuchet MS"/>
                 <a:cs typeface="Trebuchet MS"/>
               </a:rPr>
               <a:t>Testing data</a:t>
             </a:r>
-            <a:endParaRPr lang="en-US" sz="2400" dirty="0">
-              <a:latin typeface="Trebuchet MS"/>
-              <a:cs typeface="Trebuchet MS"/>
-            </a:endParaRPr>
           </a:p>
         </p:txBody>
       </p:sp>
@@ -17995,19 +18410,8 @@
                 <a:latin typeface="Courier"/>
                 <a:cs typeface="Courier"/>
               </a:rPr>
-              <a:t> </a:t>
-            </a:r>
-            <a:r>
-              <a:rPr lang="en-US" sz="800" dirty="0" smtClean="0">
-                <a:latin typeface="Courier"/>
-                <a:cs typeface="Courier"/>
-              </a:rPr>
-              <a:t>   0.3655</a:t>
-            </a:r>
-            <a:endParaRPr lang="en-US" sz="800" dirty="0">
-              <a:latin typeface="Courier"/>
-              <a:cs typeface="Courier"/>
-            </a:endParaRPr>
+              <a:t>    0.3655</a:t>
+            </a:r>
           </a:p>
           <a:p>
             <a:r>
@@ -18269,6 +18673,64 @@
               </a:rPr>
               <a:t>    0.9525</a:t>
             </a:r>
+          </a:p>
+        </p:txBody>
+      </p:sp>
+      <p:sp>
+        <p:nvSpPr>
+          <p:cNvPr id="3" name="Footer Placeholder 2">
+            <a:extLst>
+              <a:ext uri="{FF2B5EF4-FFF2-40B4-BE49-F238E27FC236}">
+                <a16:creationId xmlns:a16="http://schemas.microsoft.com/office/drawing/2014/main" id="{1E625243-0FF1-B047-84D0-E61727D9EE6B}"/>
+              </a:ext>
+            </a:extLst>
+          </p:cNvPr>
+          <p:cNvSpPr>
+            <a:spLocks noGrp="1"/>
+          </p:cNvSpPr>
+          <p:nvPr>
+            <p:ph type="ftr" sz="quarter" idx="11"/>
+          </p:nvPr>
+        </p:nvSpPr>
+        <p:spPr/>
+        <p:txBody>
+          <a:bodyPr/>
+          <a:lstStyle/>
+          <a:p>
+            <a:r>
+              <a:rPr lang="es-ES"/>
+              <a:t>PAT04_KNN.pptx</a:t>
+            </a:r>
+          </a:p>
+        </p:txBody>
+      </p:sp>
+      <p:sp>
+        <p:nvSpPr>
+          <p:cNvPr id="43" name="Slide Number Placeholder 42">
+            <a:extLst>
+              <a:ext uri="{FF2B5EF4-FFF2-40B4-BE49-F238E27FC236}">
+                <a16:creationId xmlns:a16="http://schemas.microsoft.com/office/drawing/2014/main" id="{5FC600EA-C2E9-8D49-9AAA-EF286414D662}"/>
+              </a:ext>
+            </a:extLst>
+          </p:cNvPr>
+          <p:cNvSpPr>
+            <a:spLocks noGrp="1"/>
+          </p:cNvSpPr>
+          <p:nvPr>
+            <p:ph type="sldNum" sz="quarter" idx="12"/>
+          </p:nvPr>
+        </p:nvSpPr>
+        <p:spPr/>
+        <p:txBody>
+          <a:bodyPr/>
+          <a:lstStyle/>
+          <a:p>
+            <a:fld id="{B2515E32-AEC1-A643-BA35-1EE2E73D4B01}" type="slidenum">
+              <a:rPr lang="es-ES" smtClean="0"/>
+              <a:pPr/>
+              <a:t>6</a:t>
+            </a:fld>
+            <a:endParaRPr lang="es-ES"/>
           </a:p>
         </p:txBody>
       </p:sp>
@@ -18446,16 +18908,12 @@
           <a:lstStyle/>
           <a:p>
             <a:r>
-              <a:rPr lang="en-US" sz="2400" dirty="0" smtClean="0">
+              <a:rPr lang="en-US" sz="2400" dirty="0">
                 <a:latin typeface="Trebuchet MS"/>
                 <a:cs typeface="Trebuchet MS"/>
               </a:rPr>
               <a:t>KNN: k nearest neighbors (two classes)</a:t>
             </a:r>
-            <a:endParaRPr lang="en-US" sz="2400" dirty="0">
-              <a:latin typeface="Trebuchet MS"/>
-              <a:cs typeface="Trebuchet MS"/>
-            </a:endParaRPr>
           </a:p>
         </p:txBody>
       </p:sp>
@@ -21609,7 +22067,7 @@
           <a:lstStyle/>
           <a:p>
             <a:r>
-              <a:rPr lang="en-US" b="1" dirty="0" smtClean="0">
+              <a:rPr lang="en-US" b="1" dirty="0">
                 <a:latin typeface="Trebuchet MS"/>
                 <a:cs typeface="Trebuchet MS"/>
               </a:rPr>
@@ -21617,7 +22075,7 @@
             </a:r>
           </a:p>
           <a:p>
-            <a:endParaRPr lang="en-US" dirty="0" smtClean="0">
+            <a:endParaRPr lang="en-US" dirty="0">
               <a:latin typeface="Trebuchet MS"/>
               <a:cs typeface="Trebuchet MS"/>
             </a:endParaRPr>
@@ -21627,7 +22085,7 @@
               <a:buAutoNum type="arabicPeriod"/>
             </a:pPr>
             <a:r>
-              <a:rPr lang="en-US" dirty="0" smtClean="0">
+              <a:rPr lang="en-US" dirty="0">
                 <a:latin typeface="Trebuchet MS"/>
                 <a:cs typeface="Trebuchet MS"/>
               </a:rPr>
@@ -21639,16 +22097,12 @@
               <a:buAutoNum type="arabicPeriod"/>
             </a:pPr>
             <a:r>
-              <a:rPr lang="en-US" dirty="0" smtClean="0">
+              <a:rPr lang="en-US" dirty="0">
                 <a:latin typeface="Trebuchet MS"/>
                 <a:cs typeface="Trebuchet MS"/>
               </a:rPr>
               <a:t>Sort</a:t>
             </a:r>
-            <a:endParaRPr lang="en-US" dirty="0">
-              <a:latin typeface="Trebuchet MS"/>
-              <a:cs typeface="Trebuchet MS"/>
-            </a:endParaRPr>
           </a:p>
         </p:txBody>
       </p:sp>
@@ -21675,16 +22129,12 @@
           <a:lstStyle/>
           <a:p>
             <a:r>
-              <a:rPr lang="en-US" sz="2400" dirty="0" smtClean="0">
+              <a:rPr lang="en-US" sz="2400" dirty="0">
                 <a:latin typeface="Trebuchet MS"/>
                 <a:cs typeface="Trebuchet MS"/>
               </a:rPr>
               <a:t>Testing data</a:t>
             </a:r>
-            <a:endParaRPr lang="en-US" sz="2400" dirty="0">
-              <a:latin typeface="Trebuchet MS"/>
-              <a:cs typeface="Trebuchet MS"/>
-            </a:endParaRPr>
           </a:p>
         </p:txBody>
       </p:sp>
@@ -21750,19 +22200,8 @@
                 <a:latin typeface="Courier"/>
                 <a:cs typeface="Courier"/>
               </a:rPr>
-              <a:t> </a:t>
-            </a:r>
-            <a:r>
-              <a:rPr lang="en-US" sz="800" dirty="0" smtClean="0">
-                <a:latin typeface="Courier"/>
-                <a:cs typeface="Courier"/>
-              </a:rPr>
-              <a:t>   0.3655</a:t>
-            </a:r>
-            <a:endParaRPr lang="en-US" sz="800" dirty="0">
-              <a:latin typeface="Courier"/>
-              <a:cs typeface="Courier"/>
-            </a:endParaRPr>
+              <a:t>    0.3655</a:t>
+            </a:r>
           </a:p>
           <a:p>
             <a:r>
@@ -22054,19 +22493,8 @@
                 <a:latin typeface="Courier"/>
                 <a:cs typeface="Courier"/>
               </a:rPr>
-              <a:t> </a:t>
-            </a:r>
-            <a:r>
-              <a:rPr lang="en-US" sz="800" dirty="0" smtClean="0">
-                <a:latin typeface="Courier"/>
-                <a:cs typeface="Courier"/>
-              </a:rPr>
-              <a:t>   0.0115</a:t>
-            </a:r>
-            <a:endParaRPr lang="en-US" sz="800" dirty="0">
-              <a:latin typeface="Courier"/>
-              <a:cs typeface="Courier"/>
-            </a:endParaRPr>
+              <a:t>    0.0115</a:t>
+            </a:r>
           </a:p>
           <a:p>
             <a:r>
@@ -22328,6 +22756,64 @@
               </a:rPr>
               <a:t>    0.9544</a:t>
             </a:r>
+          </a:p>
+        </p:txBody>
+      </p:sp>
+      <p:sp>
+        <p:nvSpPr>
+          <p:cNvPr id="2" name="Footer Placeholder 1">
+            <a:extLst>
+              <a:ext uri="{FF2B5EF4-FFF2-40B4-BE49-F238E27FC236}">
+                <a16:creationId xmlns:a16="http://schemas.microsoft.com/office/drawing/2014/main" id="{72F0B109-5B61-7846-AD43-6D940FD24A32}"/>
+              </a:ext>
+            </a:extLst>
+          </p:cNvPr>
+          <p:cNvSpPr>
+            <a:spLocks noGrp="1"/>
+          </p:cNvSpPr>
+          <p:nvPr>
+            <p:ph type="ftr" sz="quarter" idx="11"/>
+          </p:nvPr>
+        </p:nvSpPr>
+        <p:spPr/>
+        <p:txBody>
+          <a:bodyPr/>
+          <a:lstStyle/>
+          <a:p>
+            <a:r>
+              <a:rPr lang="es-ES"/>
+              <a:t>PAT04_KNN.pptx</a:t>
+            </a:r>
+          </a:p>
+        </p:txBody>
+      </p:sp>
+      <p:sp>
+        <p:nvSpPr>
+          <p:cNvPr id="3" name="Slide Number Placeholder 2">
+            <a:extLst>
+              <a:ext uri="{FF2B5EF4-FFF2-40B4-BE49-F238E27FC236}">
+                <a16:creationId xmlns:a16="http://schemas.microsoft.com/office/drawing/2014/main" id="{F78AA6BB-01FC-A44E-B655-F272893E6B47}"/>
+              </a:ext>
+            </a:extLst>
+          </p:cNvPr>
+          <p:cNvSpPr>
+            <a:spLocks noGrp="1"/>
+          </p:cNvSpPr>
+          <p:nvPr>
+            <p:ph type="sldNum" sz="quarter" idx="12"/>
+          </p:nvPr>
+        </p:nvSpPr>
+        <p:spPr/>
+        <p:txBody>
+          <a:bodyPr/>
+          <a:lstStyle/>
+          <a:p>
+            <a:fld id="{B2515E32-AEC1-A643-BA35-1EE2E73D4B01}" type="slidenum">
+              <a:rPr lang="es-ES" smtClean="0"/>
+              <a:pPr/>
+              <a:t>7</a:t>
+            </a:fld>
+            <a:endParaRPr lang="es-ES"/>
           </a:p>
         </p:txBody>
       </p:sp>
@@ -22511,16 +22997,12 @@
           <a:lstStyle/>
           <a:p>
             <a:r>
-              <a:rPr lang="en-US" sz="2400" dirty="0" smtClean="0">
+              <a:rPr lang="en-US" sz="2400" dirty="0">
                 <a:latin typeface="Trebuchet MS"/>
                 <a:cs typeface="Trebuchet MS"/>
               </a:rPr>
               <a:t>KNN: k nearest neighbors (two classes)</a:t>
             </a:r>
-            <a:endParaRPr lang="en-US" sz="2400" dirty="0">
-              <a:latin typeface="Trebuchet MS"/>
-              <a:cs typeface="Trebuchet MS"/>
-            </a:endParaRPr>
           </a:p>
         </p:txBody>
       </p:sp>
@@ -24444,7 +24926,7 @@
           <a:lstStyle/>
           <a:p>
             <a:r>
-              <a:rPr lang="en-US" b="1" dirty="0" smtClean="0">
+              <a:rPr lang="en-US" b="1" dirty="0">
                 <a:latin typeface="Trebuchet MS"/>
                 <a:cs typeface="Trebuchet MS"/>
               </a:rPr>
@@ -24452,7 +24934,7 @@
             </a:r>
           </a:p>
           <a:p>
-            <a:endParaRPr lang="en-US" dirty="0" smtClean="0">
+            <a:endParaRPr lang="en-US" dirty="0">
               <a:latin typeface="Trebuchet MS"/>
               <a:cs typeface="Trebuchet MS"/>
             </a:endParaRPr>
@@ -24462,7 +24944,7 @@
               <a:buAutoNum type="arabicPeriod"/>
             </a:pPr>
             <a:r>
-              <a:rPr lang="en-US" dirty="0" smtClean="0">
+              <a:rPr lang="en-US" dirty="0">
                 <a:latin typeface="Trebuchet MS"/>
                 <a:cs typeface="Trebuchet MS"/>
               </a:rPr>
@@ -24474,7 +24956,7 @@
               <a:buAutoNum type="arabicPeriod"/>
             </a:pPr>
             <a:r>
-              <a:rPr lang="en-US" dirty="0" smtClean="0">
+              <a:rPr lang="en-US" dirty="0">
                 <a:latin typeface="Trebuchet MS"/>
                 <a:cs typeface="Trebuchet MS"/>
               </a:rPr>
@@ -24486,7 +24968,7 @@
               <a:buAutoNum type="arabicPeriod"/>
             </a:pPr>
             <a:r>
-              <a:rPr lang="en-US" dirty="0" smtClean="0">
+              <a:rPr lang="en-US" dirty="0">
                 <a:latin typeface="Trebuchet MS"/>
                 <a:cs typeface="Trebuchet MS"/>
               </a:rPr>
@@ -24499,17 +24981,10 @@
                 <a:latin typeface="Trebuchet MS"/>
                 <a:cs typeface="Trebuchet MS"/>
               </a:rPr>
-              <a:t> </a:t>
-            </a:r>
-            <a:r>
-              <a:rPr lang="en-US" dirty="0" smtClean="0">
-                <a:latin typeface="Trebuchet MS"/>
-                <a:cs typeface="Trebuchet MS"/>
-              </a:rPr>
-              <a:t>    </a:t>
-            </a:r>
-            <a:r>
-              <a:rPr lang="en-US" dirty="0" smtClean="0">
+              <a:t>     </a:t>
+            </a:r>
+            <a:r>
+              <a:rPr lang="en-US" dirty="0">
                 <a:solidFill>
                   <a:schemeClr val="tx1">
                     <a:lumMod val="65000"/>
@@ -24521,16 +24996,6 @@
               </a:rPr>
               <a:t>(example k=7)</a:t>
             </a:r>
-            <a:endParaRPr lang="en-US" dirty="0">
-              <a:solidFill>
-                <a:schemeClr val="tx1">
-                  <a:lumMod val="65000"/>
-                  <a:lumOff val="35000"/>
-                </a:schemeClr>
-              </a:solidFill>
-              <a:latin typeface="Trebuchet MS"/>
-              <a:cs typeface="Trebuchet MS"/>
-            </a:endParaRPr>
           </a:p>
         </p:txBody>
       </p:sp>
@@ -24557,16 +25022,12 @@
           <a:lstStyle/>
           <a:p>
             <a:r>
-              <a:rPr lang="en-US" sz="2400" dirty="0" smtClean="0">
+              <a:rPr lang="en-US" sz="2400" dirty="0">
                 <a:latin typeface="Trebuchet MS"/>
                 <a:cs typeface="Trebuchet MS"/>
               </a:rPr>
               <a:t>Testing data</a:t>
             </a:r>
-            <a:endParaRPr lang="en-US" sz="2400" dirty="0">
-              <a:latin typeface="Trebuchet MS"/>
-              <a:cs typeface="Trebuchet MS"/>
-            </a:endParaRPr>
           </a:p>
         </p:txBody>
       </p:sp>
@@ -24632,19 +25093,8 @@
                 <a:latin typeface="Courier"/>
                 <a:cs typeface="Courier"/>
               </a:rPr>
-              <a:t> </a:t>
-            </a:r>
-            <a:r>
-              <a:rPr lang="en-US" sz="800" b="1" dirty="0" smtClean="0">
-                <a:latin typeface="Courier"/>
-                <a:cs typeface="Courier"/>
-              </a:rPr>
-              <a:t>   0.0115</a:t>
-            </a:r>
-            <a:endParaRPr lang="en-US" sz="800" b="1" dirty="0">
-              <a:latin typeface="Courier"/>
-              <a:cs typeface="Courier"/>
-            </a:endParaRPr>
+              <a:t>    0.0115</a:t>
+            </a:r>
           </a:p>
           <a:p>
             <a:r>
@@ -25054,6 +25504,64 @@
           </a:p>
         </p:txBody>
       </p:sp>
+      <p:sp>
+        <p:nvSpPr>
+          <p:cNvPr id="3" name="Footer Placeholder 2">
+            <a:extLst>
+              <a:ext uri="{FF2B5EF4-FFF2-40B4-BE49-F238E27FC236}">
+                <a16:creationId xmlns:a16="http://schemas.microsoft.com/office/drawing/2014/main" id="{AF79B6F6-DE80-5844-AC77-631C447150D5}"/>
+              </a:ext>
+            </a:extLst>
+          </p:cNvPr>
+          <p:cNvSpPr>
+            <a:spLocks noGrp="1"/>
+          </p:cNvSpPr>
+          <p:nvPr>
+            <p:ph type="ftr" sz="quarter" idx="11"/>
+          </p:nvPr>
+        </p:nvSpPr>
+        <p:spPr/>
+        <p:txBody>
+          <a:bodyPr/>
+          <a:lstStyle/>
+          <a:p>
+            <a:r>
+              <a:rPr lang="es-ES"/>
+              <a:t>PAT04_KNN.pptx</a:t>
+            </a:r>
+          </a:p>
+        </p:txBody>
+      </p:sp>
+      <p:sp>
+        <p:nvSpPr>
+          <p:cNvPr id="5" name="Slide Number Placeholder 4">
+            <a:extLst>
+              <a:ext uri="{FF2B5EF4-FFF2-40B4-BE49-F238E27FC236}">
+                <a16:creationId xmlns:a16="http://schemas.microsoft.com/office/drawing/2014/main" id="{57CAF12C-213D-3745-BBCC-7E8A8C19F6BA}"/>
+              </a:ext>
+            </a:extLst>
+          </p:cNvPr>
+          <p:cNvSpPr>
+            <a:spLocks noGrp="1"/>
+          </p:cNvSpPr>
+          <p:nvPr>
+            <p:ph type="sldNum" sz="quarter" idx="12"/>
+          </p:nvPr>
+        </p:nvSpPr>
+        <p:spPr/>
+        <p:txBody>
+          <a:bodyPr/>
+          <a:lstStyle/>
+          <a:p>
+            <a:fld id="{B2515E32-AEC1-A643-BA35-1EE2E73D4B01}" type="slidenum">
+              <a:rPr lang="es-ES" smtClean="0"/>
+              <a:pPr/>
+              <a:t>8</a:t>
+            </a:fld>
+            <a:endParaRPr lang="es-ES"/>
+          </a:p>
+        </p:txBody>
+      </p:sp>
     </p:spTree>
     <p:extLst>
       <p:ext uri="{BB962C8B-B14F-4D97-AF65-F5344CB8AC3E}">
@@ -25064,13 +25572,6 @@
   <p:clrMapOvr>
     <a:masterClrMapping/>
   </p:clrMapOvr>
-  <p:timing>
-    <p:tnLst>
-      <p:par>
-        <p:cTn id="1" dur="indefinite" restart="never" nodeType="tmRoot"/>
-      </p:par>
-    </p:tnLst>
-  </p:timing>
 </p:sld>
 </file>
 
@@ -25152,16 +25653,12 @@
           <a:lstStyle/>
           <a:p>
             <a:r>
-              <a:rPr lang="en-US" sz="2400" dirty="0" smtClean="0">
+              <a:rPr lang="en-US" sz="2400" dirty="0">
                 <a:latin typeface="Trebuchet MS"/>
                 <a:cs typeface="Trebuchet MS"/>
               </a:rPr>
               <a:t>KNN: k nearest neighbors (two classes)</a:t>
             </a:r>
-            <a:endParaRPr lang="en-US" sz="2400" dirty="0">
-              <a:latin typeface="Trebuchet MS"/>
-              <a:cs typeface="Trebuchet MS"/>
-            </a:endParaRPr>
           </a:p>
         </p:txBody>
       </p:sp>
@@ -25827,7 +26324,7 @@
           <a:lstStyle/>
           <a:p>
             <a:r>
-              <a:rPr lang="en-US" b="1" dirty="0" smtClean="0">
+              <a:rPr lang="en-US" b="1" dirty="0">
                 <a:latin typeface="Trebuchet MS"/>
                 <a:cs typeface="Trebuchet MS"/>
               </a:rPr>
@@ -25835,7 +26332,7 @@
             </a:r>
           </a:p>
           <a:p>
-            <a:endParaRPr lang="en-US" dirty="0" smtClean="0">
+            <a:endParaRPr lang="en-US" dirty="0">
               <a:latin typeface="Trebuchet MS"/>
               <a:cs typeface="Trebuchet MS"/>
             </a:endParaRPr>
@@ -25845,7 +26342,7 @@
               <a:buAutoNum type="arabicPeriod"/>
             </a:pPr>
             <a:r>
-              <a:rPr lang="en-US" dirty="0" smtClean="0">
+              <a:rPr lang="en-US" dirty="0">
                 <a:latin typeface="Trebuchet MS"/>
                 <a:cs typeface="Trebuchet MS"/>
               </a:rPr>
@@ -25857,7 +26354,7 @@
               <a:buAutoNum type="arabicPeriod"/>
             </a:pPr>
             <a:r>
-              <a:rPr lang="en-US" dirty="0" smtClean="0">
+              <a:rPr lang="en-US" dirty="0">
                 <a:latin typeface="Trebuchet MS"/>
                 <a:cs typeface="Trebuchet MS"/>
               </a:rPr>
@@ -25869,7 +26366,7 @@
               <a:buAutoNum type="arabicPeriod"/>
             </a:pPr>
             <a:r>
-              <a:rPr lang="en-US" dirty="0" smtClean="0">
+              <a:rPr lang="en-US" dirty="0">
                 <a:latin typeface="Trebuchet MS"/>
                 <a:cs typeface="Trebuchet MS"/>
               </a:rPr>
@@ -25882,17 +26379,10 @@
                 <a:latin typeface="Trebuchet MS"/>
                 <a:cs typeface="Trebuchet MS"/>
               </a:rPr>
-              <a:t> </a:t>
-            </a:r>
-            <a:r>
-              <a:rPr lang="en-US" dirty="0" smtClean="0">
-                <a:latin typeface="Trebuchet MS"/>
-                <a:cs typeface="Trebuchet MS"/>
-              </a:rPr>
-              <a:t>    </a:t>
-            </a:r>
-            <a:r>
-              <a:rPr lang="en-US" dirty="0" smtClean="0">
+              <a:t>     </a:t>
+            </a:r>
+            <a:r>
+              <a:rPr lang="en-US" dirty="0">
                 <a:solidFill>
                   <a:schemeClr val="tx1">
                     <a:lumMod val="65000"/>
@@ -25911,16 +26401,12 @@
               <a:buAutoNum type="arabicPeriod" startAt="4"/>
             </a:pPr>
             <a:r>
-              <a:rPr lang="en-US" dirty="0" smtClean="0">
+              <a:rPr lang="en-US" dirty="0">
                 <a:latin typeface="Trebuchet MS"/>
                 <a:cs typeface="Trebuchet MS"/>
               </a:rPr>
               <a:t>Majority vote</a:t>
             </a:r>
-            <a:endParaRPr lang="en-US" dirty="0">
-              <a:latin typeface="Trebuchet MS"/>
-              <a:cs typeface="Trebuchet MS"/>
-            </a:endParaRPr>
           </a:p>
           <a:p>
             <a:r>
@@ -26052,16 +26538,12 @@
           <a:lstStyle/>
           <a:p>
             <a:r>
-              <a:rPr lang="en-US" dirty="0" smtClean="0">
+              <a:rPr lang="en-US" dirty="0">
                 <a:latin typeface="Trebuchet MS"/>
                 <a:cs typeface="Trebuchet MS"/>
               </a:rPr>
               <a:t>5 red</a:t>
             </a:r>
-            <a:endParaRPr lang="en-US" dirty="0">
-              <a:latin typeface="Trebuchet MS"/>
-              <a:cs typeface="Trebuchet MS"/>
-            </a:endParaRPr>
           </a:p>
         </p:txBody>
       </p:sp>
@@ -26092,19 +26574,8 @@
                 <a:latin typeface="Trebuchet MS"/>
                 <a:cs typeface="Trebuchet MS"/>
               </a:rPr>
-              <a:t>2</a:t>
-            </a:r>
-            <a:r>
-              <a:rPr lang="en-US" dirty="0" smtClean="0">
-                <a:latin typeface="Trebuchet MS"/>
-                <a:cs typeface="Trebuchet MS"/>
-              </a:rPr>
-              <a:t> blue</a:t>
-            </a:r>
-            <a:endParaRPr lang="en-US" dirty="0">
-              <a:latin typeface="Trebuchet MS"/>
-              <a:cs typeface="Trebuchet MS"/>
-            </a:endParaRPr>
+              <a:t>2 blue</a:t>
+            </a:r>
           </a:p>
         </p:txBody>
       </p:sp>
@@ -26131,16 +26602,12 @@
           <a:lstStyle/>
           <a:p>
             <a:r>
-              <a:rPr lang="en-US" dirty="0" smtClean="0">
+              <a:rPr lang="en-US" dirty="0">
                 <a:latin typeface="Trebuchet MS"/>
                 <a:cs typeface="Trebuchet MS"/>
               </a:rPr>
               <a:t>Testing sample is red</a:t>
             </a:r>
-            <a:endParaRPr lang="en-US" dirty="0">
-              <a:latin typeface="Trebuchet MS"/>
-              <a:cs typeface="Trebuchet MS"/>
-            </a:endParaRPr>
           </a:p>
         </p:txBody>
       </p:sp>
@@ -26239,16 +26706,12 @@
           <a:lstStyle/>
           <a:p>
             <a:r>
-              <a:rPr lang="en-US" sz="2400" dirty="0" smtClean="0">
+              <a:rPr lang="en-US" sz="2400" dirty="0">
                 <a:latin typeface="Trebuchet MS"/>
                 <a:cs typeface="Trebuchet MS"/>
               </a:rPr>
               <a:t>Testing data</a:t>
             </a:r>
-            <a:endParaRPr lang="en-US" sz="2400" dirty="0">
-              <a:latin typeface="Trebuchet MS"/>
-              <a:cs typeface="Trebuchet MS"/>
-            </a:endParaRPr>
           </a:p>
         </p:txBody>
       </p:sp>
@@ -26314,17 +26777,10 @@
                 <a:latin typeface="Courier"/>
                 <a:cs typeface="Courier"/>
               </a:rPr>
-              <a:t> </a:t>
-            </a:r>
-            <a:r>
-              <a:rPr lang="en-US" sz="800" b="1" dirty="0" smtClean="0">
-                <a:latin typeface="Courier"/>
-                <a:cs typeface="Courier"/>
-              </a:rPr>
-              <a:t>   </a:t>
-            </a:r>
-            <a:r>
-              <a:rPr lang="en-US" sz="800" b="1" dirty="0" smtClean="0">
+              <a:t>    </a:t>
+            </a:r>
+            <a:r>
+              <a:rPr lang="en-US" sz="800" b="1" dirty="0">
                 <a:solidFill>
                   <a:srgbClr val="FF0000"/>
                 </a:solidFill>
@@ -26333,13 +26789,6 @@
               </a:rPr>
               <a:t>0.0115</a:t>
             </a:r>
-            <a:endParaRPr lang="en-US" sz="800" b="1" dirty="0">
-              <a:solidFill>
-                <a:srgbClr val="FF0000"/>
-              </a:solidFill>
-              <a:latin typeface="Courier"/>
-              <a:cs typeface="Courier"/>
-            </a:endParaRPr>
           </a:p>
           <a:p>
             <a:r>
@@ -26810,6 +27259,64 @@
           </a:p>
         </p:txBody>
       </p:sp>
+      <p:sp>
+        <p:nvSpPr>
+          <p:cNvPr id="7" name="Footer Placeholder 6">
+            <a:extLst>
+              <a:ext uri="{FF2B5EF4-FFF2-40B4-BE49-F238E27FC236}">
+                <a16:creationId xmlns:a16="http://schemas.microsoft.com/office/drawing/2014/main" id="{093C2807-99EB-EB40-9081-874027F9A01F}"/>
+              </a:ext>
+            </a:extLst>
+          </p:cNvPr>
+          <p:cNvSpPr>
+            <a:spLocks noGrp="1"/>
+          </p:cNvSpPr>
+          <p:nvPr>
+            <p:ph type="ftr" sz="quarter" idx="11"/>
+          </p:nvPr>
+        </p:nvSpPr>
+        <p:spPr/>
+        <p:txBody>
+          <a:bodyPr/>
+          <a:lstStyle/>
+          <a:p>
+            <a:r>
+              <a:rPr lang="es-ES"/>
+              <a:t>PAT04_KNN.pptx</a:t>
+            </a:r>
+          </a:p>
+        </p:txBody>
+      </p:sp>
+      <p:sp>
+        <p:nvSpPr>
+          <p:cNvPr id="10" name="Slide Number Placeholder 9">
+            <a:extLst>
+              <a:ext uri="{FF2B5EF4-FFF2-40B4-BE49-F238E27FC236}">
+                <a16:creationId xmlns:a16="http://schemas.microsoft.com/office/drawing/2014/main" id="{C01DE561-6F51-544D-BA34-3D8F57F2B00F}"/>
+              </a:ext>
+            </a:extLst>
+          </p:cNvPr>
+          <p:cNvSpPr>
+            <a:spLocks noGrp="1"/>
+          </p:cNvSpPr>
+          <p:nvPr>
+            <p:ph type="sldNum" sz="quarter" idx="12"/>
+          </p:nvPr>
+        </p:nvSpPr>
+        <p:spPr/>
+        <p:txBody>
+          <a:bodyPr/>
+          <a:lstStyle/>
+          <a:p>
+            <a:fld id="{B2515E32-AEC1-A643-BA35-1EE2E73D4B01}" type="slidenum">
+              <a:rPr lang="es-ES" smtClean="0"/>
+              <a:pPr/>
+              <a:t>9</a:t>
+            </a:fld>
+            <a:endParaRPr lang="es-ES"/>
+          </a:p>
+        </p:txBody>
+      </p:sp>
     </p:spTree>
     <p:extLst>
       <p:ext uri="{BB962C8B-B14F-4D97-AF65-F5344CB8AC3E}">
@@ -26820,13 +27327,6 @@
   <p:clrMapOvr>
     <a:masterClrMapping/>
   </p:clrMapOvr>
-  <p:timing>
-    <p:tnLst>
-      <p:par>
-        <p:cTn id="1" dur="indefinite" restart="never" nodeType="tmRoot"/>
-      </p:par>
-    </p:tnLst>
-  </p:timing>
 </p:sld>
 </file>
 

--- a/clases/Cap04_Clasificacion/presentations/PAT04_KNN.pptx
+++ b/clases/Cap04_Clasificacion/presentations/PAT04_KNN.pptx
@@ -5,7 +5,7 @@
     <p:sldMasterId id="2147483648" r:id="rId1"/>
   </p:sldMasterIdLst>
   <p:notesMasterIdLst>
-    <p:notesMasterId r:id="rId16"/>
+    <p:notesMasterId r:id="rId19"/>
   </p:notesMasterIdLst>
   <p:sldIdLst>
     <p:sldId id="294" r:id="rId2"/>
@@ -19,9 +19,12 @@
     <p:sldId id="291" r:id="rId10"/>
     <p:sldId id="293" r:id="rId11"/>
     <p:sldId id="292" r:id="rId12"/>
-    <p:sldId id="297" r:id="rId13"/>
-    <p:sldId id="295" r:id="rId14"/>
-    <p:sldId id="296" r:id="rId15"/>
+    <p:sldId id="303" r:id="rId13"/>
+    <p:sldId id="302" r:id="rId14"/>
+    <p:sldId id="297" r:id="rId15"/>
+    <p:sldId id="295" r:id="rId16"/>
+    <p:sldId id="296" r:id="rId17"/>
+    <p:sldId id="298" r:id="rId18"/>
   </p:sldIdLst>
   <p:sldSz cx="9144000" cy="6858000" type="screen4x3"/>
   <p:notesSz cx="6858000" cy="9144000"/>
@@ -9075,6 +9078,972 @@
       </p:grpSpPr>
       <p:sp>
         <p:nvSpPr>
+          <p:cNvPr id="4" name="Footer Placeholder 3">
+            <a:extLst>
+              <a:ext uri="{FF2B5EF4-FFF2-40B4-BE49-F238E27FC236}">
+                <a16:creationId xmlns:a16="http://schemas.microsoft.com/office/drawing/2014/main" id="{FD02F86C-F9DD-D44A-A0F9-D046C600DE15}"/>
+              </a:ext>
+            </a:extLst>
+          </p:cNvPr>
+          <p:cNvSpPr>
+            <a:spLocks noGrp="1"/>
+          </p:cNvSpPr>
+          <p:nvPr>
+            <p:ph type="ftr" sz="quarter" idx="11"/>
+          </p:nvPr>
+        </p:nvSpPr>
+        <p:spPr/>
+        <p:txBody>
+          <a:bodyPr/>
+          <a:lstStyle/>
+          <a:p>
+            <a:r>
+              <a:rPr lang="es-ES"/>
+              <a:t>PAT04_KNN.pptx</a:t>
+            </a:r>
+          </a:p>
+        </p:txBody>
+      </p:sp>
+      <p:sp>
+        <p:nvSpPr>
+          <p:cNvPr id="5" name="Slide Number Placeholder 4">
+            <a:extLst>
+              <a:ext uri="{FF2B5EF4-FFF2-40B4-BE49-F238E27FC236}">
+                <a16:creationId xmlns:a16="http://schemas.microsoft.com/office/drawing/2014/main" id="{50E782FC-6AC4-7740-88AB-91DC48FA230F}"/>
+              </a:ext>
+            </a:extLst>
+          </p:cNvPr>
+          <p:cNvSpPr>
+            <a:spLocks noGrp="1"/>
+          </p:cNvSpPr>
+          <p:nvPr>
+            <p:ph type="sldNum" sz="quarter" idx="12"/>
+          </p:nvPr>
+        </p:nvSpPr>
+        <p:spPr/>
+        <p:txBody>
+          <a:bodyPr/>
+          <a:lstStyle/>
+          <a:p>
+            <a:fld id="{B2515E32-AEC1-A643-BA35-1EE2E73D4B01}" type="slidenum">
+              <a:rPr lang="es-ES" smtClean="0"/>
+              <a:pPr/>
+              <a:t>12</a:t>
+            </a:fld>
+            <a:endParaRPr lang="es-ES"/>
+          </a:p>
+        </p:txBody>
+      </p:sp>
+      <p:pic>
+        <p:nvPicPr>
+          <p:cNvPr id="21" name="Picture 20">
+            <a:extLst>
+              <a:ext uri="{FF2B5EF4-FFF2-40B4-BE49-F238E27FC236}">
+                <a16:creationId xmlns:a16="http://schemas.microsoft.com/office/drawing/2014/main" id="{8B6B9441-7CA8-1E43-8973-384474CC046B}"/>
+              </a:ext>
+            </a:extLst>
+          </p:cNvPr>
+          <p:cNvPicPr>
+            <a:picLocks noChangeAspect="1"/>
+          </p:cNvPicPr>
+          <p:nvPr/>
+        </p:nvPicPr>
+        <p:blipFill>
+          <a:blip r:embed="rId2"/>
+          <a:stretch>
+            <a:fillRect/>
+          </a:stretch>
+        </p:blipFill>
+        <p:spPr>
+          <a:xfrm>
+            <a:off x="1857410" y="939442"/>
+            <a:ext cx="2874726" cy="2239260"/>
+          </a:xfrm>
+          <a:prstGeom prst="rect">
+            <a:avLst/>
+          </a:prstGeom>
+        </p:spPr>
+      </p:pic>
+      <p:sp>
+        <p:nvSpPr>
+          <p:cNvPr id="2" name="TextBox 1">
+            <a:extLst>
+              <a:ext uri="{FF2B5EF4-FFF2-40B4-BE49-F238E27FC236}">
+                <a16:creationId xmlns:a16="http://schemas.microsoft.com/office/drawing/2014/main" id="{895D863B-C684-EB44-8A6B-6C8EB194BBAE}"/>
+              </a:ext>
+            </a:extLst>
+          </p:cNvPr>
+          <p:cNvSpPr txBox="1"/>
+          <p:nvPr/>
+        </p:nvSpPr>
+        <p:spPr>
+          <a:xfrm>
+            <a:off x="2732690" y="409903"/>
+            <a:ext cx="1287532" cy="369332"/>
+          </a:xfrm>
+          <a:prstGeom prst="rect">
+            <a:avLst/>
+          </a:prstGeom>
+          <a:noFill/>
+        </p:spPr>
+        <p:txBody>
+          <a:bodyPr wrap="none" rtlCol="0">
+            <a:spAutoFit/>
+          </a:bodyPr>
+          <a:lstStyle/>
+          <a:p>
+            <a:r>
+              <a:rPr lang="en-US" dirty="0"/>
+              <a:t>TRAINING</a:t>
+            </a:r>
+          </a:p>
+        </p:txBody>
+      </p:sp>
+      <p:grpSp>
+        <p:nvGrpSpPr>
+          <p:cNvPr id="6" name="Group 5">
+            <a:extLst>
+              <a:ext uri="{FF2B5EF4-FFF2-40B4-BE49-F238E27FC236}">
+                <a16:creationId xmlns:a16="http://schemas.microsoft.com/office/drawing/2014/main" id="{15B439A9-4D3C-974C-AFBE-58D0E7F57182}"/>
+              </a:ext>
+            </a:extLst>
+          </p:cNvPr>
+          <p:cNvGrpSpPr/>
+          <p:nvPr/>
+        </p:nvGrpSpPr>
+        <p:grpSpPr>
+          <a:xfrm>
+            <a:off x="5089487" y="414197"/>
+            <a:ext cx="2965507" cy="2797167"/>
+            <a:chOff x="5089487" y="414197"/>
+            <a:chExt cx="2965507" cy="2797167"/>
+          </a:xfrm>
+        </p:grpSpPr>
+        <p:pic>
+          <p:nvPicPr>
+            <p:cNvPr id="19" name="Picture 18">
+              <a:extLst>
+                <a:ext uri="{FF2B5EF4-FFF2-40B4-BE49-F238E27FC236}">
+                  <a16:creationId xmlns:a16="http://schemas.microsoft.com/office/drawing/2014/main" id="{4F15BDF9-E7E6-7F41-94A0-224743D1AA09}"/>
+                </a:ext>
+              </a:extLst>
+            </p:cNvPr>
+            <p:cNvPicPr>
+              <a:picLocks noChangeAspect="1"/>
+            </p:cNvPicPr>
+            <p:nvPr/>
+          </p:nvPicPr>
+          <p:blipFill>
+            <a:blip r:embed="rId3"/>
+            <a:stretch>
+              <a:fillRect/>
+            </a:stretch>
+          </p:blipFill>
+          <p:spPr>
+            <a:xfrm>
+              <a:off x="5089487" y="896453"/>
+              <a:ext cx="2965507" cy="2314911"/>
+            </a:xfrm>
+            <a:prstGeom prst="rect">
+              <a:avLst/>
+            </a:prstGeom>
+          </p:spPr>
+        </p:pic>
+        <p:sp>
+          <p:nvSpPr>
+            <p:cNvPr id="14" name="TextBox 13">
+              <a:extLst>
+                <a:ext uri="{FF2B5EF4-FFF2-40B4-BE49-F238E27FC236}">
+                  <a16:creationId xmlns:a16="http://schemas.microsoft.com/office/drawing/2014/main" id="{0F3A3BE0-DCA5-5F48-A469-4813C0BC6DDC}"/>
+                </a:ext>
+              </a:extLst>
+            </p:cNvPr>
+            <p:cNvSpPr txBox="1"/>
+            <p:nvPr/>
+          </p:nvSpPr>
+          <p:spPr>
+            <a:xfrm>
+              <a:off x="5909434" y="414197"/>
+              <a:ext cx="1184940" cy="369332"/>
+            </a:xfrm>
+            <a:prstGeom prst="rect">
+              <a:avLst/>
+            </a:prstGeom>
+            <a:noFill/>
+          </p:spPr>
+          <p:txBody>
+            <a:bodyPr wrap="none" rtlCol="0">
+              <a:spAutoFit/>
+            </a:bodyPr>
+            <a:lstStyle/>
+            <a:p>
+              <a:r>
+                <a:rPr lang="en-US" dirty="0"/>
+                <a:t>TESTING</a:t>
+              </a:r>
+            </a:p>
+          </p:txBody>
+        </p:sp>
+      </p:grpSp>
+      <p:sp>
+        <p:nvSpPr>
+          <p:cNvPr id="16" name="TextBox 15">
+            <a:extLst>
+              <a:ext uri="{FF2B5EF4-FFF2-40B4-BE49-F238E27FC236}">
+                <a16:creationId xmlns:a16="http://schemas.microsoft.com/office/drawing/2014/main" id="{57E32221-7F35-D041-8311-B1301418EBEA}"/>
+              </a:ext>
+            </a:extLst>
+          </p:cNvPr>
+          <p:cNvSpPr txBox="1"/>
+          <p:nvPr/>
+        </p:nvSpPr>
+        <p:spPr>
+          <a:xfrm>
+            <a:off x="493795" y="1869242"/>
+            <a:ext cx="819455" cy="369332"/>
+          </a:xfrm>
+          <a:prstGeom prst="rect">
+            <a:avLst/>
+          </a:prstGeom>
+          <a:noFill/>
+        </p:spPr>
+        <p:txBody>
+          <a:bodyPr wrap="none" rtlCol="0">
+            <a:spAutoFit/>
+          </a:bodyPr>
+          <a:lstStyle/>
+          <a:p>
+            <a:r>
+              <a:rPr lang="en-US" dirty="0"/>
+              <a:t>k = 15</a:t>
+            </a:r>
+          </a:p>
+        </p:txBody>
+      </p:sp>
+      <p:grpSp>
+        <p:nvGrpSpPr>
+          <p:cNvPr id="3" name="Group 2">
+            <a:extLst>
+              <a:ext uri="{FF2B5EF4-FFF2-40B4-BE49-F238E27FC236}">
+                <a16:creationId xmlns:a16="http://schemas.microsoft.com/office/drawing/2014/main" id="{5637AF39-44B4-8148-A541-2266C7658865}"/>
+              </a:ext>
+            </a:extLst>
+          </p:cNvPr>
+          <p:cNvGrpSpPr/>
+          <p:nvPr/>
+        </p:nvGrpSpPr>
+        <p:grpSpPr>
+          <a:xfrm>
+            <a:off x="605360" y="3268484"/>
+            <a:ext cx="7428614" cy="2275817"/>
+            <a:chOff x="605360" y="3268484"/>
+            <a:chExt cx="7428614" cy="2275817"/>
+          </a:xfrm>
+        </p:grpSpPr>
+        <p:pic>
+          <p:nvPicPr>
+            <p:cNvPr id="15" name="Picture 14">
+              <a:extLst>
+                <a:ext uri="{FF2B5EF4-FFF2-40B4-BE49-F238E27FC236}">
+                  <a16:creationId xmlns:a16="http://schemas.microsoft.com/office/drawing/2014/main" id="{92CF1900-8A63-1843-B203-B8E3C047F984}"/>
+                </a:ext>
+              </a:extLst>
+            </p:cNvPr>
+            <p:cNvPicPr>
+              <a:picLocks noChangeAspect="1"/>
+            </p:cNvPicPr>
+            <p:nvPr/>
+          </p:nvPicPr>
+          <p:blipFill>
+            <a:blip r:embed="rId4"/>
+            <a:stretch>
+              <a:fillRect/>
+            </a:stretch>
+          </p:blipFill>
+          <p:spPr>
+            <a:xfrm>
+              <a:off x="5144117" y="3268484"/>
+              <a:ext cx="2889857" cy="2264478"/>
+            </a:xfrm>
+            <a:prstGeom prst="rect">
+              <a:avLst/>
+            </a:prstGeom>
+          </p:spPr>
+        </p:pic>
+        <p:pic>
+          <p:nvPicPr>
+            <p:cNvPr id="17" name="Picture 16">
+              <a:extLst>
+                <a:ext uri="{FF2B5EF4-FFF2-40B4-BE49-F238E27FC236}">
+                  <a16:creationId xmlns:a16="http://schemas.microsoft.com/office/drawing/2014/main" id="{CC6D47A7-8DEC-3F49-91C2-9DAE8C5800A7}"/>
+                </a:ext>
+              </a:extLst>
+            </p:cNvPr>
+            <p:cNvPicPr>
+              <a:picLocks noChangeAspect="1"/>
+            </p:cNvPicPr>
+            <p:nvPr/>
+          </p:nvPicPr>
+          <p:blipFill>
+            <a:blip r:embed="rId5"/>
+            <a:stretch>
+              <a:fillRect/>
+            </a:stretch>
+          </p:blipFill>
+          <p:spPr>
+            <a:xfrm>
+              <a:off x="1856252" y="3289910"/>
+              <a:ext cx="2894900" cy="2254391"/>
+            </a:xfrm>
+            <a:prstGeom prst="rect">
+              <a:avLst/>
+            </a:prstGeom>
+          </p:spPr>
+        </p:pic>
+        <p:sp>
+          <p:nvSpPr>
+            <p:cNvPr id="18" name="TextBox 17">
+              <a:extLst>
+                <a:ext uri="{FF2B5EF4-FFF2-40B4-BE49-F238E27FC236}">
+                  <a16:creationId xmlns:a16="http://schemas.microsoft.com/office/drawing/2014/main" id="{BF57AB76-F098-C84A-8F3E-E3F2FCDAD110}"/>
+                </a:ext>
+              </a:extLst>
+            </p:cNvPr>
+            <p:cNvSpPr txBox="1"/>
+            <p:nvPr/>
+          </p:nvSpPr>
+          <p:spPr>
+            <a:xfrm>
+              <a:off x="605360" y="4216057"/>
+              <a:ext cx="691215" cy="369332"/>
+            </a:xfrm>
+            <a:prstGeom prst="rect">
+              <a:avLst/>
+            </a:prstGeom>
+            <a:noFill/>
+          </p:spPr>
+          <p:txBody>
+            <a:bodyPr wrap="none" rtlCol="0">
+              <a:spAutoFit/>
+            </a:bodyPr>
+            <a:lstStyle/>
+            <a:p>
+              <a:r>
+                <a:rPr lang="en-US" dirty="0"/>
+                <a:t>k = 7</a:t>
+              </a:r>
+            </a:p>
+          </p:txBody>
+        </p:sp>
+      </p:grpSp>
+    </p:spTree>
+    <p:extLst>
+      <p:ext uri="{BB962C8B-B14F-4D97-AF65-F5344CB8AC3E}">
+        <p14:creationId xmlns:p14="http://schemas.microsoft.com/office/powerpoint/2010/main" val="855526810"/>
+      </p:ext>
+    </p:extLst>
+  </p:cSld>
+  <p:clrMapOvr>
+    <a:masterClrMapping/>
+  </p:clrMapOvr>
+  <p:timing>
+    <p:tnLst>
+      <p:par>
+        <p:cTn id="1" dur="indefinite" restart="never" nodeType="tmRoot">
+          <p:childTnLst>
+            <p:seq concurrent="1" nextAc="seek">
+              <p:cTn id="2" dur="indefinite" nodeType="mainSeq">
+                <p:childTnLst>
+                  <p:par>
+                    <p:cTn id="3" fill="hold">
+                      <p:stCondLst>
+                        <p:cond delay="indefinite"/>
+                      </p:stCondLst>
+                      <p:childTnLst>
+                        <p:par>
+                          <p:cTn id="4" fill="hold">
+                            <p:stCondLst>
+                              <p:cond delay="0"/>
+                            </p:stCondLst>
+                            <p:childTnLst>
+                              <p:par>
+                                <p:cTn id="5" presetID="1" presetClass="entr" presetSubtype="0" fill="hold" nodeType="clickEffect">
+                                  <p:stCondLst>
+                                    <p:cond delay="0"/>
+                                  </p:stCondLst>
+                                  <p:childTnLst>
+                                    <p:set>
+                                      <p:cBhvr>
+                                        <p:cTn id="6" dur="1" fill="hold">
+                                          <p:stCondLst>
+                                            <p:cond delay="0"/>
+                                          </p:stCondLst>
+                                        </p:cTn>
+                                        <p:tgtEl>
+                                          <p:spTgt spid="6"/>
+                                        </p:tgtEl>
+                                        <p:attrNameLst>
+                                          <p:attrName>style.visibility</p:attrName>
+                                        </p:attrNameLst>
+                                      </p:cBhvr>
+                                      <p:to>
+                                        <p:strVal val="visible"/>
+                                      </p:to>
+                                    </p:set>
+                                  </p:childTnLst>
+                                </p:cTn>
+                              </p:par>
+                            </p:childTnLst>
+                          </p:cTn>
+                        </p:par>
+                      </p:childTnLst>
+                    </p:cTn>
+                  </p:par>
+                  <p:par>
+                    <p:cTn id="7" fill="hold">
+                      <p:stCondLst>
+                        <p:cond delay="indefinite"/>
+                      </p:stCondLst>
+                      <p:childTnLst>
+                        <p:par>
+                          <p:cTn id="8" fill="hold">
+                            <p:stCondLst>
+                              <p:cond delay="0"/>
+                            </p:stCondLst>
+                            <p:childTnLst>
+                              <p:par>
+                                <p:cTn id="9" presetID="1" presetClass="entr" presetSubtype="0" fill="hold" nodeType="clickEffect">
+                                  <p:stCondLst>
+                                    <p:cond delay="0"/>
+                                  </p:stCondLst>
+                                  <p:childTnLst>
+                                    <p:set>
+                                      <p:cBhvr>
+                                        <p:cTn id="10" dur="1" fill="hold">
+                                          <p:stCondLst>
+                                            <p:cond delay="0"/>
+                                          </p:stCondLst>
+                                        </p:cTn>
+                                        <p:tgtEl>
+                                          <p:spTgt spid="3"/>
+                                        </p:tgtEl>
+                                        <p:attrNameLst>
+                                          <p:attrName>style.visibility</p:attrName>
+                                        </p:attrNameLst>
+                                      </p:cBhvr>
+                                      <p:to>
+                                        <p:strVal val="visible"/>
+                                      </p:to>
+                                    </p:set>
+                                  </p:childTnLst>
+                                </p:cTn>
+                              </p:par>
+                            </p:childTnLst>
+                          </p:cTn>
+                        </p:par>
+                      </p:childTnLst>
+                    </p:cTn>
+                  </p:par>
+                </p:childTnLst>
+              </p:cTn>
+              <p:prevCondLst>
+                <p:cond evt="onPrev" delay="0">
+                  <p:tgtEl>
+                    <p:sldTgt/>
+                  </p:tgtEl>
+                </p:cond>
+              </p:prevCondLst>
+              <p:nextCondLst>
+                <p:cond evt="onNext" delay="0">
+                  <p:tgtEl>
+                    <p:sldTgt/>
+                  </p:tgtEl>
+                </p:cond>
+              </p:nextCondLst>
+            </p:seq>
+          </p:childTnLst>
+        </p:cTn>
+      </p:par>
+    </p:tnLst>
+  </p:timing>
+</p:sld>
+</file>
+
+<file path=ppt/slides/slide13.xml><?xml version="1.0" encoding="utf-8"?>
+<p:sld xmlns:a="http://schemas.openxmlformats.org/drawingml/2006/main" xmlns:r="http://schemas.openxmlformats.org/officeDocument/2006/relationships" xmlns:p="http://schemas.openxmlformats.org/presentationml/2006/main">
+  <p:cSld>
+    <p:spTree>
+      <p:nvGrpSpPr>
+        <p:cNvPr id="1" name=""/>
+        <p:cNvGrpSpPr/>
+        <p:nvPr/>
+      </p:nvGrpSpPr>
+      <p:grpSpPr>
+        <a:xfrm>
+          <a:off x="0" y="0"/>
+          <a:ext cx="0" cy="0"/>
+          <a:chOff x="0" y="0"/>
+          <a:chExt cx="0" cy="0"/>
+        </a:xfrm>
+      </p:grpSpPr>
+      <p:sp>
+        <p:nvSpPr>
+          <p:cNvPr id="4" name="Footer Placeholder 3">
+            <a:extLst>
+              <a:ext uri="{FF2B5EF4-FFF2-40B4-BE49-F238E27FC236}">
+                <a16:creationId xmlns:a16="http://schemas.microsoft.com/office/drawing/2014/main" id="{FD02F86C-F9DD-D44A-A0F9-D046C600DE15}"/>
+              </a:ext>
+            </a:extLst>
+          </p:cNvPr>
+          <p:cNvSpPr>
+            <a:spLocks noGrp="1"/>
+          </p:cNvSpPr>
+          <p:nvPr>
+            <p:ph type="ftr" sz="quarter" idx="11"/>
+          </p:nvPr>
+        </p:nvSpPr>
+        <p:spPr/>
+        <p:txBody>
+          <a:bodyPr/>
+          <a:lstStyle/>
+          <a:p>
+            <a:r>
+              <a:rPr lang="es-ES"/>
+              <a:t>PAT04_KNN.pptx</a:t>
+            </a:r>
+          </a:p>
+        </p:txBody>
+      </p:sp>
+      <p:sp>
+        <p:nvSpPr>
+          <p:cNvPr id="5" name="Slide Number Placeholder 4">
+            <a:extLst>
+              <a:ext uri="{FF2B5EF4-FFF2-40B4-BE49-F238E27FC236}">
+                <a16:creationId xmlns:a16="http://schemas.microsoft.com/office/drawing/2014/main" id="{50E782FC-6AC4-7740-88AB-91DC48FA230F}"/>
+              </a:ext>
+            </a:extLst>
+          </p:cNvPr>
+          <p:cNvSpPr>
+            <a:spLocks noGrp="1"/>
+          </p:cNvSpPr>
+          <p:nvPr>
+            <p:ph type="sldNum" sz="quarter" idx="12"/>
+          </p:nvPr>
+        </p:nvSpPr>
+        <p:spPr/>
+        <p:txBody>
+          <a:bodyPr/>
+          <a:lstStyle/>
+          <a:p>
+            <a:fld id="{B2515E32-AEC1-A643-BA35-1EE2E73D4B01}" type="slidenum">
+              <a:rPr lang="es-ES" smtClean="0"/>
+              <a:pPr/>
+              <a:t>13</a:t>
+            </a:fld>
+            <a:endParaRPr lang="es-ES"/>
+          </a:p>
+        </p:txBody>
+      </p:sp>
+      <p:sp>
+        <p:nvSpPr>
+          <p:cNvPr id="2" name="TextBox 1">
+            <a:extLst>
+              <a:ext uri="{FF2B5EF4-FFF2-40B4-BE49-F238E27FC236}">
+                <a16:creationId xmlns:a16="http://schemas.microsoft.com/office/drawing/2014/main" id="{895D863B-C684-EB44-8A6B-6C8EB194BBAE}"/>
+              </a:ext>
+            </a:extLst>
+          </p:cNvPr>
+          <p:cNvSpPr txBox="1"/>
+          <p:nvPr/>
+        </p:nvSpPr>
+        <p:spPr>
+          <a:xfrm>
+            <a:off x="2732690" y="409903"/>
+            <a:ext cx="1287532" cy="369332"/>
+          </a:xfrm>
+          <a:prstGeom prst="rect">
+            <a:avLst/>
+          </a:prstGeom>
+          <a:noFill/>
+        </p:spPr>
+        <p:txBody>
+          <a:bodyPr wrap="none" rtlCol="0">
+            <a:spAutoFit/>
+          </a:bodyPr>
+          <a:lstStyle/>
+          <a:p>
+            <a:r>
+              <a:rPr lang="en-US" dirty="0"/>
+              <a:t>TRAINING</a:t>
+            </a:r>
+          </a:p>
+        </p:txBody>
+      </p:sp>
+      <p:sp>
+        <p:nvSpPr>
+          <p:cNvPr id="14" name="TextBox 13">
+            <a:extLst>
+              <a:ext uri="{FF2B5EF4-FFF2-40B4-BE49-F238E27FC236}">
+                <a16:creationId xmlns:a16="http://schemas.microsoft.com/office/drawing/2014/main" id="{0F3A3BE0-DCA5-5F48-A469-4813C0BC6DDC}"/>
+              </a:ext>
+            </a:extLst>
+          </p:cNvPr>
+          <p:cNvSpPr txBox="1"/>
+          <p:nvPr/>
+        </p:nvSpPr>
+        <p:spPr>
+          <a:xfrm>
+            <a:off x="5909434" y="414197"/>
+            <a:ext cx="1184940" cy="369332"/>
+          </a:xfrm>
+          <a:prstGeom prst="rect">
+            <a:avLst/>
+          </a:prstGeom>
+          <a:noFill/>
+        </p:spPr>
+        <p:txBody>
+          <a:bodyPr wrap="none" rtlCol="0">
+            <a:spAutoFit/>
+          </a:bodyPr>
+          <a:lstStyle/>
+          <a:p>
+            <a:r>
+              <a:rPr lang="en-US" dirty="0"/>
+              <a:t>TESTING</a:t>
+            </a:r>
+          </a:p>
+        </p:txBody>
+      </p:sp>
+      <p:sp>
+        <p:nvSpPr>
+          <p:cNvPr id="16" name="TextBox 15">
+            <a:extLst>
+              <a:ext uri="{FF2B5EF4-FFF2-40B4-BE49-F238E27FC236}">
+                <a16:creationId xmlns:a16="http://schemas.microsoft.com/office/drawing/2014/main" id="{57E32221-7F35-D041-8311-B1301418EBEA}"/>
+              </a:ext>
+            </a:extLst>
+          </p:cNvPr>
+          <p:cNvSpPr txBox="1"/>
+          <p:nvPr/>
+        </p:nvSpPr>
+        <p:spPr>
+          <a:xfrm>
+            <a:off x="493795" y="1869242"/>
+            <a:ext cx="691215" cy="369332"/>
+          </a:xfrm>
+          <a:prstGeom prst="rect">
+            <a:avLst/>
+          </a:prstGeom>
+          <a:noFill/>
+        </p:spPr>
+        <p:txBody>
+          <a:bodyPr wrap="none" rtlCol="0">
+            <a:spAutoFit/>
+          </a:bodyPr>
+          <a:lstStyle/>
+          <a:p>
+            <a:r>
+              <a:rPr lang="en-US" dirty="0"/>
+              <a:t>k = 3</a:t>
+            </a:r>
+          </a:p>
+        </p:txBody>
+      </p:sp>
+      <p:pic>
+        <p:nvPicPr>
+          <p:cNvPr id="27" name="Picture 26">
+            <a:extLst>
+              <a:ext uri="{FF2B5EF4-FFF2-40B4-BE49-F238E27FC236}">
+                <a16:creationId xmlns:a16="http://schemas.microsoft.com/office/drawing/2014/main" id="{96135276-4315-AC4E-A1DB-10782CE10DBA}"/>
+              </a:ext>
+            </a:extLst>
+          </p:cNvPr>
+          <p:cNvPicPr>
+            <a:picLocks noChangeAspect="1"/>
+          </p:cNvPicPr>
+          <p:nvPr/>
+        </p:nvPicPr>
+        <p:blipFill>
+          <a:blip r:embed="rId2">
+            <a:alphaModFix/>
+          </a:blip>
+          <a:stretch>
+            <a:fillRect/>
+          </a:stretch>
+        </p:blipFill>
+        <p:spPr>
+          <a:xfrm>
+            <a:off x="5129715" y="930568"/>
+            <a:ext cx="2910030" cy="2229174"/>
+          </a:xfrm>
+          <a:prstGeom prst="rect">
+            <a:avLst/>
+          </a:prstGeom>
+        </p:spPr>
+      </p:pic>
+      <p:pic>
+        <p:nvPicPr>
+          <p:cNvPr id="28" name="Picture 27">
+            <a:extLst>
+              <a:ext uri="{FF2B5EF4-FFF2-40B4-BE49-F238E27FC236}">
+                <a16:creationId xmlns:a16="http://schemas.microsoft.com/office/drawing/2014/main" id="{96BD52B2-C5D1-E946-A2F2-F111CF9A5172}"/>
+              </a:ext>
+            </a:extLst>
+          </p:cNvPr>
+          <p:cNvPicPr>
+            <a:picLocks noChangeAspect="1"/>
+          </p:cNvPicPr>
+          <p:nvPr/>
+        </p:nvPicPr>
+        <p:blipFill>
+          <a:blip r:embed="rId3">
+            <a:alphaModFix/>
+          </a:blip>
+          <a:stretch>
+            <a:fillRect/>
+          </a:stretch>
+        </p:blipFill>
+        <p:spPr>
+          <a:xfrm>
+            <a:off x="1860587" y="930564"/>
+            <a:ext cx="2854553" cy="2229174"/>
+          </a:xfrm>
+          <a:prstGeom prst="rect">
+            <a:avLst/>
+          </a:prstGeom>
+        </p:spPr>
+      </p:pic>
+      <p:grpSp>
+        <p:nvGrpSpPr>
+          <p:cNvPr id="3" name="Group 2">
+            <a:extLst>
+              <a:ext uri="{FF2B5EF4-FFF2-40B4-BE49-F238E27FC236}">
+                <a16:creationId xmlns:a16="http://schemas.microsoft.com/office/drawing/2014/main" id="{3CBCE1BB-000E-F64B-BA1A-09010C72C07B}"/>
+              </a:ext>
+            </a:extLst>
+          </p:cNvPr>
+          <p:cNvGrpSpPr/>
+          <p:nvPr/>
+        </p:nvGrpSpPr>
+        <p:grpSpPr>
+          <a:xfrm>
+            <a:off x="605360" y="3296372"/>
+            <a:ext cx="7426661" cy="2277764"/>
+            <a:chOff x="605360" y="3296372"/>
+            <a:chExt cx="7426661" cy="2277764"/>
+          </a:xfrm>
+        </p:grpSpPr>
+        <p:sp>
+          <p:nvSpPr>
+            <p:cNvPr id="18" name="TextBox 17">
+              <a:extLst>
+                <a:ext uri="{FF2B5EF4-FFF2-40B4-BE49-F238E27FC236}">
+                  <a16:creationId xmlns:a16="http://schemas.microsoft.com/office/drawing/2014/main" id="{BF57AB76-F098-C84A-8F3E-E3F2FCDAD110}"/>
+                </a:ext>
+              </a:extLst>
+            </p:cNvPr>
+            <p:cNvSpPr txBox="1"/>
+            <p:nvPr/>
+          </p:nvSpPr>
+          <p:spPr>
+            <a:xfrm>
+              <a:off x="605360" y="4216057"/>
+              <a:ext cx="691215" cy="369332"/>
+            </a:xfrm>
+            <a:prstGeom prst="rect">
+              <a:avLst/>
+            </a:prstGeom>
+            <a:noFill/>
+          </p:spPr>
+          <p:txBody>
+            <a:bodyPr wrap="none" rtlCol="0">
+              <a:spAutoFit/>
+            </a:bodyPr>
+            <a:lstStyle/>
+            <a:p>
+              <a:r>
+                <a:rPr lang="en-US"/>
+                <a:t>k </a:t>
+              </a:r>
+              <a:r>
+                <a:rPr lang="en-US" dirty="0"/>
+                <a:t>= 1</a:t>
+              </a:r>
+            </a:p>
+          </p:txBody>
+        </p:sp>
+        <p:pic>
+          <p:nvPicPr>
+            <p:cNvPr id="29" name="Picture 28">
+              <a:extLst>
+                <a:ext uri="{FF2B5EF4-FFF2-40B4-BE49-F238E27FC236}">
+                  <a16:creationId xmlns:a16="http://schemas.microsoft.com/office/drawing/2014/main" id="{E5ECE6C6-00AE-FE41-BABC-C15300EA6543}"/>
+                </a:ext>
+              </a:extLst>
+            </p:cNvPr>
+            <p:cNvPicPr>
+              <a:picLocks noChangeAspect="1"/>
+            </p:cNvPicPr>
+            <p:nvPr/>
+          </p:nvPicPr>
+          <p:blipFill>
+            <a:blip r:embed="rId4">
+              <a:alphaModFix/>
+            </a:blip>
+            <a:stretch>
+              <a:fillRect/>
+            </a:stretch>
+          </p:blipFill>
+          <p:spPr>
+            <a:xfrm>
+              <a:off x="5142164" y="3296372"/>
+              <a:ext cx="2889857" cy="2244304"/>
+            </a:xfrm>
+            <a:prstGeom prst="rect">
+              <a:avLst/>
+            </a:prstGeom>
+          </p:spPr>
+        </p:pic>
+        <p:pic>
+          <p:nvPicPr>
+            <p:cNvPr id="30" name="Picture 29">
+              <a:extLst>
+                <a:ext uri="{FF2B5EF4-FFF2-40B4-BE49-F238E27FC236}">
+                  <a16:creationId xmlns:a16="http://schemas.microsoft.com/office/drawing/2014/main" id="{987C6BD2-E5EB-3D47-960A-92C729F3CA78}"/>
+                </a:ext>
+              </a:extLst>
+            </p:cNvPr>
+            <p:cNvPicPr>
+              <a:picLocks noChangeAspect="1"/>
+            </p:cNvPicPr>
+            <p:nvPr/>
+          </p:nvPicPr>
+          <p:blipFill>
+            <a:blip r:embed="rId5">
+              <a:alphaModFix/>
+            </a:blip>
+            <a:stretch>
+              <a:fillRect/>
+            </a:stretch>
+          </p:blipFill>
+          <p:spPr>
+            <a:xfrm>
+              <a:off x="1877562" y="3299572"/>
+              <a:ext cx="2925160" cy="2274564"/>
+            </a:xfrm>
+            <a:prstGeom prst="rect">
+              <a:avLst/>
+            </a:prstGeom>
+          </p:spPr>
+        </p:pic>
+      </p:grpSp>
+    </p:spTree>
+    <p:extLst>
+      <p:ext uri="{BB962C8B-B14F-4D97-AF65-F5344CB8AC3E}">
+        <p14:creationId xmlns:p14="http://schemas.microsoft.com/office/powerpoint/2010/main" val="2689732131"/>
+      </p:ext>
+    </p:extLst>
+  </p:cSld>
+  <p:clrMapOvr>
+    <a:masterClrMapping/>
+  </p:clrMapOvr>
+  <p:timing>
+    <p:tnLst>
+      <p:par>
+        <p:cTn id="1" dur="indefinite" restart="never" nodeType="tmRoot">
+          <p:childTnLst>
+            <p:seq concurrent="1" nextAc="seek">
+              <p:cTn id="2" dur="indefinite" nodeType="mainSeq">
+                <p:childTnLst>
+                  <p:par>
+                    <p:cTn id="3" fill="hold">
+                      <p:stCondLst>
+                        <p:cond delay="indefinite"/>
+                      </p:stCondLst>
+                      <p:childTnLst>
+                        <p:par>
+                          <p:cTn id="4" fill="hold">
+                            <p:stCondLst>
+                              <p:cond delay="0"/>
+                            </p:stCondLst>
+                            <p:childTnLst>
+                              <p:par>
+                                <p:cTn id="5" presetID="1" presetClass="entr" presetSubtype="0" fill="hold" nodeType="clickEffect">
+                                  <p:stCondLst>
+                                    <p:cond delay="0"/>
+                                  </p:stCondLst>
+                                  <p:childTnLst>
+                                    <p:set>
+                                      <p:cBhvr>
+                                        <p:cTn id="6" dur="1" fill="hold">
+                                          <p:stCondLst>
+                                            <p:cond delay="0"/>
+                                          </p:stCondLst>
+                                        </p:cTn>
+                                        <p:tgtEl>
+                                          <p:spTgt spid="3"/>
+                                        </p:tgtEl>
+                                        <p:attrNameLst>
+                                          <p:attrName>style.visibility</p:attrName>
+                                        </p:attrNameLst>
+                                      </p:cBhvr>
+                                      <p:to>
+                                        <p:strVal val="visible"/>
+                                      </p:to>
+                                    </p:set>
+                                  </p:childTnLst>
+                                </p:cTn>
+                              </p:par>
+                            </p:childTnLst>
+                          </p:cTn>
+                        </p:par>
+                      </p:childTnLst>
+                    </p:cTn>
+                  </p:par>
+                </p:childTnLst>
+              </p:cTn>
+              <p:prevCondLst>
+                <p:cond evt="onPrev" delay="0">
+                  <p:tgtEl>
+                    <p:sldTgt/>
+                  </p:tgtEl>
+                </p:cond>
+              </p:prevCondLst>
+              <p:nextCondLst>
+                <p:cond evt="onNext" delay="0">
+                  <p:tgtEl>
+                    <p:sldTgt/>
+                  </p:tgtEl>
+                </p:cond>
+              </p:nextCondLst>
+            </p:seq>
+          </p:childTnLst>
+        </p:cTn>
+      </p:par>
+    </p:tnLst>
+  </p:timing>
+</p:sld>
+</file>
+
+<file path=ppt/slides/slide14.xml><?xml version="1.0" encoding="utf-8"?>
+<p:sld xmlns:a="http://schemas.openxmlformats.org/drawingml/2006/main" xmlns:r="http://schemas.openxmlformats.org/officeDocument/2006/relationships" xmlns:p="http://schemas.openxmlformats.org/presentationml/2006/main" show="0">
+  <p:cSld>
+    <p:spTree>
+      <p:nvGrpSpPr>
+        <p:cNvPr id="1" name=""/>
+        <p:cNvGrpSpPr/>
+        <p:nvPr/>
+      </p:nvGrpSpPr>
+      <p:grpSpPr>
+        <a:xfrm>
+          <a:off x="0" y="0"/>
+          <a:ext cx="0" cy="0"/>
+          <a:chOff x="0" y="0"/>
+          <a:chExt cx="0" cy="0"/>
+        </a:xfrm>
+      </p:grpSpPr>
+      <p:sp>
+        <p:nvSpPr>
           <p:cNvPr id="2" name="Title 1"/>
           <p:cNvSpPr>
             <a:spLocks noGrp="1"/>
@@ -9152,7 +10121,7 @@
             <a:fld id="{B2515E32-AEC1-A643-BA35-1EE2E73D4B01}" type="slidenum">
               <a:rPr lang="es-ES" smtClean="0"/>
               <a:pPr/>
-              <a:t>12</a:t>
+              <a:t>14</a:t>
             </a:fld>
             <a:endParaRPr lang="es-ES"/>
           </a:p>
@@ -9171,8 +10140,8 @@
 </p:sld>
 </file>
 
-<file path=ppt/slides/slide13.xml><?xml version="1.0" encoding="utf-8"?>
-<p:sld xmlns:a="http://schemas.openxmlformats.org/drawingml/2006/main" xmlns:r="http://schemas.openxmlformats.org/officeDocument/2006/relationships" xmlns:p="http://schemas.openxmlformats.org/presentationml/2006/main">
+<file path=ppt/slides/slide15.xml><?xml version="1.0" encoding="utf-8"?>
+<p:sld xmlns:a="http://schemas.openxmlformats.org/drawingml/2006/main" xmlns:r="http://schemas.openxmlformats.org/officeDocument/2006/relationships" xmlns:p="http://schemas.openxmlformats.org/presentationml/2006/main" show="0">
   <p:cSld>
     <p:bg>
       <p:bgPr>
@@ -9272,7 +10241,7 @@
             <a:fld id="{0686F2E3-C5C3-A44F-A4BA-7E93651C247F}" type="slidenum">
               <a:rPr lang="es-ES" smtClean="0"/>
               <a:pPr/>
-              <a:t>13</a:t>
+              <a:t>15</a:t>
             </a:fld>
             <a:endParaRPr lang="es-ES"/>
           </a:p>
@@ -9291,8 +10260,8 @@
 </p:sld>
 </file>
 
-<file path=ppt/slides/slide14.xml><?xml version="1.0" encoding="utf-8"?>
-<p:sld xmlns:a="http://schemas.openxmlformats.org/drawingml/2006/main" xmlns:r="http://schemas.openxmlformats.org/officeDocument/2006/relationships" xmlns:p="http://schemas.openxmlformats.org/presentationml/2006/main">
+<file path=ppt/slides/slide16.xml><?xml version="1.0" encoding="utf-8"?>
+<p:sld xmlns:a="http://schemas.openxmlformats.org/drawingml/2006/main" xmlns:r="http://schemas.openxmlformats.org/officeDocument/2006/relationships" xmlns:p="http://schemas.openxmlformats.org/presentationml/2006/main" show="0">
   <p:cSld>
     <p:bg>
       <p:bgPr>
@@ -9392,7 +10361,7 @@
             <a:fld id="{0686F2E3-C5C3-A44F-A4BA-7E93651C247F}" type="slidenum">
               <a:rPr lang="es-ES" smtClean="0"/>
               <a:pPr/>
-              <a:t>14</a:t>
+              <a:t>16</a:t>
             </a:fld>
             <a:endParaRPr lang="es-ES"/>
           </a:p>
@@ -9402,6 +10371,94 @@
     <p:extLst>
       <p:ext uri="{BB962C8B-B14F-4D97-AF65-F5344CB8AC3E}">
         <p14:creationId xmlns:p14="http://schemas.microsoft.com/office/powerpoint/2010/main" val="1660724524"/>
+      </p:ext>
+    </p:extLst>
+  </p:cSld>
+  <p:clrMapOvr>
+    <a:masterClrMapping/>
+  </p:clrMapOvr>
+</p:sld>
+</file>
+
+<file path=ppt/slides/slide17.xml><?xml version="1.0" encoding="utf-8"?>
+<p:sld xmlns:a="http://schemas.openxmlformats.org/drawingml/2006/main" xmlns:r="http://schemas.openxmlformats.org/officeDocument/2006/relationships" xmlns:p="http://schemas.openxmlformats.org/presentationml/2006/main">
+  <p:cSld>
+    <p:spTree>
+      <p:nvGrpSpPr>
+        <p:cNvPr id="1" name=""/>
+        <p:cNvGrpSpPr/>
+        <p:nvPr/>
+      </p:nvGrpSpPr>
+      <p:grpSpPr>
+        <a:xfrm>
+          <a:off x="0" y="0"/>
+          <a:ext cx="0" cy="0"/>
+          <a:chOff x="0" y="0"/>
+          <a:chExt cx="0" cy="0"/>
+        </a:xfrm>
+      </p:grpSpPr>
+      <p:sp>
+        <p:nvSpPr>
+          <p:cNvPr id="4" name="Footer Placeholder 3">
+            <a:extLst>
+              <a:ext uri="{FF2B5EF4-FFF2-40B4-BE49-F238E27FC236}">
+                <a16:creationId xmlns:a16="http://schemas.microsoft.com/office/drawing/2014/main" id="{5412C1AC-F80E-6448-9088-409D63EC5EED}"/>
+              </a:ext>
+            </a:extLst>
+          </p:cNvPr>
+          <p:cNvSpPr>
+            <a:spLocks noGrp="1"/>
+          </p:cNvSpPr>
+          <p:nvPr>
+            <p:ph type="ftr" sz="quarter" idx="11"/>
+          </p:nvPr>
+        </p:nvSpPr>
+        <p:spPr/>
+        <p:txBody>
+          <a:bodyPr/>
+          <a:lstStyle/>
+          <a:p>
+            <a:r>
+              <a:rPr lang="es-ES"/>
+              <a:t>PAT04_KNN.pptx</a:t>
+            </a:r>
+          </a:p>
+        </p:txBody>
+      </p:sp>
+      <p:sp>
+        <p:nvSpPr>
+          <p:cNvPr id="5" name="Slide Number Placeholder 4">
+            <a:extLst>
+              <a:ext uri="{FF2B5EF4-FFF2-40B4-BE49-F238E27FC236}">
+                <a16:creationId xmlns:a16="http://schemas.microsoft.com/office/drawing/2014/main" id="{BCC424CE-F99D-0C44-A55B-F4F89B508868}"/>
+              </a:ext>
+            </a:extLst>
+          </p:cNvPr>
+          <p:cNvSpPr>
+            <a:spLocks noGrp="1"/>
+          </p:cNvSpPr>
+          <p:nvPr>
+            <p:ph type="sldNum" sz="quarter" idx="12"/>
+          </p:nvPr>
+        </p:nvSpPr>
+        <p:spPr/>
+        <p:txBody>
+          <a:bodyPr/>
+          <a:lstStyle/>
+          <a:p>
+            <a:fld id="{B2515E32-AEC1-A643-BA35-1EE2E73D4B01}" type="slidenum">
+              <a:rPr lang="es-ES" smtClean="0"/>
+              <a:pPr/>
+              <a:t>17</a:t>
+            </a:fld>
+            <a:endParaRPr lang="es-ES"/>
+          </a:p>
+        </p:txBody>
+      </p:sp>
+    </p:spTree>
+    <p:extLst>
+      <p:ext uri="{BB962C8B-B14F-4D97-AF65-F5344CB8AC3E}">
+        <p14:creationId xmlns:p14="http://schemas.microsoft.com/office/powerpoint/2010/main" val="1695734496"/>
       </p:ext>
     </p:extLst>
   </p:cSld>

--- a/clases/Cap04_Clasificacion/presentations/PAT04_KNN.pptx
+++ b/clases/Cap04_Clasificacion/presentations/PAT04_KNN.pptx
@@ -10026,7 +10026,7 @@
 </file>
 
 <file path=ppt/slides/slide14.xml><?xml version="1.0" encoding="utf-8"?>
-<p:sld xmlns:a="http://schemas.openxmlformats.org/drawingml/2006/main" xmlns:r="http://schemas.openxmlformats.org/officeDocument/2006/relationships" xmlns:p="http://schemas.openxmlformats.org/presentationml/2006/main" show="0">
+<p:sld xmlns:a="http://schemas.openxmlformats.org/drawingml/2006/main" xmlns:r="http://schemas.openxmlformats.org/officeDocument/2006/relationships" xmlns:p="http://schemas.openxmlformats.org/presentationml/2006/main">
   <p:cSld>
     <p:spTree>
       <p:nvGrpSpPr>
@@ -10141,7 +10141,7 @@
 </file>
 
 <file path=ppt/slides/slide15.xml><?xml version="1.0" encoding="utf-8"?>
-<p:sld xmlns:a="http://schemas.openxmlformats.org/drawingml/2006/main" xmlns:r="http://schemas.openxmlformats.org/officeDocument/2006/relationships" xmlns:p="http://schemas.openxmlformats.org/presentationml/2006/main" show="0">
+<p:sld xmlns:a="http://schemas.openxmlformats.org/drawingml/2006/main" xmlns:r="http://schemas.openxmlformats.org/officeDocument/2006/relationships" xmlns:p="http://schemas.openxmlformats.org/presentationml/2006/main">
   <p:cSld>
     <p:bg>
       <p:bgPr>
@@ -10261,7 +10261,7 @@
 </file>
 
 <file path=ppt/slides/slide16.xml><?xml version="1.0" encoding="utf-8"?>
-<p:sld xmlns:a="http://schemas.openxmlformats.org/drawingml/2006/main" xmlns:r="http://schemas.openxmlformats.org/officeDocument/2006/relationships" xmlns:p="http://schemas.openxmlformats.org/presentationml/2006/main" show="0">
+<p:sld xmlns:a="http://schemas.openxmlformats.org/drawingml/2006/main" xmlns:r="http://schemas.openxmlformats.org/officeDocument/2006/relationships" xmlns:p="http://schemas.openxmlformats.org/presentationml/2006/main">
   <p:cSld>
     <p:bg>
       <p:bgPr>

--- a/clases/Cap04_Clasificacion/presentations/PAT04_KNN.pptx
+++ b/clases/Cap04_Clasificacion/presentations/PAT04_KNN.pptx
@@ -5,7 +5,7 @@
     <p:sldMasterId id="2147483648" r:id="rId1"/>
   </p:sldMasterIdLst>
   <p:notesMasterIdLst>
-    <p:notesMasterId r:id="rId19"/>
+    <p:notesMasterId r:id="rId18"/>
   </p:notesMasterIdLst>
   <p:sldIdLst>
     <p:sldId id="294" r:id="rId2"/>
@@ -24,7 +24,6 @@
     <p:sldId id="297" r:id="rId15"/>
     <p:sldId id="295" r:id="rId16"/>
     <p:sldId id="296" r:id="rId17"/>
-    <p:sldId id="298" r:id="rId18"/>
   </p:sldIdLst>
   <p:sldSz cx="9144000" cy="6858000" type="screen4x3"/>
   <p:notesSz cx="6858000" cy="9144000"/>
@@ -6144,6 +6143,14 @@
             <a:avLst/>
           </a:prstGeom>
           <a:noFill/>
+          <a:ln>
+            <a:solidFill>
+              <a:schemeClr val="accent4">
+                <a:lumMod val="50000"/>
+                <a:lumOff val="50000"/>
+              </a:schemeClr>
+            </a:solidFill>
+          </a:ln>
         </p:spPr>
         <p:txBody>
           <a:bodyPr wrap="none" rtlCol="0">
@@ -6156,7 +6163,17 @@
                 <a:latin typeface="Trebuchet MS"/>
                 <a:cs typeface="Trebuchet MS"/>
               </a:rPr>
-              <a:t>Testing sample is red</a:t>
+              <a:t>Testing sample is </a:t>
+            </a:r>
+            <a:r>
+              <a:rPr lang="en-US" dirty="0">
+                <a:solidFill>
+                  <a:srgbClr val="FF0000"/>
+                </a:solidFill>
+                <a:latin typeface="Trebuchet MS"/>
+                <a:cs typeface="Trebuchet MS"/>
+              </a:rPr>
+              <a:t>red</a:t>
             </a:r>
           </a:p>
         </p:txBody>
@@ -6300,64 +6317,6 @@
           </a:fontRef>
         </p:style>
       </p:cxnSp>
-      <p:sp>
-        <p:nvSpPr>
-          <p:cNvPr id="7" name="Footer Placeholder 6">
-            <a:extLst>
-              <a:ext uri="{FF2B5EF4-FFF2-40B4-BE49-F238E27FC236}">
-                <a16:creationId xmlns:a16="http://schemas.microsoft.com/office/drawing/2014/main" id="{501DFBC7-AF6D-0F45-9083-3159B9AF9015}"/>
-              </a:ext>
-            </a:extLst>
-          </p:cNvPr>
-          <p:cNvSpPr>
-            <a:spLocks noGrp="1"/>
-          </p:cNvSpPr>
-          <p:nvPr>
-            <p:ph type="ftr" sz="quarter" idx="11"/>
-          </p:nvPr>
-        </p:nvSpPr>
-        <p:spPr/>
-        <p:txBody>
-          <a:bodyPr/>
-          <a:lstStyle/>
-          <a:p>
-            <a:r>
-              <a:rPr lang="es-ES"/>
-              <a:t>PAT04_KNN.pptx</a:t>
-            </a:r>
-          </a:p>
-        </p:txBody>
-      </p:sp>
-      <p:sp>
-        <p:nvSpPr>
-          <p:cNvPr id="10" name="Slide Number Placeholder 9">
-            <a:extLst>
-              <a:ext uri="{FF2B5EF4-FFF2-40B4-BE49-F238E27FC236}">
-                <a16:creationId xmlns:a16="http://schemas.microsoft.com/office/drawing/2014/main" id="{9C3B9B3D-4DF7-3644-A2CC-458C6E954E69}"/>
-              </a:ext>
-            </a:extLst>
-          </p:cNvPr>
-          <p:cNvSpPr>
-            <a:spLocks noGrp="1"/>
-          </p:cNvSpPr>
-          <p:nvPr>
-            <p:ph type="sldNum" sz="quarter" idx="12"/>
-          </p:nvPr>
-        </p:nvSpPr>
-        <p:spPr/>
-        <p:txBody>
-          <a:bodyPr/>
-          <a:lstStyle/>
-          <a:p>
-            <a:fld id="{B2515E32-AEC1-A643-BA35-1EE2E73D4B01}" type="slidenum">
-              <a:rPr lang="es-ES" smtClean="0"/>
-              <a:pPr/>
-              <a:t>10</a:t>
-            </a:fld>
-            <a:endParaRPr lang="es-ES"/>
-          </a:p>
-        </p:txBody>
-      </p:sp>
     </p:spTree>
     <p:extLst>
       <p:ext uri="{BB962C8B-B14F-4D97-AF65-F5344CB8AC3E}">
@@ -8988,64 +8947,6 @@
           </a:fontRef>
         </p:style>
       </p:cxnSp>
-      <p:sp>
-        <p:nvSpPr>
-          <p:cNvPr id="5" name="Footer Placeholder 4">
-            <a:extLst>
-              <a:ext uri="{FF2B5EF4-FFF2-40B4-BE49-F238E27FC236}">
-                <a16:creationId xmlns:a16="http://schemas.microsoft.com/office/drawing/2014/main" id="{66634066-4E54-6F4A-B053-A6B6D3D623D9}"/>
-              </a:ext>
-            </a:extLst>
-          </p:cNvPr>
-          <p:cNvSpPr>
-            <a:spLocks noGrp="1"/>
-          </p:cNvSpPr>
-          <p:nvPr>
-            <p:ph type="ftr" sz="quarter" idx="11"/>
-          </p:nvPr>
-        </p:nvSpPr>
-        <p:spPr/>
-        <p:txBody>
-          <a:bodyPr/>
-          <a:lstStyle/>
-          <a:p>
-            <a:r>
-              <a:rPr lang="es-ES"/>
-              <a:t>PAT04_KNN.pptx</a:t>
-            </a:r>
-          </a:p>
-        </p:txBody>
-      </p:sp>
-      <p:sp>
-        <p:nvSpPr>
-          <p:cNvPr id="7" name="Slide Number Placeholder 6">
-            <a:extLst>
-              <a:ext uri="{FF2B5EF4-FFF2-40B4-BE49-F238E27FC236}">
-                <a16:creationId xmlns:a16="http://schemas.microsoft.com/office/drawing/2014/main" id="{A5930708-0573-2246-B274-14CA54E7A40D}"/>
-              </a:ext>
-            </a:extLst>
-          </p:cNvPr>
-          <p:cNvSpPr>
-            <a:spLocks noGrp="1"/>
-          </p:cNvSpPr>
-          <p:nvPr>
-            <p:ph type="sldNum" sz="quarter" idx="12"/>
-          </p:nvPr>
-        </p:nvSpPr>
-        <p:spPr/>
-        <p:txBody>
-          <a:bodyPr/>
-          <a:lstStyle/>
-          <a:p>
-            <a:fld id="{B2515E32-AEC1-A643-BA35-1EE2E73D4B01}" type="slidenum">
-              <a:rPr lang="es-ES" smtClean="0"/>
-              <a:pPr/>
-              <a:t>11</a:t>
-            </a:fld>
-            <a:endParaRPr lang="es-ES"/>
-          </a:p>
-        </p:txBody>
-      </p:sp>
     </p:spTree>
     <p:extLst>
       <p:ext uri="{BB962C8B-B14F-4D97-AF65-F5344CB8AC3E}">
@@ -9076,64 +8977,6 @@
           <a:chExt cx="0" cy="0"/>
         </a:xfrm>
       </p:grpSpPr>
-      <p:sp>
-        <p:nvSpPr>
-          <p:cNvPr id="4" name="Footer Placeholder 3">
-            <a:extLst>
-              <a:ext uri="{FF2B5EF4-FFF2-40B4-BE49-F238E27FC236}">
-                <a16:creationId xmlns:a16="http://schemas.microsoft.com/office/drawing/2014/main" id="{FD02F86C-F9DD-D44A-A0F9-D046C600DE15}"/>
-              </a:ext>
-            </a:extLst>
-          </p:cNvPr>
-          <p:cNvSpPr>
-            <a:spLocks noGrp="1"/>
-          </p:cNvSpPr>
-          <p:nvPr>
-            <p:ph type="ftr" sz="quarter" idx="11"/>
-          </p:nvPr>
-        </p:nvSpPr>
-        <p:spPr/>
-        <p:txBody>
-          <a:bodyPr/>
-          <a:lstStyle/>
-          <a:p>
-            <a:r>
-              <a:rPr lang="es-ES"/>
-              <a:t>PAT04_KNN.pptx</a:t>
-            </a:r>
-          </a:p>
-        </p:txBody>
-      </p:sp>
-      <p:sp>
-        <p:nvSpPr>
-          <p:cNvPr id="5" name="Slide Number Placeholder 4">
-            <a:extLst>
-              <a:ext uri="{FF2B5EF4-FFF2-40B4-BE49-F238E27FC236}">
-                <a16:creationId xmlns:a16="http://schemas.microsoft.com/office/drawing/2014/main" id="{50E782FC-6AC4-7740-88AB-91DC48FA230F}"/>
-              </a:ext>
-            </a:extLst>
-          </p:cNvPr>
-          <p:cNvSpPr>
-            <a:spLocks noGrp="1"/>
-          </p:cNvSpPr>
-          <p:nvPr>
-            <p:ph type="sldNum" sz="quarter" idx="12"/>
-          </p:nvPr>
-        </p:nvSpPr>
-        <p:spPr/>
-        <p:txBody>
-          <a:bodyPr/>
-          <a:lstStyle/>
-          <a:p>
-            <a:fld id="{B2515E32-AEC1-A643-BA35-1EE2E73D4B01}" type="slidenum">
-              <a:rPr lang="es-ES" smtClean="0"/>
-              <a:pPr/>
-              <a:t>12</a:t>
-            </a:fld>
-            <a:endParaRPr lang="es-ES"/>
-          </a:p>
-        </p:txBody>
-      </p:sp>
       <p:pic>
         <p:nvPicPr>
           <p:cNvPr id="21" name="Picture 20">
@@ -9588,64 +9431,6 @@
       </p:grpSpPr>
       <p:sp>
         <p:nvSpPr>
-          <p:cNvPr id="4" name="Footer Placeholder 3">
-            <a:extLst>
-              <a:ext uri="{FF2B5EF4-FFF2-40B4-BE49-F238E27FC236}">
-                <a16:creationId xmlns:a16="http://schemas.microsoft.com/office/drawing/2014/main" id="{FD02F86C-F9DD-D44A-A0F9-D046C600DE15}"/>
-              </a:ext>
-            </a:extLst>
-          </p:cNvPr>
-          <p:cNvSpPr>
-            <a:spLocks noGrp="1"/>
-          </p:cNvSpPr>
-          <p:nvPr>
-            <p:ph type="ftr" sz="quarter" idx="11"/>
-          </p:nvPr>
-        </p:nvSpPr>
-        <p:spPr/>
-        <p:txBody>
-          <a:bodyPr/>
-          <a:lstStyle/>
-          <a:p>
-            <a:r>
-              <a:rPr lang="es-ES"/>
-              <a:t>PAT04_KNN.pptx</a:t>
-            </a:r>
-          </a:p>
-        </p:txBody>
-      </p:sp>
-      <p:sp>
-        <p:nvSpPr>
-          <p:cNvPr id="5" name="Slide Number Placeholder 4">
-            <a:extLst>
-              <a:ext uri="{FF2B5EF4-FFF2-40B4-BE49-F238E27FC236}">
-                <a16:creationId xmlns:a16="http://schemas.microsoft.com/office/drawing/2014/main" id="{50E782FC-6AC4-7740-88AB-91DC48FA230F}"/>
-              </a:ext>
-            </a:extLst>
-          </p:cNvPr>
-          <p:cNvSpPr>
-            <a:spLocks noGrp="1"/>
-          </p:cNvSpPr>
-          <p:nvPr>
-            <p:ph type="sldNum" sz="quarter" idx="12"/>
-          </p:nvPr>
-        </p:nvSpPr>
-        <p:spPr/>
-        <p:txBody>
-          <a:bodyPr/>
-          <a:lstStyle/>
-          <a:p>
-            <a:fld id="{B2515E32-AEC1-A643-BA35-1EE2E73D4B01}" type="slidenum">
-              <a:rPr lang="es-ES" smtClean="0"/>
-              <a:pPr/>
-              <a:t>13</a:t>
-            </a:fld>
-            <a:endParaRPr lang="es-ES"/>
-          </a:p>
-        </p:txBody>
-      </p:sp>
-      <p:sp>
-        <p:nvSpPr>
           <p:cNvPr id="2" name="TextBox 1">
             <a:extLst>
               <a:ext uri="{FF2B5EF4-FFF2-40B4-BE49-F238E27FC236}">
@@ -10026,7 +9811,7 @@
 </file>
 
 <file path=ppt/slides/slide14.xml><?xml version="1.0" encoding="utf-8"?>
-<p:sld xmlns:a="http://schemas.openxmlformats.org/drawingml/2006/main" xmlns:r="http://schemas.openxmlformats.org/officeDocument/2006/relationships" xmlns:p="http://schemas.openxmlformats.org/presentationml/2006/main">
+<p:sld xmlns:a="http://schemas.openxmlformats.org/drawingml/2006/main" xmlns:r="http://schemas.openxmlformats.org/officeDocument/2006/relationships" xmlns:p="http://schemas.openxmlformats.org/presentationml/2006/main" show="0">
   <p:cSld>
     <p:spTree>
       <p:nvGrpSpPr>
@@ -10063,67 +9848,11 @@
           <a:lstStyle/>
           <a:p>
             <a:r>
-              <a:rPr lang="en-US" dirty="0"/>
+              <a:rPr lang="en-US" dirty="0">
+                <a:latin typeface="Trebuchet MS" panose="020B0703020202090204" pitchFamily="34" charset="0"/>
+              </a:rPr>
               <a:t>Example with 80 million images</a:t>
             </a:r>
-          </a:p>
-        </p:txBody>
-      </p:sp>
-      <p:sp>
-        <p:nvSpPr>
-          <p:cNvPr id="3" name="Footer Placeholder 2">
-            <a:extLst>
-              <a:ext uri="{FF2B5EF4-FFF2-40B4-BE49-F238E27FC236}">
-                <a16:creationId xmlns:a16="http://schemas.microsoft.com/office/drawing/2014/main" id="{2479DFF6-DB0F-6545-BFA9-F2D9316F4B25}"/>
-              </a:ext>
-            </a:extLst>
-          </p:cNvPr>
-          <p:cNvSpPr>
-            <a:spLocks noGrp="1"/>
-          </p:cNvSpPr>
-          <p:nvPr>
-            <p:ph type="ftr" sz="quarter" idx="11"/>
-          </p:nvPr>
-        </p:nvSpPr>
-        <p:spPr/>
-        <p:txBody>
-          <a:bodyPr/>
-          <a:lstStyle/>
-          <a:p>
-            <a:r>
-              <a:rPr lang="es-ES"/>
-              <a:t>PAT04_KNN.pptx</a:t>
-            </a:r>
-          </a:p>
-        </p:txBody>
-      </p:sp>
-      <p:sp>
-        <p:nvSpPr>
-          <p:cNvPr id="4" name="Slide Number Placeholder 3">
-            <a:extLst>
-              <a:ext uri="{FF2B5EF4-FFF2-40B4-BE49-F238E27FC236}">
-                <a16:creationId xmlns:a16="http://schemas.microsoft.com/office/drawing/2014/main" id="{8887DB8E-5CFC-AE43-9F77-78E53AA4BD49}"/>
-              </a:ext>
-            </a:extLst>
-          </p:cNvPr>
-          <p:cNvSpPr>
-            <a:spLocks noGrp="1"/>
-          </p:cNvSpPr>
-          <p:nvPr>
-            <p:ph type="sldNum" sz="quarter" idx="12"/>
-          </p:nvPr>
-        </p:nvSpPr>
-        <p:spPr/>
-        <p:txBody>
-          <a:bodyPr/>
-          <a:lstStyle/>
-          <a:p>
-            <a:fld id="{B2515E32-AEC1-A643-BA35-1EE2E73D4B01}" type="slidenum">
-              <a:rPr lang="es-ES" smtClean="0"/>
-              <a:pPr/>
-              <a:t>14</a:t>
-            </a:fld>
-            <a:endParaRPr lang="es-ES"/>
           </a:p>
         </p:txBody>
       </p:sp>
@@ -10141,7 +9870,7 @@
 </file>
 
 <file path=ppt/slides/slide15.xml><?xml version="1.0" encoding="utf-8"?>
-<p:sld xmlns:a="http://schemas.openxmlformats.org/drawingml/2006/main" xmlns:r="http://schemas.openxmlformats.org/officeDocument/2006/relationships" xmlns:p="http://schemas.openxmlformats.org/presentationml/2006/main">
+<p:sld xmlns:a="http://schemas.openxmlformats.org/drawingml/2006/main" xmlns:r="http://schemas.openxmlformats.org/officeDocument/2006/relationships" xmlns:p="http://schemas.openxmlformats.org/presentationml/2006/main" show="0">
   <p:cSld>
     <p:bg>
       <p:bgPr>
@@ -10189,64 +9918,6 @@
           </a:prstGeom>
         </p:spPr>
       </p:pic>
-      <p:sp>
-        <p:nvSpPr>
-          <p:cNvPr id="3" name="Footer Placeholder 2">
-            <a:extLst>
-              <a:ext uri="{FF2B5EF4-FFF2-40B4-BE49-F238E27FC236}">
-                <a16:creationId xmlns:a16="http://schemas.microsoft.com/office/drawing/2014/main" id="{34FB5F57-E535-A84B-8846-02CD67E67F6E}"/>
-              </a:ext>
-            </a:extLst>
-          </p:cNvPr>
-          <p:cNvSpPr>
-            <a:spLocks noGrp="1"/>
-          </p:cNvSpPr>
-          <p:nvPr>
-            <p:ph type="ftr" sz="quarter" idx="11"/>
-          </p:nvPr>
-        </p:nvSpPr>
-        <p:spPr/>
-        <p:txBody>
-          <a:bodyPr/>
-          <a:lstStyle/>
-          <a:p>
-            <a:r>
-              <a:rPr lang="es-ES"/>
-              <a:t>PAT04_KNN.pptx</a:t>
-            </a:r>
-          </a:p>
-        </p:txBody>
-      </p:sp>
-      <p:sp>
-        <p:nvSpPr>
-          <p:cNvPr id="4" name="Slide Number Placeholder 3">
-            <a:extLst>
-              <a:ext uri="{FF2B5EF4-FFF2-40B4-BE49-F238E27FC236}">
-                <a16:creationId xmlns:a16="http://schemas.microsoft.com/office/drawing/2014/main" id="{5243D816-51E9-A644-9498-5AE77704DF53}"/>
-              </a:ext>
-            </a:extLst>
-          </p:cNvPr>
-          <p:cNvSpPr>
-            <a:spLocks noGrp="1"/>
-          </p:cNvSpPr>
-          <p:nvPr>
-            <p:ph type="sldNum" sz="quarter" idx="12"/>
-          </p:nvPr>
-        </p:nvSpPr>
-        <p:spPr/>
-        <p:txBody>
-          <a:bodyPr/>
-          <a:lstStyle/>
-          <a:p>
-            <a:fld id="{0686F2E3-C5C3-A44F-A4BA-7E93651C247F}" type="slidenum">
-              <a:rPr lang="es-ES" smtClean="0"/>
-              <a:pPr/>
-              <a:t>15</a:t>
-            </a:fld>
-            <a:endParaRPr lang="es-ES"/>
-          </a:p>
-        </p:txBody>
-      </p:sp>
     </p:spTree>
     <p:extLst>
       <p:ext uri="{BB962C8B-B14F-4D97-AF65-F5344CB8AC3E}">
@@ -10261,7 +9932,7 @@
 </file>
 
 <file path=ppt/slides/slide16.xml><?xml version="1.0" encoding="utf-8"?>
-<p:sld xmlns:a="http://schemas.openxmlformats.org/drawingml/2006/main" xmlns:r="http://schemas.openxmlformats.org/officeDocument/2006/relationships" xmlns:p="http://schemas.openxmlformats.org/presentationml/2006/main">
+<p:sld xmlns:a="http://schemas.openxmlformats.org/drawingml/2006/main" xmlns:r="http://schemas.openxmlformats.org/officeDocument/2006/relationships" xmlns:p="http://schemas.openxmlformats.org/presentationml/2006/main" show="0">
   <p:cSld>
     <p:bg>
       <p:bgPr>
@@ -10309,156 +9980,10 @@
           </a:prstGeom>
         </p:spPr>
       </p:pic>
-      <p:sp>
-        <p:nvSpPr>
-          <p:cNvPr id="3" name="Footer Placeholder 2">
-            <a:extLst>
-              <a:ext uri="{FF2B5EF4-FFF2-40B4-BE49-F238E27FC236}">
-                <a16:creationId xmlns:a16="http://schemas.microsoft.com/office/drawing/2014/main" id="{68231646-961B-464B-BEF0-C86C9BCDDCA3}"/>
-              </a:ext>
-            </a:extLst>
-          </p:cNvPr>
-          <p:cNvSpPr>
-            <a:spLocks noGrp="1"/>
-          </p:cNvSpPr>
-          <p:nvPr>
-            <p:ph type="ftr" sz="quarter" idx="11"/>
-          </p:nvPr>
-        </p:nvSpPr>
-        <p:spPr/>
-        <p:txBody>
-          <a:bodyPr/>
-          <a:lstStyle/>
-          <a:p>
-            <a:r>
-              <a:rPr lang="es-ES"/>
-              <a:t>PAT04_KNN.pptx</a:t>
-            </a:r>
-          </a:p>
-        </p:txBody>
-      </p:sp>
-      <p:sp>
-        <p:nvSpPr>
-          <p:cNvPr id="4" name="Slide Number Placeholder 3">
-            <a:extLst>
-              <a:ext uri="{FF2B5EF4-FFF2-40B4-BE49-F238E27FC236}">
-                <a16:creationId xmlns:a16="http://schemas.microsoft.com/office/drawing/2014/main" id="{F5F654D4-8667-E344-BFF1-B4520EBE40D6}"/>
-              </a:ext>
-            </a:extLst>
-          </p:cNvPr>
-          <p:cNvSpPr>
-            <a:spLocks noGrp="1"/>
-          </p:cNvSpPr>
-          <p:nvPr>
-            <p:ph type="sldNum" sz="quarter" idx="12"/>
-          </p:nvPr>
-        </p:nvSpPr>
-        <p:spPr/>
-        <p:txBody>
-          <a:bodyPr/>
-          <a:lstStyle/>
-          <a:p>
-            <a:fld id="{0686F2E3-C5C3-A44F-A4BA-7E93651C247F}" type="slidenum">
-              <a:rPr lang="es-ES" smtClean="0"/>
-              <a:pPr/>
-              <a:t>16</a:t>
-            </a:fld>
-            <a:endParaRPr lang="es-ES"/>
-          </a:p>
-        </p:txBody>
-      </p:sp>
     </p:spTree>
     <p:extLst>
       <p:ext uri="{BB962C8B-B14F-4D97-AF65-F5344CB8AC3E}">
         <p14:creationId xmlns:p14="http://schemas.microsoft.com/office/powerpoint/2010/main" val="1660724524"/>
-      </p:ext>
-    </p:extLst>
-  </p:cSld>
-  <p:clrMapOvr>
-    <a:masterClrMapping/>
-  </p:clrMapOvr>
-</p:sld>
-</file>
-
-<file path=ppt/slides/slide17.xml><?xml version="1.0" encoding="utf-8"?>
-<p:sld xmlns:a="http://schemas.openxmlformats.org/drawingml/2006/main" xmlns:r="http://schemas.openxmlformats.org/officeDocument/2006/relationships" xmlns:p="http://schemas.openxmlformats.org/presentationml/2006/main">
-  <p:cSld>
-    <p:spTree>
-      <p:nvGrpSpPr>
-        <p:cNvPr id="1" name=""/>
-        <p:cNvGrpSpPr/>
-        <p:nvPr/>
-      </p:nvGrpSpPr>
-      <p:grpSpPr>
-        <a:xfrm>
-          <a:off x="0" y="0"/>
-          <a:ext cx="0" cy="0"/>
-          <a:chOff x="0" y="0"/>
-          <a:chExt cx="0" cy="0"/>
-        </a:xfrm>
-      </p:grpSpPr>
-      <p:sp>
-        <p:nvSpPr>
-          <p:cNvPr id="4" name="Footer Placeholder 3">
-            <a:extLst>
-              <a:ext uri="{FF2B5EF4-FFF2-40B4-BE49-F238E27FC236}">
-                <a16:creationId xmlns:a16="http://schemas.microsoft.com/office/drawing/2014/main" id="{5412C1AC-F80E-6448-9088-409D63EC5EED}"/>
-              </a:ext>
-            </a:extLst>
-          </p:cNvPr>
-          <p:cNvSpPr>
-            <a:spLocks noGrp="1"/>
-          </p:cNvSpPr>
-          <p:nvPr>
-            <p:ph type="ftr" sz="quarter" idx="11"/>
-          </p:nvPr>
-        </p:nvSpPr>
-        <p:spPr/>
-        <p:txBody>
-          <a:bodyPr/>
-          <a:lstStyle/>
-          <a:p>
-            <a:r>
-              <a:rPr lang="es-ES"/>
-              <a:t>PAT04_KNN.pptx</a:t>
-            </a:r>
-          </a:p>
-        </p:txBody>
-      </p:sp>
-      <p:sp>
-        <p:nvSpPr>
-          <p:cNvPr id="5" name="Slide Number Placeholder 4">
-            <a:extLst>
-              <a:ext uri="{FF2B5EF4-FFF2-40B4-BE49-F238E27FC236}">
-                <a16:creationId xmlns:a16="http://schemas.microsoft.com/office/drawing/2014/main" id="{BCC424CE-F99D-0C44-A55B-F4F89B508868}"/>
-              </a:ext>
-            </a:extLst>
-          </p:cNvPr>
-          <p:cNvSpPr>
-            <a:spLocks noGrp="1"/>
-          </p:cNvSpPr>
-          <p:nvPr>
-            <p:ph type="sldNum" sz="quarter" idx="12"/>
-          </p:nvPr>
-        </p:nvSpPr>
-        <p:spPr/>
-        <p:txBody>
-          <a:bodyPr/>
-          <a:lstStyle/>
-          <a:p>
-            <a:fld id="{B2515E32-AEC1-A643-BA35-1EE2E73D4B01}" type="slidenum">
-              <a:rPr lang="es-ES" smtClean="0"/>
-              <a:pPr/>
-              <a:t>17</a:t>
-            </a:fld>
-            <a:endParaRPr lang="es-ES"/>
-          </a:p>
-        </p:txBody>
-      </p:sp>
-    </p:spTree>
-    <p:extLst>
-      <p:ext uri="{BB962C8B-B14F-4D97-AF65-F5344CB8AC3E}">
-        <p14:creationId xmlns:p14="http://schemas.microsoft.com/office/powerpoint/2010/main" val="1695734496"/>
       </p:ext>
     </p:extLst>
   </p:cSld>
@@ -10514,64 +10039,6 @@
               </a:rPr>
               <a:t>KNN: k nearest neighbors</a:t>
             </a:r>
-          </a:p>
-        </p:txBody>
-      </p:sp>
-      <p:sp>
-        <p:nvSpPr>
-          <p:cNvPr id="2" name="Footer Placeholder 1">
-            <a:extLst>
-              <a:ext uri="{FF2B5EF4-FFF2-40B4-BE49-F238E27FC236}">
-                <a16:creationId xmlns:a16="http://schemas.microsoft.com/office/drawing/2014/main" id="{21BFF12D-C329-524E-9976-B81B40DF1475}"/>
-              </a:ext>
-            </a:extLst>
-          </p:cNvPr>
-          <p:cNvSpPr>
-            <a:spLocks noGrp="1"/>
-          </p:cNvSpPr>
-          <p:nvPr>
-            <p:ph type="ftr" sz="quarter" idx="11"/>
-          </p:nvPr>
-        </p:nvSpPr>
-        <p:spPr/>
-        <p:txBody>
-          <a:bodyPr/>
-          <a:lstStyle/>
-          <a:p>
-            <a:r>
-              <a:rPr lang="es-ES"/>
-              <a:t>PAT04_KNN.pptx</a:t>
-            </a:r>
-          </a:p>
-        </p:txBody>
-      </p:sp>
-      <p:sp>
-        <p:nvSpPr>
-          <p:cNvPr id="3" name="Slide Number Placeholder 2">
-            <a:extLst>
-              <a:ext uri="{FF2B5EF4-FFF2-40B4-BE49-F238E27FC236}">
-                <a16:creationId xmlns:a16="http://schemas.microsoft.com/office/drawing/2014/main" id="{82681762-402C-6C47-8668-76D967036664}"/>
-              </a:ext>
-            </a:extLst>
-          </p:cNvPr>
-          <p:cNvSpPr>
-            <a:spLocks noGrp="1"/>
-          </p:cNvSpPr>
-          <p:nvPr>
-            <p:ph type="sldNum" sz="quarter" idx="12"/>
-          </p:nvPr>
-        </p:nvSpPr>
-        <p:spPr/>
-        <p:txBody>
-          <a:bodyPr/>
-          <a:lstStyle/>
-          <a:p>
-            <a:fld id="{B2515E32-AEC1-A643-BA35-1EE2E73D4B01}" type="slidenum">
-              <a:rPr lang="es-ES" smtClean="0"/>
-              <a:pPr/>
-              <a:t>2</a:t>
-            </a:fld>
-            <a:endParaRPr lang="es-ES"/>
           </a:p>
         </p:txBody>
       </p:sp>
@@ -12295,64 +11762,6 @@
           </a:p>
         </p:txBody>
       </p:sp>
-      <p:sp>
-        <p:nvSpPr>
-          <p:cNvPr id="5" name="Footer Placeholder 4">
-            <a:extLst>
-              <a:ext uri="{FF2B5EF4-FFF2-40B4-BE49-F238E27FC236}">
-                <a16:creationId xmlns:a16="http://schemas.microsoft.com/office/drawing/2014/main" id="{F6A887A0-F3B4-9F45-A366-FE99B5787D3F}"/>
-              </a:ext>
-            </a:extLst>
-          </p:cNvPr>
-          <p:cNvSpPr>
-            <a:spLocks noGrp="1"/>
-          </p:cNvSpPr>
-          <p:nvPr>
-            <p:ph type="ftr" sz="quarter" idx="11"/>
-          </p:nvPr>
-        </p:nvSpPr>
-        <p:spPr/>
-        <p:txBody>
-          <a:bodyPr/>
-          <a:lstStyle/>
-          <a:p>
-            <a:r>
-              <a:rPr lang="es-ES"/>
-              <a:t>PAT04_KNN.pptx</a:t>
-            </a:r>
-          </a:p>
-        </p:txBody>
-      </p:sp>
-      <p:sp>
-        <p:nvSpPr>
-          <p:cNvPr id="44" name="Slide Number Placeholder 43">
-            <a:extLst>
-              <a:ext uri="{FF2B5EF4-FFF2-40B4-BE49-F238E27FC236}">
-                <a16:creationId xmlns:a16="http://schemas.microsoft.com/office/drawing/2014/main" id="{58176632-8996-7543-BF6D-F951FE02E8FA}"/>
-              </a:ext>
-            </a:extLst>
-          </p:cNvPr>
-          <p:cNvSpPr>
-            <a:spLocks noGrp="1"/>
-          </p:cNvSpPr>
-          <p:nvPr>
-            <p:ph type="sldNum" sz="quarter" idx="12"/>
-          </p:nvPr>
-        </p:nvSpPr>
-        <p:spPr/>
-        <p:txBody>
-          <a:bodyPr/>
-          <a:lstStyle/>
-          <a:p>
-            <a:fld id="{B2515E32-AEC1-A643-BA35-1EE2E73D4B01}" type="slidenum">
-              <a:rPr lang="es-ES" smtClean="0"/>
-              <a:pPr/>
-              <a:t>3</a:t>
-            </a:fld>
-            <a:endParaRPr lang="es-ES"/>
-          </a:p>
-        </p:txBody>
-      </p:sp>
     </p:spTree>
     <p:extLst>
       <p:ext uri="{BB962C8B-B14F-4D97-AF65-F5344CB8AC3E}">
@@ -14199,64 +13608,6 @@
               </a:rPr>
               <a:t>?</a:t>
             </a:r>
-          </a:p>
-        </p:txBody>
-      </p:sp>
-      <p:sp>
-        <p:nvSpPr>
-          <p:cNvPr id="3" name="Footer Placeholder 2">
-            <a:extLst>
-              <a:ext uri="{FF2B5EF4-FFF2-40B4-BE49-F238E27FC236}">
-                <a16:creationId xmlns:a16="http://schemas.microsoft.com/office/drawing/2014/main" id="{8798D35A-3702-274A-A2F4-1E0C7193EDEA}"/>
-              </a:ext>
-            </a:extLst>
-          </p:cNvPr>
-          <p:cNvSpPr>
-            <a:spLocks noGrp="1"/>
-          </p:cNvSpPr>
-          <p:nvPr>
-            <p:ph type="ftr" sz="quarter" idx="11"/>
-          </p:nvPr>
-        </p:nvSpPr>
-        <p:spPr/>
-        <p:txBody>
-          <a:bodyPr/>
-          <a:lstStyle/>
-          <a:p>
-            <a:r>
-              <a:rPr lang="es-ES"/>
-              <a:t>PAT04_KNN.pptx</a:t>
-            </a:r>
-          </a:p>
-        </p:txBody>
-      </p:sp>
-      <p:sp>
-        <p:nvSpPr>
-          <p:cNvPr id="47" name="Slide Number Placeholder 46">
-            <a:extLst>
-              <a:ext uri="{FF2B5EF4-FFF2-40B4-BE49-F238E27FC236}">
-                <a16:creationId xmlns:a16="http://schemas.microsoft.com/office/drawing/2014/main" id="{6FBE5D71-5D51-0C46-BB0E-C93CBE07EF20}"/>
-              </a:ext>
-            </a:extLst>
-          </p:cNvPr>
-          <p:cNvSpPr>
-            <a:spLocks noGrp="1"/>
-          </p:cNvSpPr>
-          <p:nvPr>
-            <p:ph type="sldNum" sz="quarter" idx="12"/>
-          </p:nvPr>
-        </p:nvSpPr>
-        <p:spPr/>
-        <p:txBody>
-          <a:bodyPr/>
-          <a:lstStyle/>
-          <a:p>
-            <a:fld id="{B2515E32-AEC1-A643-BA35-1EE2E73D4B01}" type="slidenum">
-              <a:rPr lang="es-ES" smtClean="0"/>
-              <a:pPr/>
-              <a:t>4</a:t>
-            </a:fld>
-            <a:endParaRPr lang="es-ES"/>
           </a:p>
         </p:txBody>
       </p:sp>
@@ -16037,64 +15388,6 @@
           </a:fontRef>
         </p:style>
       </p:cxnSp>
-      <p:sp>
-        <p:nvSpPr>
-          <p:cNvPr id="2" name="Footer Placeholder 1">
-            <a:extLst>
-              <a:ext uri="{FF2B5EF4-FFF2-40B4-BE49-F238E27FC236}">
-                <a16:creationId xmlns:a16="http://schemas.microsoft.com/office/drawing/2014/main" id="{92D2B61D-C063-BF4C-B33F-0AC622F137B7}"/>
-              </a:ext>
-            </a:extLst>
-          </p:cNvPr>
-          <p:cNvSpPr>
-            <a:spLocks noGrp="1"/>
-          </p:cNvSpPr>
-          <p:nvPr>
-            <p:ph type="ftr" sz="quarter" idx="11"/>
-          </p:nvPr>
-        </p:nvSpPr>
-        <p:spPr/>
-        <p:txBody>
-          <a:bodyPr/>
-          <a:lstStyle/>
-          <a:p>
-            <a:r>
-              <a:rPr lang="es-ES"/>
-              <a:t>PAT04_KNN.pptx</a:t>
-            </a:r>
-          </a:p>
-        </p:txBody>
-      </p:sp>
-      <p:sp>
-        <p:nvSpPr>
-          <p:cNvPr id="3" name="Slide Number Placeholder 2">
-            <a:extLst>
-              <a:ext uri="{FF2B5EF4-FFF2-40B4-BE49-F238E27FC236}">
-                <a16:creationId xmlns:a16="http://schemas.microsoft.com/office/drawing/2014/main" id="{0989890B-96F1-9149-B629-5660E0679713}"/>
-              </a:ext>
-            </a:extLst>
-          </p:cNvPr>
-          <p:cNvSpPr>
-            <a:spLocks noGrp="1"/>
-          </p:cNvSpPr>
-          <p:nvPr>
-            <p:ph type="sldNum" sz="quarter" idx="12"/>
-          </p:nvPr>
-        </p:nvSpPr>
-        <p:spPr/>
-        <p:txBody>
-          <a:bodyPr/>
-          <a:lstStyle/>
-          <a:p>
-            <a:fld id="{B2515E32-AEC1-A643-BA35-1EE2E73D4B01}" type="slidenum">
-              <a:rPr lang="es-ES" smtClean="0"/>
-              <a:pPr/>
-              <a:t>5</a:t>
-            </a:fld>
-            <a:endParaRPr lang="es-ES"/>
-          </a:p>
-        </p:txBody>
-      </p:sp>
     </p:spTree>
     <p:extLst>
       <p:ext uri="{BB962C8B-B14F-4D97-AF65-F5344CB8AC3E}">
@@ -19733,64 +19026,6 @@
           </a:p>
         </p:txBody>
       </p:sp>
-      <p:sp>
-        <p:nvSpPr>
-          <p:cNvPr id="3" name="Footer Placeholder 2">
-            <a:extLst>
-              <a:ext uri="{FF2B5EF4-FFF2-40B4-BE49-F238E27FC236}">
-                <a16:creationId xmlns:a16="http://schemas.microsoft.com/office/drawing/2014/main" id="{1E625243-0FF1-B047-84D0-E61727D9EE6B}"/>
-              </a:ext>
-            </a:extLst>
-          </p:cNvPr>
-          <p:cNvSpPr>
-            <a:spLocks noGrp="1"/>
-          </p:cNvSpPr>
-          <p:nvPr>
-            <p:ph type="ftr" sz="quarter" idx="11"/>
-          </p:nvPr>
-        </p:nvSpPr>
-        <p:spPr/>
-        <p:txBody>
-          <a:bodyPr/>
-          <a:lstStyle/>
-          <a:p>
-            <a:r>
-              <a:rPr lang="es-ES"/>
-              <a:t>PAT04_KNN.pptx</a:t>
-            </a:r>
-          </a:p>
-        </p:txBody>
-      </p:sp>
-      <p:sp>
-        <p:nvSpPr>
-          <p:cNvPr id="43" name="Slide Number Placeholder 42">
-            <a:extLst>
-              <a:ext uri="{FF2B5EF4-FFF2-40B4-BE49-F238E27FC236}">
-                <a16:creationId xmlns:a16="http://schemas.microsoft.com/office/drawing/2014/main" id="{5FC600EA-C2E9-8D49-9AAA-EF286414D662}"/>
-              </a:ext>
-            </a:extLst>
-          </p:cNvPr>
-          <p:cNvSpPr>
-            <a:spLocks noGrp="1"/>
-          </p:cNvSpPr>
-          <p:nvPr>
-            <p:ph type="sldNum" sz="quarter" idx="12"/>
-          </p:nvPr>
-        </p:nvSpPr>
-        <p:spPr/>
-        <p:txBody>
-          <a:bodyPr/>
-          <a:lstStyle/>
-          <a:p>
-            <a:fld id="{B2515E32-AEC1-A643-BA35-1EE2E73D4B01}" type="slidenum">
-              <a:rPr lang="es-ES" smtClean="0"/>
-              <a:pPr/>
-              <a:t>6</a:t>
-            </a:fld>
-            <a:endParaRPr lang="es-ES"/>
-          </a:p>
-        </p:txBody>
-      </p:sp>
     </p:spTree>
     <p:extLst>
       <p:ext uri="{BB962C8B-B14F-4D97-AF65-F5344CB8AC3E}">
@@ -26561,64 +25796,6 @@
           </a:p>
         </p:txBody>
       </p:sp>
-      <p:sp>
-        <p:nvSpPr>
-          <p:cNvPr id="3" name="Footer Placeholder 2">
-            <a:extLst>
-              <a:ext uri="{FF2B5EF4-FFF2-40B4-BE49-F238E27FC236}">
-                <a16:creationId xmlns:a16="http://schemas.microsoft.com/office/drawing/2014/main" id="{AF79B6F6-DE80-5844-AC77-631C447150D5}"/>
-              </a:ext>
-            </a:extLst>
-          </p:cNvPr>
-          <p:cNvSpPr>
-            <a:spLocks noGrp="1"/>
-          </p:cNvSpPr>
-          <p:nvPr>
-            <p:ph type="ftr" sz="quarter" idx="11"/>
-          </p:nvPr>
-        </p:nvSpPr>
-        <p:spPr/>
-        <p:txBody>
-          <a:bodyPr/>
-          <a:lstStyle/>
-          <a:p>
-            <a:r>
-              <a:rPr lang="es-ES"/>
-              <a:t>PAT04_KNN.pptx</a:t>
-            </a:r>
-          </a:p>
-        </p:txBody>
-      </p:sp>
-      <p:sp>
-        <p:nvSpPr>
-          <p:cNvPr id="5" name="Slide Number Placeholder 4">
-            <a:extLst>
-              <a:ext uri="{FF2B5EF4-FFF2-40B4-BE49-F238E27FC236}">
-                <a16:creationId xmlns:a16="http://schemas.microsoft.com/office/drawing/2014/main" id="{57CAF12C-213D-3745-BBCC-7E8A8C19F6BA}"/>
-              </a:ext>
-            </a:extLst>
-          </p:cNvPr>
-          <p:cNvSpPr>
-            <a:spLocks noGrp="1"/>
-          </p:cNvSpPr>
-          <p:nvPr>
-            <p:ph type="sldNum" sz="quarter" idx="12"/>
-          </p:nvPr>
-        </p:nvSpPr>
-        <p:spPr/>
-        <p:txBody>
-          <a:bodyPr/>
-          <a:lstStyle/>
-          <a:p>
-            <a:fld id="{B2515E32-AEC1-A643-BA35-1EE2E73D4B01}" type="slidenum">
-              <a:rPr lang="es-ES" smtClean="0"/>
-              <a:pPr/>
-              <a:t>8</a:t>
-            </a:fld>
-            <a:endParaRPr lang="es-ES"/>
-          </a:p>
-        </p:txBody>
-      </p:sp>
     </p:spTree>
     <p:extLst>
       <p:ext uri="{BB962C8B-B14F-4D97-AF65-F5344CB8AC3E}">
@@ -27651,6 +26828,14 @@
             <a:avLst/>
           </a:prstGeom>
           <a:noFill/>
+          <a:ln>
+            <a:solidFill>
+              <a:schemeClr val="accent4">
+                <a:lumMod val="50000"/>
+                <a:lumOff val="50000"/>
+              </a:schemeClr>
+            </a:solidFill>
+          </a:ln>
         </p:spPr>
         <p:txBody>
           <a:bodyPr wrap="none" rtlCol="0">
@@ -27663,7 +26848,17 @@
                 <a:latin typeface="Trebuchet MS"/>
                 <a:cs typeface="Trebuchet MS"/>
               </a:rPr>
-              <a:t>Testing sample is red</a:t>
+              <a:t>Testing sample is </a:t>
+            </a:r>
+            <a:r>
+              <a:rPr lang="en-US" dirty="0">
+                <a:solidFill>
+                  <a:srgbClr val="FF0000"/>
+                </a:solidFill>
+                <a:latin typeface="Trebuchet MS"/>
+                <a:cs typeface="Trebuchet MS"/>
+              </a:rPr>
+              <a:t>red</a:t>
             </a:r>
           </a:p>
         </p:txBody>

--- a/clases/Cap04_Clasificacion/presentations/PAT04_KNN.pptx
+++ b/clases/Cap04_Clasificacion/presentations/PAT04_KNN.pptx
@@ -4184,7 +4184,7 @@
                 </a:solidFill>
                 <a:latin typeface="Trebuchet MS" pitchFamily="34" charset="0"/>
               </a:rPr>
-              <a:t>Departmento de Ciencia de la Computación</a:t>
+              <a:t>Departamento de Ciencia de la Computación</a:t>
             </a:r>
           </a:p>
           <a:p>
@@ -23053,34 +23053,6 @@
       </p:sp>
       <p:sp>
         <p:nvSpPr>
-          <p:cNvPr id="2" name="Footer Placeholder 1">
-            <a:extLst>
-              <a:ext uri="{FF2B5EF4-FFF2-40B4-BE49-F238E27FC236}">
-                <a16:creationId xmlns:a16="http://schemas.microsoft.com/office/drawing/2014/main" id="{72F0B109-5B61-7846-AD43-6D940FD24A32}"/>
-              </a:ext>
-            </a:extLst>
-          </p:cNvPr>
-          <p:cNvSpPr>
-            <a:spLocks noGrp="1"/>
-          </p:cNvSpPr>
-          <p:nvPr>
-            <p:ph type="ftr" sz="quarter" idx="11"/>
-          </p:nvPr>
-        </p:nvSpPr>
-        <p:spPr/>
-        <p:txBody>
-          <a:bodyPr/>
-          <a:lstStyle/>
-          <a:p>
-            <a:r>
-              <a:rPr lang="es-ES"/>
-              <a:t>PAT04_KNN.pptx</a:t>
-            </a:r>
-          </a:p>
-        </p:txBody>
-      </p:sp>
-      <p:sp>
-        <p:nvSpPr>
           <p:cNvPr id="3" name="Slide Number Placeholder 2">
             <a:extLst>
               <a:ext uri="{FF2B5EF4-FFF2-40B4-BE49-F238E27FC236}">
